--- a/Docs/Presentation-TKPMHDT-group04.pptx
+++ b/Docs/Presentation-TKPMHDT-group04.pptx
@@ -1111,7 +1111,7 @@
           <a:p>
             <a:fld id="{19C1CFD7-2B19-4DCF-BD33-9A237203EE26}" type="datetimeFigureOut">
               <a:rPr lang="en-US" smtClean="0"/>
-              <a:t>11/19/2019</a:t>
+              <a:t>11/22/2019</a:t>
             </a:fld>
             <a:endParaRPr lang="en-US"/>
           </a:p>
@@ -1361,7 +1361,7 @@
           <a:p>
             <a:fld id="{19C1CFD7-2B19-4DCF-BD33-9A237203EE26}" type="datetimeFigureOut">
               <a:rPr lang="en-US" smtClean="0"/>
-              <a:t>11/19/2019</a:t>
+              <a:t>11/22/2019</a:t>
             </a:fld>
             <a:endParaRPr lang="en-US"/>
           </a:p>
@@ -1674,7 +1674,7 @@
           <a:p>
             <a:fld id="{19C1CFD7-2B19-4DCF-BD33-9A237203EE26}" type="datetimeFigureOut">
               <a:rPr lang="en-US" smtClean="0"/>
-              <a:t>11/19/2019</a:t>
+              <a:t>11/22/2019</a:t>
             </a:fld>
             <a:endParaRPr lang="en-US"/>
           </a:p>
@@ -2014,7 +2014,7 @@
           <a:p>
             <a:fld id="{19C1CFD7-2B19-4DCF-BD33-9A237203EE26}" type="datetimeFigureOut">
               <a:rPr lang="en-US" smtClean="0"/>
-              <a:t>11/19/2019</a:t>
+              <a:t>11/22/2019</a:t>
             </a:fld>
             <a:endParaRPr lang="en-US"/>
           </a:p>
@@ -2327,7 +2327,7 @@
           <a:p>
             <a:fld id="{19C1CFD7-2B19-4DCF-BD33-9A237203EE26}" type="datetimeFigureOut">
               <a:rPr lang="en-US" smtClean="0"/>
-              <a:t>11/19/2019</a:t>
+              <a:t>11/22/2019</a:t>
             </a:fld>
             <a:endParaRPr lang="en-US"/>
           </a:p>
@@ -2719,7 +2719,7 @@
           <a:p>
             <a:fld id="{19C1CFD7-2B19-4DCF-BD33-9A237203EE26}" type="datetimeFigureOut">
               <a:rPr lang="en-US" smtClean="0"/>
-              <a:t>11/19/2019</a:t>
+              <a:t>11/22/2019</a:t>
             </a:fld>
             <a:endParaRPr lang="en-US"/>
           </a:p>
@@ -2887,7 +2887,7 @@
           <a:p>
             <a:fld id="{19C1CFD7-2B19-4DCF-BD33-9A237203EE26}" type="datetimeFigureOut">
               <a:rPr lang="en-US" smtClean="0"/>
-              <a:t>11/19/2019</a:t>
+              <a:t>11/22/2019</a:t>
             </a:fld>
             <a:endParaRPr lang="en-US"/>
           </a:p>
@@ -3065,7 +3065,7 @@
           <a:p>
             <a:fld id="{19C1CFD7-2B19-4DCF-BD33-9A237203EE26}" type="datetimeFigureOut">
               <a:rPr lang="en-US" smtClean="0"/>
-              <a:t>11/19/2019</a:t>
+              <a:t>11/22/2019</a:t>
             </a:fld>
             <a:endParaRPr lang="en-US"/>
           </a:p>
@@ -3239,7 +3239,7 @@
           <a:p>
             <a:fld id="{19C1CFD7-2B19-4DCF-BD33-9A237203EE26}" type="datetimeFigureOut">
               <a:rPr lang="en-US" smtClean="0"/>
-              <a:t>11/19/2019</a:t>
+              <a:t>11/22/2019</a:t>
             </a:fld>
             <a:endParaRPr lang="en-US"/>
           </a:p>
@@ -3485,7 +3485,7 @@
           <a:p>
             <a:fld id="{19C1CFD7-2B19-4DCF-BD33-9A237203EE26}" type="datetimeFigureOut">
               <a:rPr lang="en-US" smtClean="0"/>
-              <a:t>11/19/2019</a:t>
+              <a:t>11/22/2019</a:t>
             </a:fld>
             <a:endParaRPr lang="en-US"/>
           </a:p>
@@ -3714,7 +3714,7 @@
           <a:p>
             <a:fld id="{19C1CFD7-2B19-4DCF-BD33-9A237203EE26}" type="datetimeFigureOut">
               <a:rPr lang="en-US" smtClean="0"/>
-              <a:t>11/19/2019</a:t>
+              <a:t>11/22/2019</a:t>
             </a:fld>
             <a:endParaRPr lang="en-US"/>
           </a:p>
@@ -4085,7 +4085,7 @@
           <a:p>
             <a:fld id="{19C1CFD7-2B19-4DCF-BD33-9A237203EE26}" type="datetimeFigureOut">
               <a:rPr lang="en-US" smtClean="0"/>
-              <a:t>11/19/2019</a:t>
+              <a:t>11/22/2019</a:t>
             </a:fld>
             <a:endParaRPr lang="en-US"/>
           </a:p>
@@ -4207,7 +4207,7 @@
           <a:p>
             <a:fld id="{19C1CFD7-2B19-4DCF-BD33-9A237203EE26}" type="datetimeFigureOut">
               <a:rPr lang="en-US" smtClean="0"/>
-              <a:t>11/19/2019</a:t>
+              <a:t>11/22/2019</a:t>
             </a:fld>
             <a:endParaRPr lang="en-US"/>
           </a:p>
@@ -4302,7 +4302,7 @@
           <a:p>
             <a:fld id="{19C1CFD7-2B19-4DCF-BD33-9A237203EE26}" type="datetimeFigureOut">
               <a:rPr lang="en-US" smtClean="0"/>
-              <a:t>11/19/2019</a:t>
+              <a:t>11/22/2019</a:t>
             </a:fld>
             <a:endParaRPr lang="en-US"/>
           </a:p>
@@ -4555,7 +4555,7 @@
           <a:p>
             <a:fld id="{19C1CFD7-2B19-4DCF-BD33-9A237203EE26}" type="datetimeFigureOut">
               <a:rPr lang="en-US" smtClean="0"/>
-              <a:t>11/19/2019</a:t>
+              <a:t>11/22/2019</a:t>
             </a:fld>
             <a:endParaRPr lang="en-US"/>
           </a:p>
@@ -4816,7 +4816,7 @@
           <a:p>
             <a:fld id="{19C1CFD7-2B19-4DCF-BD33-9A237203EE26}" type="datetimeFigureOut">
               <a:rPr lang="en-US" smtClean="0"/>
-              <a:t>11/19/2019</a:t>
+              <a:t>11/22/2019</a:t>
             </a:fld>
             <a:endParaRPr lang="en-US"/>
           </a:p>
@@ -5557,7 +5557,7 @@
           <a:p>
             <a:fld id="{19C1CFD7-2B19-4DCF-BD33-9A237203EE26}" type="datetimeFigureOut">
               <a:rPr lang="en-US" smtClean="0"/>
-              <a:t>11/19/2019</a:t>
+              <a:t>11/22/2019</a:t>
             </a:fld>
             <a:endParaRPr lang="en-US"/>
           </a:p>
@@ -6242,7 +6242,7 @@
           <p:nvPr/>
         </p:nvPicPr>
         <p:blipFill>
-          <a:blip r:embed="rId2">
+          <a:blip r:embed="rId2" cstate="hqprint">
             <a:extLst>
               <a:ext uri="{28A0092B-C50C-407E-A947-70E740481C1C}">
                 <a14:useLocalDpi xmlns:a14="http://schemas.microsoft.com/office/drawing/2010/main" val="0"/>
@@ -6255,8 +6255,8 @@
         </p:blipFill>
         <p:spPr>
           <a:xfrm>
-            <a:off x="458436" y="213095"/>
-            <a:ext cx="945361" cy="1211637"/>
+            <a:off x="321753" y="590727"/>
+            <a:ext cx="1437186" cy="1841992"/>
           </a:xfrm>
           <a:prstGeom prst="rect">
             <a:avLst/>
@@ -6278,7 +6278,7 @@
           <p:nvPr/>
         </p:nvPicPr>
         <p:blipFill>
-          <a:blip r:embed="rId3">
+          <a:blip r:embed="rId3" cstate="hqprint">
             <a:extLst>
               <a:ext uri="{28A0092B-C50C-407E-A947-70E740481C1C}">
                 <a14:useLocalDpi xmlns:a14="http://schemas.microsoft.com/office/drawing/2010/main" val="0"/>
@@ -6291,8 +6291,8 @@
         </p:blipFill>
         <p:spPr>
           <a:xfrm>
-            <a:off x="10681687" y="272666"/>
-            <a:ext cx="945361" cy="945361"/>
+            <a:off x="10187184" y="656440"/>
+            <a:ext cx="1710565" cy="1710565"/>
           </a:xfrm>
           <a:prstGeom prst="rect">
             <a:avLst/>
@@ -6375,8 +6375,8 @@
         </p:nvSpPr>
         <p:spPr>
           <a:xfrm>
-            <a:off x="-440686" y="5259910"/>
-            <a:ext cx="3937447" cy="1384995"/>
+            <a:off x="-918357" y="5288340"/>
+            <a:ext cx="4480423" cy="1569660"/>
           </a:xfrm>
           <a:prstGeom prst="rect">
             <a:avLst/>
@@ -6390,21 +6390,21 @@
           <a:lstStyle/>
           <a:p>
             <a:r>
-              <a:rPr lang="en-US" sz="1400" b="1" dirty="0">
+              <a:rPr lang="en-US" sz="1600" b="1" dirty="0">
                 <a:latin typeface="Arial" panose="020B0604020202020204" pitchFamily="34" charset="0"/>
                 <a:cs typeface="Arial" panose="020B0604020202020204" pitchFamily="34" charset="0"/>
               </a:rPr>
               <a:t>		</a:t>
             </a:r>
             <a:r>
-              <a:rPr lang="en-US" sz="1400" b="1" u="sng" dirty="0" err="1">
+              <a:rPr lang="en-US" sz="1600" b="1" u="sng" dirty="0" err="1">
                 <a:latin typeface="Arial" panose="020B0604020202020204" pitchFamily="34" charset="0"/>
                 <a:cs typeface="Arial" panose="020B0604020202020204" pitchFamily="34" charset="0"/>
               </a:rPr>
               <a:t>Nhóm</a:t>
             </a:r>
             <a:r>
-              <a:rPr lang="en-US" sz="1400" b="1" u="sng" dirty="0">
+              <a:rPr lang="en-US" sz="1600" b="1" u="sng" dirty="0">
                 <a:latin typeface="Arial" panose="020B0604020202020204" pitchFamily="34" charset="0"/>
                 <a:cs typeface="Arial" panose="020B0604020202020204" pitchFamily="34" charset="0"/>
               </a:rPr>
@@ -6413,97 +6413,158 @@
           </a:p>
           <a:p>
             <a:r>
-              <a:rPr lang="en-US" sz="1400" b="1" dirty="0">
+              <a:rPr lang="en-US" sz="1600" b="1" dirty="0">
                 <a:latin typeface="Arial" panose="020B0604020202020204" pitchFamily="34" charset="0"/>
                 <a:cs typeface="Arial" panose="020B0604020202020204" pitchFamily="34" charset="0"/>
               </a:rPr>
               <a:t>		Lâm Ph</a:t>
             </a:r>
             <a:r>
-              <a:rPr lang="vi-VN" sz="1400" b="1" dirty="0">
+              <a:rPr lang="vi-VN" sz="1600" b="1" dirty="0">
                 <a:latin typeface="Arial" panose="020B0604020202020204" pitchFamily="34" charset="0"/>
                 <a:cs typeface="Arial" panose="020B0604020202020204" pitchFamily="34" charset="0"/>
               </a:rPr>
               <a:t>ư</a:t>
             </a:r>
             <a:r>
-              <a:rPr lang="en-US" sz="1400" b="1" dirty="0" err="1">
+              <a:rPr lang="en-US" sz="1600" b="1" dirty="0" err="1">
                 <a:latin typeface="Arial" panose="020B0604020202020204" pitchFamily="34" charset="0"/>
                 <a:cs typeface="Arial" panose="020B0604020202020204" pitchFamily="34" charset="0"/>
               </a:rPr>
               <a:t>ớc</a:t>
             </a:r>
             <a:r>
-              <a:rPr lang="en-US" sz="1400" b="1" dirty="0">
-                <a:latin typeface="Arial" panose="020B0604020202020204" pitchFamily="34" charset="0"/>
-                <a:cs typeface="Arial" panose="020B0604020202020204" pitchFamily="34" charset="0"/>
-              </a:rPr>
-              <a:t> Bảo 	16110016</a:t>
-            </a:r>
-          </a:p>
-          <a:p>
-            <a:r>
-              <a:rPr lang="en-US" sz="1400" b="1" dirty="0">
-                <a:latin typeface="Arial" panose="020B0604020202020204" pitchFamily="34" charset="0"/>
-                <a:cs typeface="Arial" panose="020B0604020202020204" pitchFamily="34" charset="0"/>
-              </a:rPr>
-              <a:t>		Lê </a:t>
-            </a:r>
-            <a:r>
-              <a:rPr lang="en-US" sz="1400" b="1" dirty="0" err="1">
+              <a:rPr lang="en-US" sz="1600" b="1" dirty="0">
+                <a:latin typeface="Arial" panose="020B0604020202020204" pitchFamily="34" charset="0"/>
+                <a:cs typeface="Arial" panose="020B0604020202020204" pitchFamily="34" charset="0"/>
+              </a:rPr>
+              <a:t> Bảo </a:t>
+            </a:r>
+            <a:r>
+              <a:rPr lang="en-US" sz="1600" b="1">
+                <a:latin typeface="Arial" panose="020B0604020202020204" pitchFamily="34" charset="0"/>
+                <a:cs typeface="Arial" panose="020B0604020202020204" pitchFamily="34" charset="0"/>
+              </a:rPr>
+              <a:t>	</a:t>
+            </a:r>
+            <a:r>
+              <a:rPr lang="en-US" sz="1600" b="1" smtClean="0">
+                <a:latin typeface="Arial" panose="020B0604020202020204" pitchFamily="34" charset="0"/>
+                <a:cs typeface="Arial" panose="020B0604020202020204" pitchFamily="34" charset="0"/>
+              </a:rPr>
+              <a:t>	16110016</a:t>
+            </a:r>
+            <a:endParaRPr lang="en-US" sz="1600" b="1" dirty="0">
+              <a:latin typeface="Arial" panose="020B0604020202020204" pitchFamily="34" charset="0"/>
+              <a:cs typeface="Arial" panose="020B0604020202020204" pitchFamily="34" charset="0"/>
+            </a:endParaRPr>
+          </a:p>
+          <a:p>
+            <a:r>
+              <a:rPr lang="en-US" sz="1600" b="1" dirty="0">
+                <a:latin typeface="Arial" panose="020B0604020202020204" pitchFamily="34" charset="0"/>
+                <a:cs typeface="Arial" panose="020B0604020202020204" pitchFamily="34" charset="0"/>
+              </a:rPr>
+              <a:t>		</a:t>
+            </a:r>
+            <a:r>
+              <a:rPr lang="en-US" sz="1600" b="1">
+                <a:latin typeface="Arial" panose="020B0604020202020204" pitchFamily="34" charset="0"/>
+                <a:cs typeface="Arial" panose="020B0604020202020204" pitchFamily="34" charset="0"/>
+              </a:rPr>
+              <a:t>Lê </a:t>
+            </a:r>
+            <a:r>
+              <a:rPr lang="en-US" sz="1600" b="1" smtClean="0">
+                <a:latin typeface="Arial" panose="020B0604020202020204" pitchFamily="34" charset="0"/>
+                <a:cs typeface="Arial" panose="020B0604020202020204" pitchFamily="34" charset="0"/>
+              </a:rPr>
+              <a:t>Thiện </a:t>
+            </a:r>
+            <a:r>
+              <a:rPr lang="en-US" sz="1600" b="1" dirty="0">
+                <a:latin typeface="Arial" panose="020B0604020202020204" pitchFamily="34" charset="0"/>
+                <a:cs typeface="Arial" panose="020B0604020202020204" pitchFamily="34" charset="0"/>
+              </a:rPr>
+              <a:t>Duy 	</a:t>
+            </a:r>
+            <a:r>
+              <a:rPr lang="en-US" sz="1600" b="1">
+                <a:latin typeface="Arial" panose="020B0604020202020204" pitchFamily="34" charset="0"/>
+                <a:cs typeface="Arial" panose="020B0604020202020204" pitchFamily="34" charset="0"/>
+              </a:rPr>
+              <a:t>	</a:t>
+            </a:r>
+            <a:r>
+              <a:rPr lang="en-US" sz="1600" b="1" smtClean="0">
+                <a:latin typeface="Arial" panose="020B0604020202020204" pitchFamily="34" charset="0"/>
+                <a:cs typeface="Arial" panose="020B0604020202020204" pitchFamily="34" charset="0"/>
+              </a:rPr>
+              <a:t>	16110034</a:t>
+            </a:r>
+            <a:endParaRPr lang="en-US" sz="1600" b="1" dirty="0">
+              <a:latin typeface="Arial" panose="020B0604020202020204" pitchFamily="34" charset="0"/>
+              <a:cs typeface="Arial" panose="020B0604020202020204" pitchFamily="34" charset="0"/>
+            </a:endParaRPr>
+          </a:p>
+          <a:p>
+            <a:r>
+              <a:rPr lang="en-US" sz="1600" b="1" dirty="0">
+                <a:latin typeface="Arial" panose="020B0604020202020204" pitchFamily="34" charset="0"/>
+                <a:cs typeface="Arial" panose="020B0604020202020204" pitchFamily="34" charset="0"/>
+              </a:rPr>
+              <a:t>		</a:t>
+            </a:r>
+            <a:r>
+              <a:rPr lang="en-US" sz="1600" b="1" dirty="0" err="1">
+                <a:latin typeface="Arial" panose="020B0604020202020204" pitchFamily="34" charset="0"/>
+                <a:cs typeface="Arial" panose="020B0604020202020204" pitchFamily="34" charset="0"/>
+              </a:rPr>
+              <a:t>Bùi</a:t>
+            </a:r>
+            <a:r>
+              <a:rPr lang="en-US" sz="1600" b="1" dirty="0">
+                <a:latin typeface="Arial" panose="020B0604020202020204" pitchFamily="34" charset="0"/>
+                <a:cs typeface="Arial" panose="020B0604020202020204" pitchFamily="34" charset="0"/>
+              </a:rPr>
+              <a:t> Quốc Thanh </a:t>
+            </a:r>
+            <a:r>
+              <a:rPr lang="en-US" sz="1600" b="1">
+                <a:latin typeface="Arial" panose="020B0604020202020204" pitchFamily="34" charset="0"/>
+                <a:cs typeface="Arial" panose="020B0604020202020204" pitchFamily="34" charset="0"/>
+              </a:rPr>
+              <a:t>	</a:t>
+            </a:r>
+            <a:r>
+              <a:rPr lang="en-US" sz="1600" b="1" smtClean="0">
+                <a:latin typeface="Arial" panose="020B0604020202020204" pitchFamily="34" charset="0"/>
+                <a:cs typeface="Arial" panose="020B0604020202020204" pitchFamily="34" charset="0"/>
+              </a:rPr>
+              <a:t>	16110209</a:t>
+            </a:r>
+            <a:endParaRPr lang="en-US" sz="1600" b="1" dirty="0">
+              <a:latin typeface="Arial" panose="020B0604020202020204" pitchFamily="34" charset="0"/>
+              <a:cs typeface="Arial" panose="020B0604020202020204" pitchFamily="34" charset="0"/>
+            </a:endParaRPr>
+          </a:p>
+          <a:p>
+            <a:r>
+              <a:rPr lang="en-US" sz="1600" b="1" dirty="0">
+                <a:latin typeface="Arial" panose="020B0604020202020204" pitchFamily="34" charset="0"/>
+                <a:cs typeface="Arial" panose="020B0604020202020204" pitchFamily="34" charset="0"/>
+              </a:rPr>
+              <a:t>		Nguyễn </a:t>
+            </a:r>
+            <a:r>
+              <a:rPr lang="en-US" sz="1600" b="1" dirty="0" err="1">
                 <a:latin typeface="Arial" panose="020B0604020202020204" pitchFamily="34" charset="0"/>
                 <a:cs typeface="Arial" panose="020B0604020202020204" pitchFamily="34" charset="0"/>
               </a:rPr>
               <a:t>Thiên</a:t>
             </a:r>
             <a:r>
-              <a:rPr lang="en-US" sz="1400" b="1" dirty="0">
-                <a:latin typeface="Arial" panose="020B0604020202020204" pitchFamily="34" charset="0"/>
-                <a:cs typeface="Arial" panose="020B0604020202020204" pitchFamily="34" charset="0"/>
-              </a:rPr>
-              <a:t> Duy 		16110034</a:t>
-            </a:r>
-          </a:p>
-          <a:p>
-            <a:r>
-              <a:rPr lang="en-US" sz="1400" b="1" dirty="0">
-                <a:latin typeface="Arial" panose="020B0604020202020204" pitchFamily="34" charset="0"/>
-                <a:cs typeface="Arial" panose="020B0604020202020204" pitchFamily="34" charset="0"/>
-              </a:rPr>
-              <a:t>		</a:t>
-            </a:r>
-            <a:r>
-              <a:rPr lang="en-US" sz="1400" b="1" dirty="0" err="1">
-                <a:latin typeface="Arial" panose="020B0604020202020204" pitchFamily="34" charset="0"/>
-                <a:cs typeface="Arial" panose="020B0604020202020204" pitchFamily="34" charset="0"/>
-              </a:rPr>
-              <a:t>Bùi</a:t>
-            </a:r>
-            <a:r>
-              <a:rPr lang="en-US" sz="1400" b="1" dirty="0">
-                <a:latin typeface="Arial" panose="020B0604020202020204" pitchFamily="34" charset="0"/>
-                <a:cs typeface="Arial" panose="020B0604020202020204" pitchFamily="34" charset="0"/>
-              </a:rPr>
-              <a:t> Quốc Thanh 	16110209</a:t>
-            </a:r>
-          </a:p>
-          <a:p>
-            <a:r>
-              <a:rPr lang="en-US" sz="1400" b="1" dirty="0">
-                <a:latin typeface="Arial" panose="020B0604020202020204" pitchFamily="34" charset="0"/>
-                <a:cs typeface="Arial" panose="020B0604020202020204" pitchFamily="34" charset="0"/>
-              </a:rPr>
-              <a:t>		Nguyễn </a:t>
-            </a:r>
-            <a:r>
-              <a:rPr lang="en-US" sz="1400" b="1" dirty="0" err="1">
-                <a:latin typeface="Arial" panose="020B0604020202020204" pitchFamily="34" charset="0"/>
-                <a:cs typeface="Arial" panose="020B0604020202020204" pitchFamily="34" charset="0"/>
-              </a:rPr>
-              <a:t>Thiên</a:t>
-            </a:r>
-            <a:r>
-              <a:rPr lang="en-US" sz="1400" b="1" dirty="0">
+              <a:rPr lang="en-US" sz="1600" b="1" dirty="0">
                 <a:latin typeface="Arial" panose="020B0604020202020204" pitchFamily="34" charset="0"/>
                 <a:cs typeface="Arial" panose="020B0604020202020204" pitchFamily="34" charset="0"/>
               </a:rPr>
@@ -6512,12 +6573,30 @@
           </a:p>
           <a:p>
             <a:r>
-              <a:rPr lang="en-US" sz="1400" b="1" dirty="0">
-                <a:latin typeface="Arial" panose="020B0604020202020204" pitchFamily="34" charset="0"/>
-                <a:cs typeface="Arial" panose="020B0604020202020204" pitchFamily="34" charset="0"/>
-              </a:rPr>
-              <a:t>		Phan Thanh Nam	16110162</a:t>
-            </a:r>
+              <a:rPr lang="en-US" sz="1600" b="1" dirty="0">
+                <a:latin typeface="Arial" panose="020B0604020202020204" pitchFamily="34" charset="0"/>
+                <a:cs typeface="Arial" panose="020B0604020202020204" pitchFamily="34" charset="0"/>
+              </a:rPr>
+              <a:t>		Phan Thanh Nam</a:t>
+            </a:r>
+            <a:r>
+              <a:rPr lang="en-US" sz="1600" b="1">
+                <a:latin typeface="Arial" panose="020B0604020202020204" pitchFamily="34" charset="0"/>
+                <a:cs typeface="Arial" panose="020B0604020202020204" pitchFamily="34" charset="0"/>
+              </a:rPr>
+              <a:t>	</a:t>
+            </a:r>
+            <a:r>
+              <a:rPr lang="en-US" sz="1600" b="1" smtClean="0">
+                <a:latin typeface="Arial" panose="020B0604020202020204" pitchFamily="34" charset="0"/>
+                <a:cs typeface="Arial" panose="020B0604020202020204" pitchFamily="34" charset="0"/>
+              </a:rPr>
+              <a:t>	16110162</a:t>
+            </a:r>
+            <a:endParaRPr lang="en-US" sz="1600" b="1" dirty="0">
+              <a:latin typeface="Arial" panose="020B0604020202020204" pitchFamily="34" charset="0"/>
+              <a:cs typeface="Arial" panose="020B0604020202020204" pitchFamily="34" charset="0"/>
+            </a:endParaRPr>
           </a:p>
         </p:txBody>
       </p:sp>
@@ -6535,8 +6614,8 @@
         </p:nvSpPr>
         <p:spPr>
           <a:xfrm>
-            <a:off x="3330388" y="4609285"/>
-            <a:ext cx="4983095" cy="646331"/>
+            <a:off x="2525585" y="4677525"/>
+            <a:ext cx="6592702" cy="830997"/>
           </a:xfrm>
           <a:prstGeom prst="rect">
             <a:avLst/>
@@ -6551,139 +6630,139 @@
           <a:p>
             <a:pPr algn="ctr"/>
             <a:r>
-              <a:rPr lang="en-US" dirty="0" err="1">
+              <a:rPr lang="en-US" sz="2400" dirty="0" err="1">
                 <a:latin typeface="Arial" panose="020B0604020202020204" pitchFamily="34" charset="0"/>
                 <a:cs typeface="Arial" panose="020B0604020202020204" pitchFamily="34" charset="0"/>
               </a:rPr>
               <a:t>Môn</a:t>
             </a:r>
             <a:r>
-              <a:rPr lang="en-US" dirty="0">
-                <a:latin typeface="Arial" panose="020B0604020202020204" pitchFamily="34" charset="0"/>
-                <a:cs typeface="Arial" panose="020B0604020202020204" pitchFamily="34" charset="0"/>
-              </a:rPr>
-              <a:t> </a:t>
-            </a:r>
-            <a:r>
-              <a:rPr lang="en-US" dirty="0" err="1">
+              <a:rPr lang="en-US" sz="2400" dirty="0">
+                <a:latin typeface="Arial" panose="020B0604020202020204" pitchFamily="34" charset="0"/>
+                <a:cs typeface="Arial" panose="020B0604020202020204" pitchFamily="34" charset="0"/>
+              </a:rPr>
+              <a:t> </a:t>
+            </a:r>
+            <a:r>
+              <a:rPr lang="en-US" sz="2400" dirty="0" err="1">
                 <a:latin typeface="Arial" panose="020B0604020202020204" pitchFamily="34" charset="0"/>
                 <a:cs typeface="Arial" panose="020B0604020202020204" pitchFamily="34" charset="0"/>
               </a:rPr>
               <a:t>học</a:t>
             </a:r>
             <a:r>
-              <a:rPr lang="en-US" dirty="0">
+              <a:rPr lang="en-US" sz="2400" dirty="0">
                 <a:latin typeface="Arial" panose="020B0604020202020204" pitchFamily="34" charset="0"/>
                 <a:cs typeface="Arial" panose="020B0604020202020204" pitchFamily="34" charset="0"/>
               </a:rPr>
               <a:t>: </a:t>
             </a:r>
             <a:r>
-              <a:rPr lang="en-US" dirty="0" err="1">
+              <a:rPr lang="en-US" sz="2400" dirty="0" err="1">
                 <a:latin typeface="Arial" panose="020B0604020202020204" pitchFamily="34" charset="0"/>
                 <a:cs typeface="Arial" panose="020B0604020202020204" pitchFamily="34" charset="0"/>
               </a:rPr>
               <a:t>Thiết</a:t>
             </a:r>
             <a:r>
-              <a:rPr lang="en-US" dirty="0">
-                <a:latin typeface="Arial" panose="020B0604020202020204" pitchFamily="34" charset="0"/>
-                <a:cs typeface="Arial" panose="020B0604020202020204" pitchFamily="34" charset="0"/>
-              </a:rPr>
-              <a:t> </a:t>
-            </a:r>
-            <a:r>
-              <a:rPr lang="en-US" dirty="0" err="1">
+              <a:rPr lang="en-US" sz="2400" dirty="0">
+                <a:latin typeface="Arial" panose="020B0604020202020204" pitchFamily="34" charset="0"/>
+                <a:cs typeface="Arial" panose="020B0604020202020204" pitchFamily="34" charset="0"/>
+              </a:rPr>
+              <a:t> </a:t>
+            </a:r>
+            <a:r>
+              <a:rPr lang="en-US" sz="2400" dirty="0" err="1">
                 <a:latin typeface="Arial" panose="020B0604020202020204" pitchFamily="34" charset="0"/>
                 <a:cs typeface="Arial" panose="020B0604020202020204" pitchFamily="34" charset="0"/>
               </a:rPr>
               <a:t>kế</a:t>
             </a:r>
             <a:r>
-              <a:rPr lang="en-US" dirty="0">
-                <a:latin typeface="Arial" panose="020B0604020202020204" pitchFamily="34" charset="0"/>
-                <a:cs typeface="Arial" panose="020B0604020202020204" pitchFamily="34" charset="0"/>
-              </a:rPr>
-              <a:t> </a:t>
-            </a:r>
-            <a:r>
-              <a:rPr lang="en-US" dirty="0" err="1">
+              <a:rPr lang="en-US" sz="2400" dirty="0">
+                <a:latin typeface="Arial" panose="020B0604020202020204" pitchFamily="34" charset="0"/>
+                <a:cs typeface="Arial" panose="020B0604020202020204" pitchFamily="34" charset="0"/>
+              </a:rPr>
+              <a:t> </a:t>
+            </a:r>
+            <a:r>
+              <a:rPr lang="en-US" sz="2400" dirty="0" err="1">
                 <a:latin typeface="Arial" panose="020B0604020202020204" pitchFamily="34" charset="0"/>
                 <a:cs typeface="Arial" panose="020B0604020202020204" pitchFamily="34" charset="0"/>
               </a:rPr>
               <a:t>phần</a:t>
             </a:r>
             <a:r>
-              <a:rPr lang="en-US" dirty="0">
-                <a:latin typeface="Arial" panose="020B0604020202020204" pitchFamily="34" charset="0"/>
-                <a:cs typeface="Arial" panose="020B0604020202020204" pitchFamily="34" charset="0"/>
-              </a:rPr>
-              <a:t> </a:t>
-            </a:r>
-            <a:r>
-              <a:rPr lang="en-US" dirty="0" err="1">
+              <a:rPr lang="en-US" sz="2400" dirty="0">
+                <a:latin typeface="Arial" panose="020B0604020202020204" pitchFamily="34" charset="0"/>
+                <a:cs typeface="Arial" panose="020B0604020202020204" pitchFamily="34" charset="0"/>
+              </a:rPr>
+              <a:t> </a:t>
+            </a:r>
+            <a:r>
+              <a:rPr lang="en-US" sz="2400" dirty="0" err="1">
                 <a:latin typeface="Arial" panose="020B0604020202020204" pitchFamily="34" charset="0"/>
                 <a:cs typeface="Arial" panose="020B0604020202020204" pitchFamily="34" charset="0"/>
               </a:rPr>
               <a:t>mềm</a:t>
             </a:r>
             <a:r>
-              <a:rPr lang="en-US" dirty="0">
+              <a:rPr lang="en-US" sz="2400" dirty="0">
                 <a:latin typeface="Arial" panose="020B0604020202020204" pitchFamily="34" charset="0"/>
                 <a:cs typeface="Arial" panose="020B0604020202020204" pitchFamily="34" charset="0"/>
               </a:rPr>
               <a:t> h</a:t>
             </a:r>
             <a:r>
-              <a:rPr lang="vi-VN" dirty="0">
+              <a:rPr lang="vi-VN" sz="2400" dirty="0">
                 <a:latin typeface="Arial" panose="020B0604020202020204" pitchFamily="34" charset="0"/>
                 <a:cs typeface="Arial" panose="020B0604020202020204" pitchFamily="34" charset="0"/>
               </a:rPr>
               <a:t>ư</a:t>
             </a:r>
             <a:r>
-              <a:rPr lang="en-US" dirty="0" err="1">
+              <a:rPr lang="en-US" sz="2400" dirty="0" err="1">
                 <a:latin typeface="Arial" panose="020B0604020202020204" pitchFamily="34" charset="0"/>
                 <a:cs typeface="Arial" panose="020B0604020202020204" pitchFamily="34" charset="0"/>
               </a:rPr>
               <a:t>ớng</a:t>
             </a:r>
             <a:r>
-              <a:rPr lang="en-US" dirty="0">
-                <a:latin typeface="Arial" panose="020B0604020202020204" pitchFamily="34" charset="0"/>
-                <a:cs typeface="Arial" panose="020B0604020202020204" pitchFamily="34" charset="0"/>
-              </a:rPr>
-              <a:t> </a:t>
-            </a:r>
-            <a:r>
-              <a:rPr lang="en-US" dirty="0" err="1">
+              <a:rPr lang="en-US" sz="2400" dirty="0">
+                <a:latin typeface="Arial" panose="020B0604020202020204" pitchFamily="34" charset="0"/>
+                <a:cs typeface="Arial" panose="020B0604020202020204" pitchFamily="34" charset="0"/>
+              </a:rPr>
+              <a:t> </a:t>
+            </a:r>
+            <a:r>
+              <a:rPr lang="en-US" sz="2400" dirty="0" err="1">
                 <a:latin typeface="Arial" panose="020B0604020202020204" pitchFamily="34" charset="0"/>
                 <a:cs typeface="Arial" panose="020B0604020202020204" pitchFamily="34" charset="0"/>
               </a:rPr>
               <a:t>đối</a:t>
             </a:r>
             <a:r>
-              <a:rPr lang="en-US" dirty="0">
+              <a:rPr lang="en-US" sz="2400" dirty="0">
                 <a:latin typeface="Arial" panose="020B0604020202020204" pitchFamily="34" charset="0"/>
                 <a:cs typeface="Arial" panose="020B0604020202020204" pitchFamily="34" charset="0"/>
               </a:rPr>
               <a:t> t</a:t>
             </a:r>
             <a:r>
-              <a:rPr lang="vi-VN" dirty="0">
+              <a:rPr lang="vi-VN" sz="2400" dirty="0">
                 <a:latin typeface="Arial" panose="020B0604020202020204" pitchFamily="34" charset="0"/>
                 <a:cs typeface="Arial" panose="020B0604020202020204" pitchFamily="34" charset="0"/>
               </a:rPr>
               <a:t>ư</a:t>
             </a:r>
             <a:r>
-              <a:rPr lang="en-US" dirty="0" err="1">
+              <a:rPr lang="en-US" sz="2400" dirty="0" err="1">
                 <a:latin typeface="Arial" panose="020B0604020202020204" pitchFamily="34" charset="0"/>
                 <a:cs typeface="Arial" panose="020B0604020202020204" pitchFamily="34" charset="0"/>
               </a:rPr>
               <a:t>ợng</a:t>
             </a:r>
-            <a:endParaRPr lang="en-US" dirty="0">
+            <a:endParaRPr lang="en-US" sz="2400" dirty="0">
               <a:latin typeface="Arial" panose="020B0604020202020204" pitchFamily="34" charset="0"/>
               <a:cs typeface="Arial" panose="020B0604020202020204" pitchFamily="34" charset="0"/>
             </a:endParaRPr>
@@ -6691,70 +6770,70 @@
           <a:p>
             <a:pPr algn="ctr"/>
             <a:r>
-              <a:rPr lang="en-US" dirty="0" err="1">
+              <a:rPr lang="en-US" sz="2400" dirty="0" err="1">
                 <a:latin typeface="Arial" panose="020B0604020202020204" pitchFamily="34" charset="0"/>
                 <a:cs typeface="Arial" panose="020B0604020202020204" pitchFamily="34" charset="0"/>
               </a:rPr>
               <a:t>Giảng</a:t>
             </a:r>
             <a:r>
-              <a:rPr lang="en-US" dirty="0">
-                <a:latin typeface="Arial" panose="020B0604020202020204" pitchFamily="34" charset="0"/>
-                <a:cs typeface="Arial" panose="020B0604020202020204" pitchFamily="34" charset="0"/>
-              </a:rPr>
-              <a:t> </a:t>
-            </a:r>
-            <a:r>
-              <a:rPr lang="en-US" dirty="0" err="1">
+              <a:rPr lang="en-US" sz="2400" dirty="0">
+                <a:latin typeface="Arial" panose="020B0604020202020204" pitchFamily="34" charset="0"/>
+                <a:cs typeface="Arial" panose="020B0604020202020204" pitchFamily="34" charset="0"/>
+              </a:rPr>
+              <a:t> </a:t>
+            </a:r>
+            <a:r>
+              <a:rPr lang="en-US" sz="2400" dirty="0" err="1">
                 <a:latin typeface="Arial" panose="020B0604020202020204" pitchFamily="34" charset="0"/>
                 <a:cs typeface="Arial" panose="020B0604020202020204" pitchFamily="34" charset="0"/>
               </a:rPr>
               <a:t>viên</a:t>
             </a:r>
             <a:r>
-              <a:rPr lang="en-US" dirty="0">
+              <a:rPr lang="en-US" sz="2400" dirty="0">
                 <a:latin typeface="Arial" panose="020B0604020202020204" pitchFamily="34" charset="0"/>
                 <a:cs typeface="Arial" panose="020B0604020202020204" pitchFamily="34" charset="0"/>
               </a:rPr>
               <a:t>: </a:t>
             </a:r>
             <a:r>
-              <a:rPr lang="en-US" dirty="0" err="1">
+              <a:rPr lang="en-US" sz="2400" dirty="0" err="1">
                 <a:latin typeface="Arial" panose="020B0604020202020204" pitchFamily="34" charset="0"/>
                 <a:cs typeface="Arial" panose="020B0604020202020204" pitchFamily="34" charset="0"/>
               </a:rPr>
               <a:t>Ths</a:t>
             </a:r>
             <a:r>
-              <a:rPr lang="en-US" dirty="0">
+              <a:rPr lang="en-US" sz="2400" dirty="0">
                 <a:latin typeface="Arial" panose="020B0604020202020204" pitchFamily="34" charset="0"/>
                 <a:cs typeface="Arial" panose="020B0604020202020204" pitchFamily="34" charset="0"/>
               </a:rPr>
               <a:t>. Nguyễn Trần </a:t>
             </a:r>
             <a:r>
-              <a:rPr lang="en-US" dirty="0" err="1">
+              <a:rPr lang="en-US" sz="2400" dirty="0" err="1">
                 <a:latin typeface="Arial" panose="020B0604020202020204" pitchFamily="34" charset="0"/>
                 <a:cs typeface="Arial" panose="020B0604020202020204" pitchFamily="34" charset="0"/>
               </a:rPr>
               <a:t>Thi</a:t>
             </a:r>
             <a:r>
-              <a:rPr lang="en-US" dirty="0">
-                <a:latin typeface="Arial" panose="020B0604020202020204" pitchFamily="34" charset="0"/>
-                <a:cs typeface="Arial" panose="020B0604020202020204" pitchFamily="34" charset="0"/>
-              </a:rPr>
-              <a:t> </a:t>
-            </a:r>
-            <a:r>
-              <a:rPr lang="en-US" dirty="0" err="1">
+              <a:rPr lang="en-US" sz="2400" dirty="0">
+                <a:latin typeface="Arial" panose="020B0604020202020204" pitchFamily="34" charset="0"/>
+                <a:cs typeface="Arial" panose="020B0604020202020204" pitchFamily="34" charset="0"/>
+              </a:rPr>
+              <a:t> </a:t>
+            </a:r>
+            <a:r>
+              <a:rPr lang="en-US" sz="2400" dirty="0" err="1">
                 <a:latin typeface="Arial" panose="020B0604020202020204" pitchFamily="34" charset="0"/>
                 <a:cs typeface="Arial" panose="020B0604020202020204" pitchFamily="34" charset="0"/>
               </a:rPr>
               <a:t>Văn</a:t>
             </a:r>
             <a:r>
-              <a:rPr lang="en-US" dirty="0">
+              <a:rPr lang="en-US" sz="2400" dirty="0">
                 <a:latin typeface="Arial" panose="020B0604020202020204" pitchFamily="34" charset="0"/>
                 <a:cs typeface="Arial" panose="020B0604020202020204" pitchFamily="34" charset="0"/>
               </a:rPr>
@@ -7002,6 +7081,13 @@
   <p:clrMapOvr>
     <a:masterClrMapping/>
   </p:clrMapOvr>
+  <p:timing>
+    <p:tnLst>
+      <p:par>
+        <p:cTn id="1" dur="indefinite" restart="never" nodeType="tmRoot"/>
+      </p:par>
+    </p:tnLst>
+  </p:timing>
 </p:sld>
 </file>
 
@@ -7038,7 +7124,7 @@
         </p:nvSpPr>
         <p:spPr>
           <a:xfrm>
-            <a:off x="578088" y="1072991"/>
+            <a:off x="578088" y="759091"/>
             <a:ext cx="8911687" cy="1280890"/>
           </a:xfrm>
           <a:prstGeom prst="rect">
@@ -7151,7 +7237,7 @@
         </p:nvSpPr>
         <p:spPr>
           <a:xfrm>
-            <a:off x="531243" y="1978632"/>
+            <a:off x="531243" y="1692024"/>
             <a:ext cx="9634267" cy="4424603"/>
           </a:xfrm>
           <a:prstGeom prst="rect">
@@ -7160,7 +7246,7 @@
         </p:spPr>
         <p:txBody>
           <a:bodyPr vert="horz" lIns="91440" tIns="45720" rIns="91440" bIns="45720" rtlCol="0" anchor="t">
-            <a:normAutofit fontScale="92500" lnSpcReduction="20000"/>
+            <a:noAutofit/>
           </a:bodyPr>
           <a:lstStyle>
             <a:lvl1pPr marL="342900" indent="-342900" algn="l" defTabSz="457200" rtl="0" eaLnBrk="1" latinLnBrk="0" hangingPunct="1">
@@ -7516,11 +7602,18 @@
               <a:t> </a:t>
             </a:r>
             <a:r>
+              <a:rPr lang="vi-VN" sz="2000" smtClean="0">
+                <a:latin typeface="Arial"/>
+                <a:cs typeface="Arial"/>
+              </a:rPr>
+              <a:t>Mẫu Singleton </a:t>
+            </a:r>
+            <a:r>
               <a:rPr lang="vi-VN" sz="2000">
                 <a:latin typeface="Arial"/>
                 <a:cs typeface="Arial"/>
               </a:rPr>
-              <a:t>mẫu Singleton có thể che dấu thiết kế xấu cho 1 instance , khi các thành phần của chương trình biết quá nhiều về nhau.</a:t>
+              <a:t>có thể che dấu thiết kế xấu cho 1 instance , khi các thành phần của chương trình biết quá nhiều về nhau.</a:t>
             </a:r>
           </a:p>
           <a:p>
@@ -7528,11 +7621,32 @@
               <a:buNone/>
             </a:pPr>
             <a:r>
+              <a:rPr lang="vi-VN" sz="2000" smtClean="0">
+                <a:latin typeface="Arial"/>
+                <a:cs typeface="Arial"/>
+              </a:rPr>
+              <a:t>-</a:t>
+            </a:r>
+            <a:r>
+              <a:rPr lang="en-US" sz="2000" smtClean="0">
+                <a:latin typeface="Arial"/>
+                <a:cs typeface="Arial"/>
+              </a:rPr>
+              <a:t> </a:t>
+            </a:r>
+            <a:r>
+              <a:rPr lang="vi-VN" sz="2000" smtClean="0">
+                <a:latin typeface="Arial"/>
+                <a:cs typeface="Arial"/>
+              </a:rPr>
+              <a:t>Mẫu </a:t>
+            </a:r>
+            <a:r>
               <a:rPr lang="vi-VN" sz="2000">
                 <a:latin typeface="Arial"/>
                 <a:cs typeface="Arial"/>
               </a:rPr>
-              <a:t>-	Mẫu này yêu cầu xử lý đặc biệt trong môi trường đa luồng để nhiều luồng giành được tạo ra một đối tượng đơn lẻ nhiều lần.</a:t>
+              <a:t>này yêu cầu xử lý đặc biệt trong môi trường đa luồng để nhiều luồng giành được tạo ra một đối tượng đơn lẻ nhiều lần.</a:t>
             </a:r>
           </a:p>
           <a:p>
@@ -7540,11 +7654,32 @@
               <a:buNone/>
             </a:pPr>
             <a:r>
+              <a:rPr lang="vi-VN" sz="2000" smtClean="0">
+                <a:latin typeface="Arial"/>
+                <a:cs typeface="Arial"/>
+              </a:rPr>
+              <a:t>-</a:t>
+            </a:r>
+            <a:r>
+              <a:rPr lang="en-US" sz="2000" smtClean="0">
+                <a:latin typeface="Arial"/>
+                <a:cs typeface="Arial"/>
+              </a:rPr>
+              <a:t> </a:t>
+            </a:r>
+            <a:r>
+              <a:rPr lang="vi-VN" sz="2000" smtClean="0">
+                <a:latin typeface="Arial"/>
+                <a:cs typeface="Arial"/>
+              </a:rPr>
+              <a:t>Có </a:t>
+            </a:r>
+            <a:r>
               <a:rPr lang="vi-VN" sz="2000">
                 <a:latin typeface="Arial"/>
                 <a:cs typeface="Arial"/>
               </a:rPr>
-              <a:t>-	Có thể khó cho unit test, Vì hàm tạo của lớp singleton là riêng tư và việc ghi đè các phương thức tĩnh là không thể trong hầu hết các ngôn ngữ.</a:t>
+              <a:t>thể khó cho unit test, Vì hàm tạo của lớp singleton là riêng tư và việc ghi đè các phương thức tĩnh là không thể trong hầu hết các ngôn ngữ.</a:t>
             </a:r>
           </a:p>
           <a:p>
@@ -7668,6 +7803,13 @@
   <p:transition spd="slow">
     <p:wipe/>
   </p:transition>
+  <p:timing>
+    <p:tnLst>
+      <p:par>
+        <p:cTn id="1" dur="indefinite" restart="never" nodeType="tmRoot"/>
+      </p:par>
+    </p:tnLst>
+  </p:timing>
 </p:sld>
 </file>
 
@@ -7817,7 +7959,7 @@
         </p:nvSpPr>
         <p:spPr>
           <a:xfrm>
-            <a:off x="758095" y="2243875"/>
+            <a:off x="758095" y="2284819"/>
             <a:ext cx="8915400" cy="3777622"/>
           </a:xfrm>
           <a:prstGeom prst="rect">
@@ -8049,7 +8191,7 @@
           <a:p>
             <a:pPr lvl="0"/>
             <a:r>
-              <a:rPr lang="en-US">
+              <a:rPr lang="en-US" sz="2400">
                 <a:solidFill>
                   <a:schemeClr val="tx1"/>
                 </a:solidFill>
@@ -8062,7 +8204,7 @@
           <a:p>
             <a:pPr lvl="0"/>
             <a:r>
-              <a:rPr lang="vi-VN">
+              <a:rPr lang="vi-VN" sz="2400">
                 <a:solidFill>
                   <a:schemeClr val="tx1"/>
                 </a:solidFill>
@@ -8072,7 +8214,7 @@
               <a:t>Fly</a:t>
             </a:r>
             <a:r>
-              <a:rPr lang="en-US">
+              <a:rPr lang="en-US" sz="2400">
                 <a:solidFill>
                   <a:schemeClr val="tx1"/>
                 </a:solidFill>
@@ -8082,7 +8224,7 @@
               <a:t>weight</a:t>
             </a:r>
             <a:r>
-              <a:rPr lang="vi-VN">
+              <a:rPr lang="vi-VN" sz="2400">
                 <a:solidFill>
                   <a:schemeClr val="tx1"/>
                 </a:solidFill>
@@ -8092,7 +8234,7 @@
               <a:t> sẽ giống với Singleton nếu bằng cách nào đó quản lý để giảm tất </a:t>
             </a:r>
             <a:r>
-              <a:rPr lang="vi-VN" err="1">
+              <a:rPr lang="vi-VN" sz="2400" err="1">
                 <a:solidFill>
                   <a:schemeClr val="tx1"/>
                 </a:solidFill>
@@ -8102,7 +8244,7 @@
               <a:t>cả</a:t>
             </a:r>
             <a:r>
-              <a:rPr lang="vi-VN">
+              <a:rPr lang="vi-VN" sz="2400">
                 <a:solidFill>
                   <a:schemeClr val="tx1"/>
                 </a:solidFill>
@@ -8112,7 +8254,7 @@
               <a:t> </a:t>
             </a:r>
             <a:r>
-              <a:rPr lang="vi-VN" err="1">
+              <a:rPr lang="vi-VN" sz="2400" err="1">
                 <a:solidFill>
                   <a:schemeClr val="tx1"/>
                 </a:solidFill>
@@ -8122,7 +8264,7 @@
               <a:t>các</a:t>
             </a:r>
             <a:r>
-              <a:rPr lang="vi-VN">
+              <a:rPr lang="vi-VN" sz="2400">
                 <a:solidFill>
                   <a:schemeClr val="tx1"/>
                 </a:solidFill>
@@ -8132,7 +8274,7 @@
               <a:t> </a:t>
             </a:r>
             <a:r>
-              <a:rPr lang="vi-VN" err="1">
+              <a:rPr lang="vi-VN" sz="2400" err="1">
                 <a:solidFill>
                   <a:schemeClr val="tx1"/>
                 </a:solidFill>
@@ -8142,7 +8284,7 @@
               <a:t>trạng</a:t>
             </a:r>
             <a:r>
-              <a:rPr lang="vi-VN">
+              <a:rPr lang="vi-VN" sz="2400">
                 <a:solidFill>
                   <a:schemeClr val="tx1"/>
                 </a:solidFill>
@@ -8152,7 +8294,7 @@
               <a:t> </a:t>
             </a:r>
             <a:r>
-              <a:rPr lang="vi-VN" err="1">
+              <a:rPr lang="vi-VN" sz="2400" err="1">
                 <a:solidFill>
                   <a:schemeClr val="tx1"/>
                 </a:solidFill>
@@ -8162,7 +8304,7 @@
               <a:t>thái</a:t>
             </a:r>
             <a:r>
-              <a:rPr lang="vi-VN">
+              <a:rPr lang="vi-VN" sz="2400">
                 <a:solidFill>
                   <a:schemeClr val="tx1"/>
                 </a:solidFill>
@@ -8172,7 +8314,7 @@
               <a:t> </a:t>
             </a:r>
             <a:r>
-              <a:rPr lang="vi-VN" err="1">
+              <a:rPr lang="vi-VN" sz="2400" err="1">
                 <a:solidFill>
                   <a:schemeClr val="tx1"/>
                 </a:solidFill>
@@ -8182,7 +8324,7 @@
               <a:t>được</a:t>
             </a:r>
             <a:r>
-              <a:rPr lang="vi-VN">
+              <a:rPr lang="vi-VN" sz="2400">
                 <a:solidFill>
                   <a:schemeClr val="tx1"/>
                 </a:solidFill>
@@ -8192,7 +8334,7 @@
               <a:t> chia </a:t>
             </a:r>
             <a:r>
-              <a:rPr lang="vi-VN" err="1">
+              <a:rPr lang="vi-VN" sz="2400" err="1">
                 <a:solidFill>
                   <a:schemeClr val="tx1"/>
                 </a:solidFill>
@@ -8202,7 +8344,7 @@
               <a:t>sẻ</a:t>
             </a:r>
             <a:r>
-              <a:rPr lang="vi-VN">
+              <a:rPr lang="vi-VN" sz="2400">
                 <a:solidFill>
                   <a:schemeClr val="tx1"/>
                 </a:solidFill>
@@ -8212,7 +8354,7 @@
               <a:t> </a:t>
             </a:r>
             <a:r>
-              <a:rPr lang="vi-VN" err="1">
+              <a:rPr lang="vi-VN" sz="2400" err="1">
                 <a:solidFill>
                   <a:schemeClr val="tx1"/>
                 </a:solidFill>
@@ -8222,7 +8364,7 @@
               <a:t>của</a:t>
             </a:r>
             <a:r>
-              <a:rPr lang="vi-VN">
+              <a:rPr lang="vi-VN" sz="2400">
                 <a:solidFill>
                   <a:schemeClr val="tx1"/>
                 </a:solidFill>
@@ -8232,7 +8374,7 @@
               <a:t> </a:t>
             </a:r>
             <a:r>
-              <a:rPr lang="vi-VN" err="1">
+              <a:rPr lang="vi-VN" sz="2400" err="1">
                 <a:solidFill>
                   <a:schemeClr val="tx1"/>
                 </a:solidFill>
@@ -8242,7 +8384,7 @@
               <a:t>các</a:t>
             </a:r>
             <a:r>
-              <a:rPr lang="vi-VN">
+              <a:rPr lang="vi-VN" sz="2400">
                 <a:solidFill>
                   <a:schemeClr val="tx1"/>
                 </a:solidFill>
@@ -8252,7 +8394,7 @@
               <a:t> </a:t>
             </a:r>
             <a:r>
-              <a:rPr lang="vi-VN" err="1">
+              <a:rPr lang="vi-VN" sz="2400" err="1">
                 <a:solidFill>
                   <a:schemeClr val="tx1"/>
                 </a:solidFill>
@@ -8262,7 +8404,7 @@
               <a:t>đối</a:t>
             </a:r>
             <a:r>
-              <a:rPr lang="vi-VN">
+              <a:rPr lang="vi-VN" sz="2400">
                 <a:solidFill>
                   <a:schemeClr val="tx1"/>
                 </a:solidFill>
@@ -8272,7 +8414,7 @@
               <a:t> </a:t>
             </a:r>
             <a:r>
-              <a:rPr lang="vi-VN" err="1">
+              <a:rPr lang="vi-VN" sz="2400" err="1">
                 <a:solidFill>
                   <a:schemeClr val="tx1"/>
                 </a:solidFill>
@@ -8282,7 +8424,7 @@
               <a:t>tượng</a:t>
             </a:r>
             <a:r>
-              <a:rPr lang="vi-VN">
+              <a:rPr lang="vi-VN" sz="2400">
                 <a:solidFill>
                   <a:schemeClr val="tx1"/>
                 </a:solidFill>
@@ -8292,7 +8434,7 @@
               <a:t> </a:t>
             </a:r>
             <a:r>
-              <a:rPr lang="vi-VN" err="1">
+              <a:rPr lang="vi-VN" sz="2400" err="1">
                 <a:solidFill>
                   <a:schemeClr val="tx1"/>
                 </a:solidFill>
@@ -8302,7 +8444,7 @@
               <a:t>thành</a:t>
             </a:r>
             <a:r>
-              <a:rPr lang="vi-VN">
+              <a:rPr lang="vi-VN" sz="2400">
                 <a:solidFill>
                   <a:schemeClr val="tx1"/>
                 </a:solidFill>
@@ -8312,7 +8454,7 @@
               <a:t> </a:t>
             </a:r>
             <a:r>
-              <a:rPr lang="vi-VN" err="1">
+              <a:rPr lang="vi-VN" sz="2400" err="1">
                 <a:solidFill>
                   <a:schemeClr val="tx1"/>
                 </a:solidFill>
@@ -8322,7 +8464,7 @@
               <a:t>chỉ</a:t>
             </a:r>
             <a:r>
-              <a:rPr lang="vi-VN">
+              <a:rPr lang="vi-VN" sz="2400">
                 <a:solidFill>
                   <a:schemeClr val="tx1"/>
                 </a:solidFill>
@@ -8332,7 +8474,7 @@
               <a:t> </a:t>
             </a:r>
             <a:r>
-              <a:rPr lang="vi-VN" err="1">
+              <a:rPr lang="vi-VN" sz="2400" err="1">
                 <a:solidFill>
                   <a:schemeClr val="tx1"/>
                 </a:solidFill>
@@ -8342,7 +8484,7 @@
               <a:t>một</a:t>
             </a:r>
             <a:r>
-              <a:rPr lang="vi-VN">
+              <a:rPr lang="vi-VN" sz="2400">
                 <a:solidFill>
                   <a:schemeClr val="tx1"/>
                 </a:solidFill>
@@ -8352,7 +8494,7 @@
               <a:t> </a:t>
             </a:r>
             <a:r>
-              <a:rPr lang="vi-VN" err="1">
+              <a:rPr lang="vi-VN" sz="2400" err="1">
                 <a:solidFill>
                   <a:schemeClr val="tx1"/>
                 </a:solidFill>
@@ -8362,7 +8504,7 @@
               <a:t>đối</a:t>
             </a:r>
             <a:r>
-              <a:rPr lang="vi-VN">
+              <a:rPr lang="vi-VN" sz="2400">
                 <a:solidFill>
                   <a:schemeClr val="tx1"/>
                 </a:solidFill>
@@ -8372,7 +8514,7 @@
               <a:t> </a:t>
             </a:r>
             <a:r>
-              <a:rPr lang="vi-VN" err="1">
+              <a:rPr lang="vi-VN" sz="2400" err="1">
                 <a:solidFill>
                   <a:schemeClr val="tx1"/>
                 </a:solidFill>
@@ -8382,7 +8524,7 @@
               <a:t>tượng</a:t>
             </a:r>
             <a:r>
-              <a:rPr lang="vi-VN">
+              <a:rPr lang="vi-VN" sz="2400">
                 <a:solidFill>
                   <a:schemeClr val="tx1"/>
                 </a:solidFill>
@@ -8392,7 +8534,7 @@
               <a:t> </a:t>
             </a:r>
             <a:r>
-              <a:rPr lang="vi-VN" err="1">
+              <a:rPr lang="vi-VN" sz="2400" err="1">
                 <a:solidFill>
                   <a:schemeClr val="tx1"/>
                 </a:solidFill>
@@ -8402,7 +8544,7 @@
               <a:t>flyweight</a:t>
             </a:r>
             <a:r>
-              <a:rPr lang="vi-VN">
+              <a:rPr lang="vi-VN" sz="2400">
                 <a:solidFill>
                   <a:schemeClr val="tx1"/>
                 </a:solidFill>
@@ -8411,7 +8553,7 @@
               </a:rPr>
               <a:t>.</a:t>
             </a:r>
-            <a:endParaRPr lang="en-US">
+            <a:endParaRPr lang="en-US" sz="2400">
               <a:solidFill>
                 <a:schemeClr val="tx1"/>
               </a:solidFill>
@@ -8422,7 +8564,7 @@
           <a:p>
             <a:pPr lvl="0"/>
             <a:r>
-              <a:rPr lang="en-US">
+              <a:rPr lang="en-US" sz="2400">
                 <a:solidFill>
                   <a:schemeClr val="tx1"/>
                 </a:solidFill>
@@ -8432,7 +8574,7 @@
               <a:t> Abstract Factories, Builders</a:t>
             </a:r>
             <a:r>
-              <a:rPr lang="vi-VN">
+              <a:rPr lang="vi-VN" sz="2400">
                 <a:solidFill>
                   <a:schemeClr val="tx1"/>
                 </a:solidFill>
@@ -8442,7 +8584,7 @@
               <a:t> </a:t>
             </a:r>
             <a:r>
-              <a:rPr lang="en-US">
+              <a:rPr lang="en-US" sz="2400">
                 <a:solidFill>
                   <a:schemeClr val="tx1"/>
                 </a:solidFill>
@@ -8452,7 +8594,7 @@
               <a:t>và Protypes</a:t>
             </a:r>
             <a:r>
-              <a:rPr lang="vi-VN">
+              <a:rPr lang="vi-VN" sz="2400">
                 <a:solidFill>
                   <a:schemeClr val="tx1"/>
                 </a:solidFill>
@@ -8462,7 +8604,7 @@
               <a:t> tất cả có thể được thực hiện</a:t>
             </a:r>
             <a:r>
-              <a:rPr lang="en-US">
+              <a:rPr lang="en-US" sz="2400">
                 <a:solidFill>
                   <a:schemeClr val="tx1"/>
                 </a:solidFill>
@@ -8472,7 +8614,7 @@
               <a:t> như là một Singleton</a:t>
             </a:r>
             <a:r>
-              <a:rPr lang="vi-VN">
+              <a:rPr lang="vi-VN" sz="2400">
                 <a:solidFill>
                   <a:schemeClr val="tx1"/>
                 </a:solidFill>
@@ -8481,7 +8623,7 @@
               </a:rPr>
               <a:t>.</a:t>
             </a:r>
-            <a:endParaRPr lang="en-US">
+            <a:endParaRPr lang="en-US" sz="2400">
               <a:solidFill>
                 <a:schemeClr val="tx1"/>
               </a:solidFill>
@@ -8490,7 +8632,7 @@
             </a:endParaRPr>
           </a:p>
           <a:p>
-            <a:endParaRPr lang="en-US">
+            <a:endParaRPr lang="en-US" sz="2400">
               <a:solidFill>
                 <a:schemeClr val="tx1"/>
               </a:solidFill>
@@ -8601,18 +8743,25 @@
   <p:clrMapOvr>
     <a:masterClrMapping/>
   </p:clrMapOvr>
-  <mc:AlternateContent xmlns:mc="http://schemas.openxmlformats.org/markup-compatibility/2006">
-    <mc:Choice xmlns:p14="http://schemas.microsoft.com/office/powerpoint/2010/main" Requires="p14">
+  <mc:AlternateContent xmlns:mc="http://schemas.openxmlformats.org/markup-compatibility/2006" xmlns:p14="http://schemas.microsoft.com/office/powerpoint/2010/main">
+    <mc:Choice Requires="p14">
       <p:transition spd="slow" p14:dur="1500">
         <p:split orient="vert"/>
       </p:transition>
     </mc:Choice>
-    <mc:Fallback>
+    <mc:Fallback xmlns="">
       <p:transition spd="slow">
         <p:split orient="vert"/>
       </p:transition>
     </mc:Fallback>
   </mc:AlternateContent>
+  <p:timing>
+    <p:tnLst>
+      <p:par>
+        <p:cTn id="1" dur="indefinite" restart="never" nodeType="tmRoot"/>
+      </p:par>
+    </p:tnLst>
+  </p:timing>
 </p:sld>
 </file>
 
@@ -8751,8 +8900,8 @@
         </p:nvSpPr>
         <p:spPr>
           <a:xfrm>
-            <a:off x="1099752" y="1030310"/>
-            <a:ext cx="9366078" cy="646331"/>
+            <a:off x="499248" y="1030310"/>
+            <a:ext cx="9366078" cy="1200329"/>
           </a:xfrm>
           <a:prstGeom prst="rect">
             <a:avLst/>
@@ -8766,384 +8915,384 @@
           <a:lstStyle/>
           <a:p>
             <a:r>
-              <a:rPr lang="en-US">
+              <a:rPr lang="en-US" sz="2400">
                 <a:latin typeface="Arial" panose="020B0604020202020204" pitchFamily="34" charset="0"/>
                 <a:cs typeface="Arial" panose="020B0604020202020204" pitchFamily="34" charset="0"/>
               </a:rPr>
               <a:t>Constructor pattern </a:t>
             </a:r>
             <a:r>
-              <a:rPr lang="en-US" err="1">
+              <a:rPr lang="en-US" sz="2400" err="1">
                 <a:latin typeface="Arial" panose="020B0604020202020204" pitchFamily="34" charset="0"/>
                 <a:cs typeface="Arial" panose="020B0604020202020204" pitchFamily="34" charset="0"/>
               </a:rPr>
               <a:t>là</a:t>
             </a:r>
             <a:r>
-              <a:rPr lang="en-US">
-                <a:latin typeface="Arial" panose="020B0604020202020204" pitchFamily="34" charset="0"/>
-                <a:cs typeface="Arial" panose="020B0604020202020204" pitchFamily="34" charset="0"/>
-              </a:rPr>
-              <a:t> </a:t>
-            </a:r>
-            <a:r>
-              <a:rPr lang="en-US" err="1">
+              <a:rPr lang="en-US" sz="2400">
+                <a:latin typeface="Arial" panose="020B0604020202020204" pitchFamily="34" charset="0"/>
+                <a:cs typeface="Arial" panose="020B0604020202020204" pitchFamily="34" charset="0"/>
+              </a:rPr>
+              <a:t> </a:t>
+            </a:r>
+            <a:r>
+              <a:rPr lang="en-US" sz="2400" err="1">
                 <a:latin typeface="Arial" panose="020B0604020202020204" pitchFamily="34" charset="0"/>
                 <a:cs typeface="Arial" panose="020B0604020202020204" pitchFamily="34" charset="0"/>
               </a:rPr>
               <a:t>một</a:t>
             </a:r>
             <a:r>
-              <a:rPr lang="en-US">
-                <a:latin typeface="Arial" panose="020B0604020202020204" pitchFamily="34" charset="0"/>
-                <a:cs typeface="Arial" panose="020B0604020202020204" pitchFamily="34" charset="0"/>
-              </a:rPr>
-              <a:t> </a:t>
-            </a:r>
-            <a:r>
-              <a:rPr lang="en-US" err="1">
+              <a:rPr lang="en-US" sz="2400">
+                <a:latin typeface="Arial" panose="020B0604020202020204" pitchFamily="34" charset="0"/>
+                <a:cs typeface="Arial" panose="020B0604020202020204" pitchFamily="34" charset="0"/>
+              </a:rPr>
+              <a:t> </a:t>
+            </a:r>
+            <a:r>
+              <a:rPr lang="en-US" sz="2400" err="1">
                 <a:latin typeface="Arial" panose="020B0604020202020204" pitchFamily="34" charset="0"/>
                 <a:cs typeface="Arial" panose="020B0604020202020204" pitchFamily="34" charset="0"/>
               </a:rPr>
               <a:t>phương</a:t>
             </a:r>
             <a:r>
-              <a:rPr lang="en-US">
-                <a:latin typeface="Arial" panose="020B0604020202020204" pitchFamily="34" charset="0"/>
-                <a:cs typeface="Arial" panose="020B0604020202020204" pitchFamily="34" charset="0"/>
-              </a:rPr>
-              <a:t> </a:t>
-            </a:r>
-            <a:r>
-              <a:rPr lang="en-US" err="1">
+              <a:rPr lang="en-US" sz="2400">
+                <a:latin typeface="Arial" panose="020B0604020202020204" pitchFamily="34" charset="0"/>
+                <a:cs typeface="Arial" panose="020B0604020202020204" pitchFamily="34" charset="0"/>
+              </a:rPr>
+              <a:t> </a:t>
+            </a:r>
+            <a:r>
+              <a:rPr lang="en-US" sz="2400" err="1">
                 <a:latin typeface="Arial" panose="020B0604020202020204" pitchFamily="34" charset="0"/>
                 <a:cs typeface="Arial" panose="020B0604020202020204" pitchFamily="34" charset="0"/>
               </a:rPr>
               <a:t>thức</a:t>
             </a:r>
             <a:r>
-              <a:rPr lang="en-US">
-                <a:latin typeface="Arial" panose="020B0604020202020204" pitchFamily="34" charset="0"/>
-                <a:cs typeface="Arial" panose="020B0604020202020204" pitchFamily="34" charset="0"/>
-              </a:rPr>
-              <a:t> </a:t>
-            </a:r>
-            <a:r>
-              <a:rPr lang="en-US" err="1">
+              <a:rPr lang="en-US" sz="2400">
+                <a:latin typeface="Arial" panose="020B0604020202020204" pitchFamily="34" charset="0"/>
+                <a:cs typeface="Arial" panose="020B0604020202020204" pitchFamily="34" charset="0"/>
+              </a:rPr>
+              <a:t> </a:t>
+            </a:r>
+            <a:r>
+              <a:rPr lang="en-US" sz="2400" err="1">
                 <a:latin typeface="Arial" panose="020B0604020202020204" pitchFamily="34" charset="0"/>
                 <a:cs typeface="Arial" panose="020B0604020202020204" pitchFamily="34" charset="0"/>
               </a:rPr>
               <a:t>đặt</a:t>
             </a:r>
             <a:r>
-              <a:rPr lang="en-US">
-                <a:latin typeface="Arial" panose="020B0604020202020204" pitchFamily="34" charset="0"/>
-                <a:cs typeface="Arial" panose="020B0604020202020204" pitchFamily="34" charset="0"/>
-              </a:rPr>
-              <a:t> </a:t>
-            </a:r>
-            <a:r>
-              <a:rPr lang="en-US" err="1">
+              <a:rPr lang="en-US" sz="2400">
+                <a:latin typeface="Arial" panose="020B0604020202020204" pitchFamily="34" charset="0"/>
+                <a:cs typeface="Arial" panose="020B0604020202020204" pitchFamily="34" charset="0"/>
+              </a:rPr>
+              <a:t> </a:t>
+            </a:r>
+            <a:r>
+              <a:rPr lang="en-US" sz="2400" err="1">
                 <a:latin typeface="Arial" panose="020B0604020202020204" pitchFamily="34" charset="0"/>
                 <a:cs typeface="Arial" panose="020B0604020202020204" pitchFamily="34" charset="0"/>
               </a:rPr>
               <a:t>biệt</a:t>
             </a:r>
             <a:r>
-              <a:rPr lang="en-US">
-                <a:latin typeface="Arial" panose="020B0604020202020204" pitchFamily="34" charset="0"/>
-                <a:cs typeface="Arial" panose="020B0604020202020204" pitchFamily="34" charset="0"/>
-              </a:rPr>
-              <a:t> </a:t>
-            </a:r>
-            <a:r>
-              <a:rPr lang="en-US" err="1">
+              <a:rPr lang="en-US" sz="2400">
+                <a:latin typeface="Arial" panose="020B0604020202020204" pitchFamily="34" charset="0"/>
+                <a:cs typeface="Arial" panose="020B0604020202020204" pitchFamily="34" charset="0"/>
+              </a:rPr>
+              <a:t> </a:t>
+            </a:r>
+            <a:r>
+              <a:rPr lang="en-US" sz="2400" err="1">
                 <a:latin typeface="Arial" panose="020B0604020202020204" pitchFamily="34" charset="0"/>
                 <a:cs typeface="Arial" panose="020B0604020202020204" pitchFamily="34" charset="0"/>
               </a:rPr>
               <a:t>được</a:t>
             </a:r>
             <a:r>
-              <a:rPr lang="en-US">
-                <a:latin typeface="Arial" panose="020B0604020202020204" pitchFamily="34" charset="0"/>
-                <a:cs typeface="Arial" panose="020B0604020202020204" pitchFamily="34" charset="0"/>
-              </a:rPr>
-              <a:t> </a:t>
-            </a:r>
-            <a:r>
-              <a:rPr lang="en-US" err="1">
+              <a:rPr lang="en-US" sz="2400">
+                <a:latin typeface="Arial" panose="020B0604020202020204" pitchFamily="34" charset="0"/>
+                <a:cs typeface="Arial" panose="020B0604020202020204" pitchFamily="34" charset="0"/>
+              </a:rPr>
+              <a:t> </a:t>
+            </a:r>
+            <a:r>
+              <a:rPr lang="en-US" sz="2400" err="1">
                 <a:latin typeface="Arial" panose="020B0604020202020204" pitchFamily="34" charset="0"/>
                 <a:cs typeface="Arial" panose="020B0604020202020204" pitchFamily="34" charset="0"/>
               </a:rPr>
               <a:t>sử</a:t>
             </a:r>
             <a:r>
-              <a:rPr lang="en-US">
-                <a:latin typeface="Arial" panose="020B0604020202020204" pitchFamily="34" charset="0"/>
-                <a:cs typeface="Arial" panose="020B0604020202020204" pitchFamily="34" charset="0"/>
-              </a:rPr>
-              <a:t> </a:t>
-            </a:r>
-            <a:r>
-              <a:rPr lang="en-US" err="1">
+              <a:rPr lang="en-US" sz="2400">
+                <a:latin typeface="Arial" panose="020B0604020202020204" pitchFamily="34" charset="0"/>
+                <a:cs typeface="Arial" panose="020B0604020202020204" pitchFamily="34" charset="0"/>
+              </a:rPr>
+              <a:t> </a:t>
+            </a:r>
+            <a:r>
+              <a:rPr lang="en-US" sz="2400" err="1">
                 <a:latin typeface="Arial" panose="020B0604020202020204" pitchFamily="34" charset="0"/>
                 <a:cs typeface="Arial" panose="020B0604020202020204" pitchFamily="34" charset="0"/>
               </a:rPr>
               <a:t>dụng</a:t>
             </a:r>
             <a:r>
-              <a:rPr lang="en-US">
-                <a:latin typeface="Arial" panose="020B0604020202020204" pitchFamily="34" charset="0"/>
-                <a:cs typeface="Arial" panose="020B0604020202020204" pitchFamily="34" charset="0"/>
-              </a:rPr>
-              <a:t> </a:t>
-            </a:r>
-            <a:r>
-              <a:rPr lang="en-US" err="1">
+              <a:rPr lang="en-US" sz="2400">
+                <a:latin typeface="Arial" panose="020B0604020202020204" pitchFamily="34" charset="0"/>
+                <a:cs typeface="Arial" panose="020B0604020202020204" pitchFamily="34" charset="0"/>
+              </a:rPr>
+              <a:t> </a:t>
+            </a:r>
+            <a:r>
+              <a:rPr lang="en-US" sz="2400" err="1">
                 <a:latin typeface="Arial" panose="020B0604020202020204" pitchFamily="34" charset="0"/>
                 <a:cs typeface="Arial" panose="020B0604020202020204" pitchFamily="34" charset="0"/>
               </a:rPr>
               <a:t>để</a:t>
             </a:r>
             <a:r>
-              <a:rPr lang="en-US">
-                <a:latin typeface="Arial" panose="020B0604020202020204" pitchFamily="34" charset="0"/>
-                <a:cs typeface="Arial" panose="020B0604020202020204" pitchFamily="34" charset="0"/>
-              </a:rPr>
-              <a:t> </a:t>
-            </a:r>
-            <a:r>
-              <a:rPr lang="en-US" err="1">
+              <a:rPr lang="en-US" sz="2400">
+                <a:latin typeface="Arial" panose="020B0604020202020204" pitchFamily="34" charset="0"/>
+                <a:cs typeface="Arial" panose="020B0604020202020204" pitchFamily="34" charset="0"/>
+              </a:rPr>
+              <a:t> </a:t>
+            </a:r>
+            <a:r>
+              <a:rPr lang="en-US" sz="2400" err="1">
                 <a:latin typeface="Arial" panose="020B0604020202020204" pitchFamily="34" charset="0"/>
                 <a:cs typeface="Arial" panose="020B0604020202020204" pitchFamily="34" charset="0"/>
               </a:rPr>
               <a:t>tạo</a:t>
             </a:r>
             <a:r>
-              <a:rPr lang="en-US">
-                <a:latin typeface="Arial" panose="020B0604020202020204" pitchFamily="34" charset="0"/>
-                <a:cs typeface="Arial" panose="020B0604020202020204" pitchFamily="34" charset="0"/>
-              </a:rPr>
-              <a:t> </a:t>
-            </a:r>
-            <a:r>
-              <a:rPr lang="en-US" err="1">
+              <a:rPr lang="en-US" sz="2400">
+                <a:latin typeface="Arial" panose="020B0604020202020204" pitchFamily="34" charset="0"/>
+                <a:cs typeface="Arial" panose="020B0604020202020204" pitchFamily="34" charset="0"/>
+              </a:rPr>
+              <a:t> </a:t>
+            </a:r>
+            <a:r>
+              <a:rPr lang="en-US" sz="2400" err="1">
                 <a:latin typeface="Arial" panose="020B0604020202020204" pitchFamily="34" charset="0"/>
                 <a:cs typeface="Arial" panose="020B0604020202020204" pitchFamily="34" charset="0"/>
               </a:rPr>
               <a:t>một</a:t>
             </a:r>
             <a:r>
-              <a:rPr lang="en-US">
-                <a:latin typeface="Arial" panose="020B0604020202020204" pitchFamily="34" charset="0"/>
-                <a:cs typeface="Arial" panose="020B0604020202020204" pitchFamily="34" charset="0"/>
-              </a:rPr>
-              <a:t> </a:t>
-            </a:r>
-            <a:r>
-              <a:rPr lang="en-US" err="1">
+              <a:rPr lang="en-US" sz="2400">
+                <a:latin typeface="Arial" panose="020B0604020202020204" pitchFamily="34" charset="0"/>
+                <a:cs typeface="Arial" panose="020B0604020202020204" pitchFamily="34" charset="0"/>
+              </a:rPr>
+              <a:t> </a:t>
+            </a:r>
+            <a:r>
+              <a:rPr lang="en-US" sz="2400" err="1">
                 <a:latin typeface="Arial" panose="020B0604020202020204" pitchFamily="34" charset="0"/>
                 <a:cs typeface="Arial" panose="020B0604020202020204" pitchFamily="34" charset="0"/>
               </a:rPr>
               <a:t>đối</a:t>
             </a:r>
             <a:r>
-              <a:rPr lang="en-US">
-                <a:latin typeface="Arial" panose="020B0604020202020204" pitchFamily="34" charset="0"/>
-                <a:cs typeface="Arial" panose="020B0604020202020204" pitchFamily="34" charset="0"/>
-              </a:rPr>
-              <a:t> </a:t>
-            </a:r>
-            <a:r>
-              <a:rPr lang="en-US" err="1">
+              <a:rPr lang="en-US" sz="2400">
+                <a:latin typeface="Arial" panose="020B0604020202020204" pitchFamily="34" charset="0"/>
+                <a:cs typeface="Arial" panose="020B0604020202020204" pitchFamily="34" charset="0"/>
+              </a:rPr>
+              <a:t> </a:t>
+            </a:r>
+            <a:r>
+              <a:rPr lang="en-US" sz="2400" err="1">
                 <a:latin typeface="Arial" panose="020B0604020202020204" pitchFamily="34" charset="0"/>
                 <a:cs typeface="Arial" panose="020B0604020202020204" pitchFamily="34" charset="0"/>
               </a:rPr>
               <a:t>tượng</a:t>
             </a:r>
             <a:r>
-              <a:rPr lang="en-US">
-                <a:latin typeface="Arial" panose="020B0604020202020204" pitchFamily="34" charset="0"/>
-                <a:cs typeface="Arial" panose="020B0604020202020204" pitchFamily="34" charset="0"/>
-              </a:rPr>
-              <a:t> </a:t>
-            </a:r>
-            <a:r>
-              <a:rPr lang="en-US" err="1">
+              <a:rPr lang="en-US" sz="2400">
+                <a:latin typeface="Arial" panose="020B0604020202020204" pitchFamily="34" charset="0"/>
+                <a:cs typeface="Arial" panose="020B0604020202020204" pitchFamily="34" charset="0"/>
+              </a:rPr>
+              <a:t> </a:t>
+            </a:r>
+            <a:r>
+              <a:rPr lang="en-US" sz="2400" err="1">
                 <a:latin typeface="Arial" panose="020B0604020202020204" pitchFamily="34" charset="0"/>
                 <a:cs typeface="Arial" panose="020B0604020202020204" pitchFamily="34" charset="0"/>
               </a:rPr>
               <a:t>mới</a:t>
             </a:r>
             <a:r>
-              <a:rPr lang="en-US">
-                <a:latin typeface="Arial" panose="020B0604020202020204" pitchFamily="34" charset="0"/>
-                <a:cs typeface="Arial" panose="020B0604020202020204" pitchFamily="34" charset="0"/>
-              </a:rPr>
-              <a:t> </a:t>
-            </a:r>
-            <a:r>
-              <a:rPr lang="en-US" err="1">
+              <a:rPr lang="en-US" sz="2400">
+                <a:latin typeface="Arial" panose="020B0604020202020204" pitchFamily="34" charset="0"/>
+                <a:cs typeface="Arial" panose="020B0604020202020204" pitchFamily="34" charset="0"/>
+              </a:rPr>
+              <a:t> </a:t>
+            </a:r>
+            <a:r>
+              <a:rPr lang="en-US" sz="2400" err="1">
                 <a:latin typeface="Arial" panose="020B0604020202020204" pitchFamily="34" charset="0"/>
                 <a:cs typeface="Arial" panose="020B0604020202020204" pitchFamily="34" charset="0"/>
               </a:rPr>
               <a:t>được</a:t>
             </a:r>
             <a:r>
-              <a:rPr lang="en-US">
-                <a:latin typeface="Arial" panose="020B0604020202020204" pitchFamily="34" charset="0"/>
-                <a:cs typeface="Arial" panose="020B0604020202020204" pitchFamily="34" charset="0"/>
-              </a:rPr>
-              <a:t> </a:t>
-            </a:r>
-            <a:r>
-              <a:rPr lang="en-US" err="1">
+              <a:rPr lang="en-US" sz="2400">
+                <a:latin typeface="Arial" panose="020B0604020202020204" pitchFamily="34" charset="0"/>
+                <a:cs typeface="Arial" panose="020B0604020202020204" pitchFamily="34" charset="0"/>
+              </a:rPr>
+              <a:t> </a:t>
+            </a:r>
+            <a:r>
+              <a:rPr lang="en-US" sz="2400" err="1">
                 <a:latin typeface="Arial" panose="020B0604020202020204" pitchFamily="34" charset="0"/>
                 <a:cs typeface="Arial" panose="020B0604020202020204" pitchFamily="34" charset="0"/>
               </a:rPr>
               <a:t>tạo</a:t>
             </a:r>
             <a:r>
-              <a:rPr lang="en-US">
-                <a:latin typeface="Arial" panose="020B0604020202020204" pitchFamily="34" charset="0"/>
-                <a:cs typeface="Arial" panose="020B0604020202020204" pitchFamily="34" charset="0"/>
-              </a:rPr>
-              <a:t> </a:t>
-            </a:r>
-            <a:r>
-              <a:rPr lang="en-US" err="1">
+              <a:rPr lang="en-US" sz="2400">
+                <a:latin typeface="Arial" panose="020B0604020202020204" pitchFamily="34" charset="0"/>
+                <a:cs typeface="Arial" panose="020B0604020202020204" pitchFamily="34" charset="0"/>
+              </a:rPr>
+              <a:t> </a:t>
+            </a:r>
+            <a:r>
+              <a:rPr lang="en-US" sz="2400" err="1">
                 <a:latin typeface="Arial" panose="020B0604020202020204" pitchFamily="34" charset="0"/>
                 <a:cs typeface="Arial" panose="020B0604020202020204" pitchFamily="34" charset="0"/>
               </a:rPr>
               <a:t>sau</a:t>
             </a:r>
             <a:r>
-              <a:rPr lang="en-US">
-                <a:latin typeface="Arial" panose="020B0604020202020204" pitchFamily="34" charset="0"/>
-                <a:cs typeface="Arial" panose="020B0604020202020204" pitchFamily="34" charset="0"/>
-              </a:rPr>
-              <a:t> </a:t>
-            </a:r>
-            <a:r>
-              <a:rPr lang="en-US" err="1">
+              <a:rPr lang="en-US" sz="2400">
+                <a:latin typeface="Arial" panose="020B0604020202020204" pitchFamily="34" charset="0"/>
+                <a:cs typeface="Arial" panose="020B0604020202020204" pitchFamily="34" charset="0"/>
+              </a:rPr>
+              <a:t> </a:t>
+            </a:r>
+            <a:r>
+              <a:rPr lang="en-US" sz="2400" err="1">
                 <a:latin typeface="Arial" panose="020B0604020202020204" pitchFamily="34" charset="0"/>
                 <a:cs typeface="Arial" panose="020B0604020202020204" pitchFamily="34" charset="0"/>
               </a:rPr>
               <a:t>khi</a:t>
             </a:r>
             <a:r>
-              <a:rPr lang="en-US">
-                <a:latin typeface="Arial" panose="020B0604020202020204" pitchFamily="34" charset="0"/>
-                <a:cs typeface="Arial" panose="020B0604020202020204" pitchFamily="34" charset="0"/>
-              </a:rPr>
-              <a:t> </a:t>
-            </a:r>
-            <a:r>
-              <a:rPr lang="en-US" err="1">
+              <a:rPr lang="en-US" sz="2400">
+                <a:latin typeface="Arial" panose="020B0604020202020204" pitchFamily="34" charset="0"/>
+                <a:cs typeface="Arial" panose="020B0604020202020204" pitchFamily="34" charset="0"/>
+              </a:rPr>
+              <a:t> </a:t>
+            </a:r>
+            <a:r>
+              <a:rPr lang="en-US" sz="2400" err="1">
                 <a:latin typeface="Arial" panose="020B0604020202020204" pitchFamily="34" charset="0"/>
                 <a:cs typeface="Arial" panose="020B0604020202020204" pitchFamily="34" charset="0"/>
               </a:rPr>
               <a:t>bộ</a:t>
             </a:r>
             <a:r>
-              <a:rPr lang="en-US">
-                <a:latin typeface="Arial" panose="020B0604020202020204" pitchFamily="34" charset="0"/>
-                <a:cs typeface="Arial" panose="020B0604020202020204" pitchFamily="34" charset="0"/>
-              </a:rPr>
-              <a:t> </a:t>
-            </a:r>
-            <a:r>
-              <a:rPr lang="en-US" err="1">
+              <a:rPr lang="en-US" sz="2400">
+                <a:latin typeface="Arial" panose="020B0604020202020204" pitchFamily="34" charset="0"/>
+                <a:cs typeface="Arial" panose="020B0604020202020204" pitchFamily="34" charset="0"/>
+              </a:rPr>
+              <a:t> </a:t>
+            </a:r>
+            <a:r>
+              <a:rPr lang="en-US" sz="2400" err="1">
                 <a:latin typeface="Arial" panose="020B0604020202020204" pitchFamily="34" charset="0"/>
                 <a:cs typeface="Arial" panose="020B0604020202020204" pitchFamily="34" charset="0"/>
               </a:rPr>
               <a:t>nhớ</a:t>
             </a:r>
             <a:r>
-              <a:rPr lang="en-US">
-                <a:latin typeface="Arial" panose="020B0604020202020204" pitchFamily="34" charset="0"/>
-                <a:cs typeface="Arial" panose="020B0604020202020204" pitchFamily="34" charset="0"/>
-              </a:rPr>
-              <a:t> </a:t>
-            </a:r>
-            <a:r>
-              <a:rPr lang="en-US" err="1">
+              <a:rPr lang="en-US" sz="2400">
+                <a:latin typeface="Arial" panose="020B0604020202020204" pitchFamily="34" charset="0"/>
+                <a:cs typeface="Arial" panose="020B0604020202020204" pitchFamily="34" charset="0"/>
+              </a:rPr>
+              <a:t> </a:t>
+            </a:r>
+            <a:r>
+              <a:rPr lang="en-US" sz="2400" err="1">
                 <a:latin typeface="Arial" panose="020B0604020202020204" pitchFamily="34" charset="0"/>
                 <a:cs typeface="Arial" panose="020B0604020202020204" pitchFamily="34" charset="0"/>
               </a:rPr>
               <a:t>đã</a:t>
             </a:r>
             <a:r>
-              <a:rPr lang="en-US">
-                <a:latin typeface="Arial" panose="020B0604020202020204" pitchFamily="34" charset="0"/>
-                <a:cs typeface="Arial" panose="020B0604020202020204" pitchFamily="34" charset="0"/>
-              </a:rPr>
-              <a:t> </a:t>
-            </a:r>
-            <a:r>
-              <a:rPr lang="en-US" err="1">
+              <a:rPr lang="en-US" sz="2400">
+                <a:latin typeface="Arial" panose="020B0604020202020204" pitchFamily="34" charset="0"/>
+                <a:cs typeface="Arial" panose="020B0604020202020204" pitchFamily="34" charset="0"/>
+              </a:rPr>
+              <a:t> </a:t>
+            </a:r>
+            <a:r>
+              <a:rPr lang="en-US" sz="2400" err="1">
                 <a:latin typeface="Arial" panose="020B0604020202020204" pitchFamily="34" charset="0"/>
                 <a:cs typeface="Arial" panose="020B0604020202020204" pitchFamily="34" charset="0"/>
               </a:rPr>
               <a:t>được</a:t>
             </a:r>
             <a:r>
-              <a:rPr lang="en-US">
-                <a:latin typeface="Arial" panose="020B0604020202020204" pitchFamily="34" charset="0"/>
-                <a:cs typeface="Arial" panose="020B0604020202020204" pitchFamily="34" charset="0"/>
-              </a:rPr>
-              <a:t> </a:t>
-            </a:r>
-            <a:r>
-              <a:rPr lang="en-US" err="1">
+              <a:rPr lang="en-US" sz="2400">
+                <a:latin typeface="Arial" panose="020B0604020202020204" pitchFamily="34" charset="0"/>
+                <a:cs typeface="Arial" panose="020B0604020202020204" pitchFamily="34" charset="0"/>
+              </a:rPr>
+              <a:t> </a:t>
+            </a:r>
+            <a:r>
+              <a:rPr lang="en-US" sz="2400" err="1">
                 <a:latin typeface="Arial" panose="020B0604020202020204" pitchFamily="34" charset="0"/>
                 <a:cs typeface="Arial" panose="020B0604020202020204" pitchFamily="34" charset="0"/>
               </a:rPr>
               <a:t>cấp</a:t>
             </a:r>
             <a:r>
-              <a:rPr lang="en-US">
-                <a:latin typeface="Arial" panose="020B0604020202020204" pitchFamily="34" charset="0"/>
-                <a:cs typeface="Arial" panose="020B0604020202020204" pitchFamily="34" charset="0"/>
-              </a:rPr>
-              <a:t> </a:t>
-            </a:r>
-            <a:r>
-              <a:rPr lang="en-US" err="1">
+              <a:rPr lang="en-US" sz="2400">
+                <a:latin typeface="Arial" panose="020B0604020202020204" pitchFamily="34" charset="0"/>
+                <a:cs typeface="Arial" panose="020B0604020202020204" pitchFamily="34" charset="0"/>
+              </a:rPr>
+              <a:t> </a:t>
+            </a:r>
+            <a:r>
+              <a:rPr lang="en-US" sz="2400" err="1">
                 <a:latin typeface="Arial" panose="020B0604020202020204" pitchFamily="34" charset="0"/>
                 <a:cs typeface="Arial" panose="020B0604020202020204" pitchFamily="34" charset="0"/>
               </a:rPr>
               <a:t>phát</a:t>
             </a:r>
             <a:r>
-              <a:rPr lang="en-US">
-                <a:latin typeface="Arial" panose="020B0604020202020204" pitchFamily="34" charset="0"/>
-                <a:cs typeface="Arial" panose="020B0604020202020204" pitchFamily="34" charset="0"/>
-              </a:rPr>
-              <a:t> </a:t>
-            </a:r>
-            <a:r>
-              <a:rPr lang="en-US" err="1">
+              <a:rPr lang="en-US" sz="2400">
+                <a:latin typeface="Arial" panose="020B0604020202020204" pitchFamily="34" charset="0"/>
+                <a:cs typeface="Arial" panose="020B0604020202020204" pitchFamily="34" charset="0"/>
+              </a:rPr>
+              <a:t> </a:t>
+            </a:r>
+            <a:r>
+              <a:rPr lang="en-US" sz="2400" err="1">
                 <a:latin typeface="Arial" panose="020B0604020202020204" pitchFamily="34" charset="0"/>
                 <a:cs typeface="Arial" panose="020B0604020202020204" pitchFamily="34" charset="0"/>
               </a:rPr>
               <a:t>cho</a:t>
             </a:r>
             <a:r>
-              <a:rPr lang="en-US">
-                <a:latin typeface="Arial" panose="020B0604020202020204" pitchFamily="34" charset="0"/>
-                <a:cs typeface="Arial" panose="020B0604020202020204" pitchFamily="34" charset="0"/>
-              </a:rPr>
-              <a:t> </a:t>
-            </a:r>
-            <a:r>
-              <a:rPr lang="en-US" err="1">
+              <a:rPr lang="en-US" sz="2400">
+                <a:latin typeface="Arial" panose="020B0604020202020204" pitchFamily="34" charset="0"/>
+                <a:cs typeface="Arial" panose="020B0604020202020204" pitchFamily="34" charset="0"/>
+              </a:rPr>
+              <a:t> </a:t>
+            </a:r>
+            <a:r>
+              <a:rPr lang="en-US" sz="2400" err="1">
                 <a:latin typeface="Arial" panose="020B0604020202020204" pitchFamily="34" charset="0"/>
                 <a:cs typeface="Arial" panose="020B0604020202020204" pitchFamily="34" charset="0"/>
               </a:rPr>
               <a:t>nó</a:t>
             </a:r>
-            <a:endParaRPr lang="en-US">
+            <a:endParaRPr lang="en-US" sz="2400">
               <a:latin typeface="Arial" panose="020B0604020202020204" pitchFamily="34" charset="0"/>
               <a:cs typeface="Arial" panose="020B0604020202020204" pitchFamily="34" charset="0"/>
             </a:endParaRPr>
@@ -9229,18 +9378,25 @@
   <p:clrMapOvr>
     <a:masterClrMapping/>
   </p:clrMapOvr>
-  <mc:AlternateContent xmlns:mc="http://schemas.openxmlformats.org/markup-compatibility/2006">
-    <mc:Choice xmlns:p14="http://schemas.microsoft.com/office/powerpoint/2010/main" Requires="p14">
+  <mc:AlternateContent xmlns:mc="http://schemas.openxmlformats.org/markup-compatibility/2006" xmlns:p14="http://schemas.microsoft.com/office/powerpoint/2010/main">
+    <mc:Choice Requires="p14">
       <p:transition spd="slow" p14:dur="1500">
         <p:split orient="vert"/>
       </p:transition>
     </mc:Choice>
-    <mc:Fallback>
+    <mc:Fallback xmlns="">
       <p:transition spd="slow">
         <p:split orient="vert"/>
       </p:transition>
     </mc:Fallback>
   </mc:AlternateContent>
+  <p:timing>
+    <p:tnLst>
+      <p:par>
+        <p:cTn id="1" dur="indefinite" restart="never" nodeType="tmRoot"/>
+      </p:par>
+    </p:tnLst>
+  </p:timing>
 </p:sld>
 </file>
 
@@ -9381,18 +9537,25 @@
   <p:clrMapOvr>
     <a:masterClrMapping/>
   </p:clrMapOvr>
-  <mc:AlternateContent xmlns:mc="http://schemas.openxmlformats.org/markup-compatibility/2006">
-    <mc:Choice xmlns:p14="http://schemas.microsoft.com/office/powerpoint/2010/main" Requires="p14">
+  <mc:AlternateContent xmlns:mc="http://schemas.openxmlformats.org/markup-compatibility/2006" xmlns:p14="http://schemas.microsoft.com/office/powerpoint/2010/main">
+    <mc:Choice Requires="p14">
       <p:transition spd="slow" p14:dur="3400">
         <p14:reveal/>
       </p:transition>
     </mc:Choice>
-    <mc:Fallback>
+    <mc:Fallback xmlns="">
       <p:transition spd="slow">
         <p:fade/>
       </p:transition>
     </mc:Fallback>
   </mc:AlternateContent>
+  <p:timing>
+    <p:tnLst>
+      <p:par>
+        <p:cTn id="1" dur="indefinite" restart="never" nodeType="tmRoot"/>
+      </p:par>
+    </p:tnLst>
+  </p:timing>
 </p:sld>
 </file>
 
@@ -9490,13 +9653,13 @@
         </p:nvSpPr>
         <p:spPr>
           <a:xfrm>
-            <a:off x="1307529" y="1410043"/>
+            <a:off x="1034572" y="1300859"/>
             <a:ext cx="8596668" cy="1320800"/>
           </a:xfrm>
         </p:spPr>
         <p:txBody>
           <a:bodyPr>
-            <a:normAutofit/>
+            <a:noAutofit/>
           </a:bodyPr>
           <a:lstStyle/>
           <a:p>
@@ -9504,511 +9667,511 @@
               <a:buNone/>
             </a:pPr>
             <a:r>
-              <a:rPr lang="en-US">
+              <a:rPr lang="en-US" sz="2400">
                 <a:latin typeface="Arial" panose="020B0604020202020204" pitchFamily="34" charset="0"/>
                 <a:cs typeface="Arial" panose="020B0604020202020204" pitchFamily="34" charset="0"/>
               </a:rPr>
               <a:t>	Adapter Pattern (</a:t>
             </a:r>
             <a:r>
-              <a:rPr lang="en-US" err="1">
+              <a:rPr lang="en-US" sz="2400" err="1">
                 <a:latin typeface="Arial" panose="020B0604020202020204" pitchFamily="34" charset="0"/>
                 <a:cs typeface="Arial" panose="020B0604020202020204" pitchFamily="34" charset="0"/>
               </a:rPr>
               <a:t>Người</a:t>
             </a:r>
             <a:r>
-              <a:rPr lang="en-US">
-                <a:latin typeface="Arial" panose="020B0604020202020204" pitchFamily="34" charset="0"/>
-                <a:cs typeface="Arial" panose="020B0604020202020204" pitchFamily="34" charset="0"/>
-              </a:rPr>
-              <a:t> </a:t>
-            </a:r>
-            <a:r>
-              <a:rPr lang="en-US" err="1">
+              <a:rPr lang="en-US" sz="2400">
+                <a:latin typeface="Arial" panose="020B0604020202020204" pitchFamily="34" charset="0"/>
+                <a:cs typeface="Arial" panose="020B0604020202020204" pitchFamily="34" charset="0"/>
+              </a:rPr>
+              <a:t> </a:t>
+            </a:r>
+            <a:r>
+              <a:rPr lang="en-US" sz="2400" err="1">
                 <a:latin typeface="Arial" panose="020B0604020202020204" pitchFamily="34" charset="0"/>
                 <a:cs typeface="Arial" panose="020B0604020202020204" pitchFamily="34" charset="0"/>
               </a:rPr>
               <a:t>chuyển</a:t>
             </a:r>
             <a:r>
-              <a:rPr lang="en-US">
-                <a:latin typeface="Arial" panose="020B0604020202020204" pitchFamily="34" charset="0"/>
-                <a:cs typeface="Arial" panose="020B0604020202020204" pitchFamily="34" charset="0"/>
-              </a:rPr>
-              <a:t> </a:t>
-            </a:r>
-            <a:r>
-              <a:rPr lang="en-US" err="1">
+              <a:rPr lang="en-US" sz="2400">
+                <a:latin typeface="Arial" panose="020B0604020202020204" pitchFamily="34" charset="0"/>
+                <a:cs typeface="Arial" panose="020B0604020202020204" pitchFamily="34" charset="0"/>
+              </a:rPr>
+              <a:t> </a:t>
+            </a:r>
+            <a:r>
+              <a:rPr lang="en-US" sz="2400" err="1">
                 <a:latin typeface="Arial" panose="020B0604020202020204" pitchFamily="34" charset="0"/>
                 <a:cs typeface="Arial" panose="020B0604020202020204" pitchFamily="34" charset="0"/>
               </a:rPr>
               <a:t>đổi</a:t>
             </a:r>
             <a:r>
-              <a:rPr lang="en-US">
+              <a:rPr lang="en-US" sz="2400">
                 <a:latin typeface="Arial" panose="020B0604020202020204" pitchFamily="34" charset="0"/>
                 <a:cs typeface="Arial" panose="020B0604020202020204" pitchFamily="34" charset="0"/>
               </a:rPr>
               <a:t>) </a:t>
             </a:r>
             <a:r>
-              <a:rPr lang="en-US" err="1">
+              <a:rPr lang="en-US" sz="2400" err="1">
                 <a:latin typeface="Arial" panose="020B0604020202020204" pitchFamily="34" charset="0"/>
                 <a:cs typeface="Arial" panose="020B0604020202020204" pitchFamily="34" charset="0"/>
               </a:rPr>
               <a:t>là</a:t>
             </a:r>
             <a:r>
-              <a:rPr lang="en-US">
-                <a:latin typeface="Arial" panose="020B0604020202020204" pitchFamily="34" charset="0"/>
-                <a:cs typeface="Arial" panose="020B0604020202020204" pitchFamily="34" charset="0"/>
-              </a:rPr>
-              <a:t> </a:t>
-            </a:r>
-            <a:r>
-              <a:rPr lang="en-US" err="1">
+              <a:rPr lang="en-US" sz="2400">
+                <a:latin typeface="Arial" panose="020B0604020202020204" pitchFamily="34" charset="0"/>
+                <a:cs typeface="Arial" panose="020B0604020202020204" pitchFamily="34" charset="0"/>
+              </a:rPr>
+              <a:t> </a:t>
+            </a:r>
+            <a:r>
+              <a:rPr lang="en-US" sz="2400" err="1">
                 <a:latin typeface="Arial" panose="020B0604020202020204" pitchFamily="34" charset="0"/>
                 <a:cs typeface="Arial" panose="020B0604020202020204" pitchFamily="34" charset="0"/>
               </a:rPr>
               <a:t>một</a:t>
             </a:r>
             <a:r>
-              <a:rPr lang="en-US">
-                <a:latin typeface="Arial" panose="020B0604020202020204" pitchFamily="34" charset="0"/>
-                <a:cs typeface="Arial" panose="020B0604020202020204" pitchFamily="34" charset="0"/>
-              </a:rPr>
-              <a:t> </a:t>
-            </a:r>
-            <a:r>
-              <a:rPr lang="en-US" err="1">
+              <a:rPr lang="en-US" sz="2400">
+                <a:latin typeface="Arial" panose="020B0604020202020204" pitchFamily="34" charset="0"/>
+                <a:cs typeface="Arial" panose="020B0604020202020204" pitchFamily="34" charset="0"/>
+              </a:rPr>
+              <a:t> </a:t>
+            </a:r>
+            <a:r>
+              <a:rPr lang="en-US" sz="2400" err="1">
                 <a:latin typeface="Arial" panose="020B0604020202020204" pitchFamily="34" charset="0"/>
                 <a:cs typeface="Arial" panose="020B0604020202020204" pitchFamily="34" charset="0"/>
               </a:rPr>
               <a:t>trong</a:t>
             </a:r>
             <a:r>
-              <a:rPr lang="en-US">
-                <a:latin typeface="Arial" panose="020B0604020202020204" pitchFamily="34" charset="0"/>
-                <a:cs typeface="Arial" panose="020B0604020202020204" pitchFamily="34" charset="0"/>
-              </a:rPr>
-              <a:t> </a:t>
-            </a:r>
-            <a:r>
-              <a:rPr lang="en-US" err="1">
+              <a:rPr lang="en-US" sz="2400">
+                <a:latin typeface="Arial" panose="020B0604020202020204" pitchFamily="34" charset="0"/>
+                <a:cs typeface="Arial" panose="020B0604020202020204" pitchFamily="34" charset="0"/>
+              </a:rPr>
+              <a:t> </a:t>
+            </a:r>
+            <a:r>
+              <a:rPr lang="en-US" sz="2400" err="1">
                 <a:latin typeface="Arial" panose="020B0604020202020204" pitchFamily="34" charset="0"/>
                 <a:cs typeface="Arial" panose="020B0604020202020204" pitchFamily="34" charset="0"/>
               </a:rPr>
               <a:t>những</a:t>
             </a:r>
             <a:r>
-              <a:rPr lang="en-US">
+              <a:rPr lang="en-US" sz="2400">
                 <a:latin typeface="Arial" panose="020B0604020202020204" pitchFamily="34" charset="0"/>
                 <a:cs typeface="Arial" panose="020B0604020202020204" pitchFamily="34" charset="0"/>
               </a:rPr>
               <a:t> Pattern </a:t>
             </a:r>
             <a:r>
-              <a:rPr lang="en-US" err="1">
+              <a:rPr lang="en-US" sz="2400" err="1">
                 <a:latin typeface="Arial" panose="020B0604020202020204" pitchFamily="34" charset="0"/>
                 <a:cs typeface="Arial" panose="020B0604020202020204" pitchFamily="34" charset="0"/>
               </a:rPr>
               <a:t>thuộc</a:t>
             </a:r>
             <a:r>
-              <a:rPr lang="en-US">
-                <a:latin typeface="Arial" panose="020B0604020202020204" pitchFamily="34" charset="0"/>
-                <a:cs typeface="Arial" panose="020B0604020202020204" pitchFamily="34" charset="0"/>
-              </a:rPr>
-              <a:t> </a:t>
-            </a:r>
-            <a:r>
-              <a:rPr lang="en-US" err="1">
+              <a:rPr lang="en-US" sz="2400">
+                <a:latin typeface="Arial" panose="020B0604020202020204" pitchFamily="34" charset="0"/>
+                <a:cs typeface="Arial" panose="020B0604020202020204" pitchFamily="34" charset="0"/>
+              </a:rPr>
+              <a:t> </a:t>
+            </a:r>
+            <a:r>
+              <a:rPr lang="en-US" sz="2400" err="1">
                 <a:latin typeface="Arial" panose="020B0604020202020204" pitchFamily="34" charset="0"/>
                 <a:cs typeface="Arial" panose="020B0604020202020204" pitchFamily="34" charset="0"/>
               </a:rPr>
               <a:t>nhóm</a:t>
             </a:r>
             <a:r>
-              <a:rPr lang="en-US">
-                <a:latin typeface="Arial" panose="020B0604020202020204" pitchFamily="34" charset="0"/>
-                <a:cs typeface="Arial" panose="020B0604020202020204" pitchFamily="34" charset="0"/>
-              </a:rPr>
-              <a:t> </a:t>
-            </a:r>
-            <a:r>
-              <a:rPr lang="en-US" err="1">
+              <a:rPr lang="en-US" sz="2400">
+                <a:latin typeface="Arial" panose="020B0604020202020204" pitchFamily="34" charset="0"/>
+                <a:cs typeface="Arial" panose="020B0604020202020204" pitchFamily="34" charset="0"/>
+              </a:rPr>
+              <a:t> </a:t>
+            </a:r>
+            <a:r>
+              <a:rPr lang="en-US" sz="2400" err="1">
                 <a:latin typeface="Arial" panose="020B0604020202020204" pitchFamily="34" charset="0"/>
                 <a:cs typeface="Arial" panose="020B0604020202020204" pitchFamily="34" charset="0"/>
               </a:rPr>
               <a:t>cấu</a:t>
             </a:r>
             <a:r>
-              <a:rPr lang="en-US">
-                <a:latin typeface="Arial" panose="020B0604020202020204" pitchFamily="34" charset="0"/>
-                <a:cs typeface="Arial" panose="020B0604020202020204" pitchFamily="34" charset="0"/>
-              </a:rPr>
-              <a:t> </a:t>
-            </a:r>
-            <a:r>
-              <a:rPr lang="en-US" err="1">
+              <a:rPr lang="en-US" sz="2400">
+                <a:latin typeface="Arial" panose="020B0604020202020204" pitchFamily="34" charset="0"/>
+                <a:cs typeface="Arial" panose="020B0604020202020204" pitchFamily="34" charset="0"/>
+              </a:rPr>
+              <a:t> </a:t>
+            </a:r>
+            <a:r>
+              <a:rPr lang="en-US" sz="2400" err="1">
                 <a:latin typeface="Arial" panose="020B0604020202020204" pitchFamily="34" charset="0"/>
                 <a:cs typeface="Arial" panose="020B0604020202020204" pitchFamily="34" charset="0"/>
               </a:rPr>
               <a:t>trúc</a:t>
             </a:r>
             <a:r>
-              <a:rPr lang="en-US">
+              <a:rPr lang="en-US" sz="2400">
                 <a:latin typeface="Arial" panose="020B0604020202020204" pitchFamily="34" charset="0"/>
                 <a:cs typeface="Arial" panose="020B0604020202020204" pitchFamily="34" charset="0"/>
               </a:rPr>
               <a:t> (Structural Pattern). Adapter Pattern </a:t>
             </a:r>
             <a:r>
-              <a:rPr lang="en-US" err="1">
+              <a:rPr lang="en-US" sz="2400" err="1">
                 <a:latin typeface="Arial" panose="020B0604020202020204" pitchFamily="34" charset="0"/>
                 <a:cs typeface="Arial" panose="020B0604020202020204" pitchFamily="34" charset="0"/>
               </a:rPr>
               <a:t>cho</a:t>
             </a:r>
             <a:r>
-              <a:rPr lang="en-US">
-                <a:latin typeface="Arial" panose="020B0604020202020204" pitchFamily="34" charset="0"/>
-                <a:cs typeface="Arial" panose="020B0604020202020204" pitchFamily="34" charset="0"/>
-              </a:rPr>
-              <a:t> </a:t>
-            </a:r>
-            <a:r>
-              <a:rPr lang="en-US" err="1">
+              <a:rPr lang="en-US" sz="2400">
+                <a:latin typeface="Arial" panose="020B0604020202020204" pitchFamily="34" charset="0"/>
+                <a:cs typeface="Arial" panose="020B0604020202020204" pitchFamily="34" charset="0"/>
+              </a:rPr>
+              <a:t> </a:t>
+            </a:r>
+            <a:r>
+              <a:rPr lang="en-US" sz="2400" err="1">
                 <a:latin typeface="Arial" panose="020B0604020202020204" pitchFamily="34" charset="0"/>
                 <a:cs typeface="Arial" panose="020B0604020202020204" pitchFamily="34" charset="0"/>
               </a:rPr>
               <a:t>phép</a:t>
             </a:r>
             <a:r>
-              <a:rPr lang="en-US">
-                <a:latin typeface="Arial" panose="020B0604020202020204" pitchFamily="34" charset="0"/>
-                <a:cs typeface="Arial" panose="020B0604020202020204" pitchFamily="34" charset="0"/>
-              </a:rPr>
-              <a:t> </a:t>
-            </a:r>
-            <a:r>
-              <a:rPr lang="en-US" err="1">
+              <a:rPr lang="en-US" sz="2400">
+                <a:latin typeface="Arial" panose="020B0604020202020204" pitchFamily="34" charset="0"/>
+                <a:cs typeface="Arial" panose="020B0604020202020204" pitchFamily="34" charset="0"/>
+              </a:rPr>
+              <a:t> </a:t>
+            </a:r>
+            <a:r>
+              <a:rPr lang="en-US" sz="2400" err="1">
                 <a:latin typeface="Arial" panose="020B0604020202020204" pitchFamily="34" charset="0"/>
                 <a:cs typeface="Arial" panose="020B0604020202020204" pitchFamily="34" charset="0"/>
               </a:rPr>
               <a:t>các</a:t>
             </a:r>
             <a:r>
-              <a:rPr lang="en-US">
-                <a:latin typeface="Arial" panose="020B0604020202020204" pitchFamily="34" charset="0"/>
-                <a:cs typeface="Arial" panose="020B0604020202020204" pitchFamily="34" charset="0"/>
-              </a:rPr>
-              <a:t> </a:t>
-            </a:r>
-            <a:r>
-              <a:rPr lang="en-US" err="1">
+              <a:rPr lang="en-US" sz="2400">
+                <a:latin typeface="Arial" panose="020B0604020202020204" pitchFamily="34" charset="0"/>
+                <a:cs typeface="Arial" panose="020B0604020202020204" pitchFamily="34" charset="0"/>
+              </a:rPr>
+              <a:t> </a:t>
+            </a:r>
+            <a:r>
+              <a:rPr lang="en-US" sz="2400" err="1">
                 <a:latin typeface="Arial" panose="020B0604020202020204" pitchFamily="34" charset="0"/>
                 <a:cs typeface="Arial" panose="020B0604020202020204" pitchFamily="34" charset="0"/>
               </a:rPr>
               <a:t>inteface</a:t>
             </a:r>
             <a:r>
-              <a:rPr lang="en-US">
+              <a:rPr lang="en-US" sz="2400">
                 <a:latin typeface="Arial" panose="020B0604020202020204" pitchFamily="34" charset="0"/>
                 <a:cs typeface="Arial" panose="020B0604020202020204" pitchFamily="34" charset="0"/>
               </a:rPr>
               <a:t> (</a:t>
             </a:r>
             <a:r>
-              <a:rPr lang="en-US" err="1">
+              <a:rPr lang="en-US" sz="2400" err="1">
                 <a:latin typeface="Arial" panose="020B0604020202020204" pitchFamily="34" charset="0"/>
                 <a:cs typeface="Arial" panose="020B0604020202020204" pitchFamily="34" charset="0"/>
               </a:rPr>
               <a:t>giao</a:t>
             </a:r>
             <a:r>
-              <a:rPr lang="en-US">
-                <a:latin typeface="Arial" panose="020B0604020202020204" pitchFamily="34" charset="0"/>
-                <a:cs typeface="Arial" panose="020B0604020202020204" pitchFamily="34" charset="0"/>
-              </a:rPr>
-              <a:t> </a:t>
-            </a:r>
-            <a:r>
-              <a:rPr lang="en-US" err="1">
+              <a:rPr lang="en-US" sz="2400">
+                <a:latin typeface="Arial" panose="020B0604020202020204" pitchFamily="34" charset="0"/>
+                <a:cs typeface="Arial" panose="020B0604020202020204" pitchFamily="34" charset="0"/>
+              </a:rPr>
+              <a:t> </a:t>
+            </a:r>
+            <a:r>
+              <a:rPr lang="en-US" sz="2400" err="1">
                 <a:latin typeface="Arial" panose="020B0604020202020204" pitchFamily="34" charset="0"/>
                 <a:cs typeface="Arial" panose="020B0604020202020204" pitchFamily="34" charset="0"/>
               </a:rPr>
               <a:t>diện</a:t>
             </a:r>
             <a:r>
-              <a:rPr lang="en-US">
+              <a:rPr lang="en-US" sz="2400">
                 <a:latin typeface="Arial" panose="020B0604020202020204" pitchFamily="34" charset="0"/>
                 <a:cs typeface="Arial" panose="020B0604020202020204" pitchFamily="34" charset="0"/>
               </a:rPr>
               <a:t>) </a:t>
             </a:r>
             <a:r>
-              <a:rPr lang="en-US" err="1">
+              <a:rPr lang="en-US" sz="2400" err="1">
                 <a:latin typeface="Arial" panose="020B0604020202020204" pitchFamily="34" charset="0"/>
                 <a:cs typeface="Arial" panose="020B0604020202020204" pitchFamily="34" charset="0"/>
               </a:rPr>
               <a:t>không</a:t>
             </a:r>
             <a:r>
-              <a:rPr lang="en-US">
-                <a:latin typeface="Arial" panose="020B0604020202020204" pitchFamily="34" charset="0"/>
-                <a:cs typeface="Arial" panose="020B0604020202020204" pitchFamily="34" charset="0"/>
-              </a:rPr>
-              <a:t> </a:t>
-            </a:r>
-            <a:r>
-              <a:rPr lang="en-US" err="1">
+              <a:rPr lang="en-US" sz="2400">
+                <a:latin typeface="Arial" panose="020B0604020202020204" pitchFamily="34" charset="0"/>
+                <a:cs typeface="Arial" panose="020B0604020202020204" pitchFamily="34" charset="0"/>
+              </a:rPr>
+              <a:t> </a:t>
+            </a:r>
+            <a:r>
+              <a:rPr lang="en-US" sz="2400" err="1">
                 <a:latin typeface="Arial" panose="020B0604020202020204" pitchFamily="34" charset="0"/>
                 <a:cs typeface="Arial" panose="020B0604020202020204" pitchFamily="34" charset="0"/>
               </a:rPr>
               <a:t>liên</a:t>
             </a:r>
             <a:r>
-              <a:rPr lang="en-US">
-                <a:latin typeface="Arial" panose="020B0604020202020204" pitchFamily="34" charset="0"/>
-                <a:cs typeface="Arial" panose="020B0604020202020204" pitchFamily="34" charset="0"/>
-              </a:rPr>
-              <a:t> </a:t>
-            </a:r>
-            <a:r>
-              <a:rPr lang="en-US" err="1">
+              <a:rPr lang="en-US" sz="2400">
+                <a:latin typeface="Arial" panose="020B0604020202020204" pitchFamily="34" charset="0"/>
+                <a:cs typeface="Arial" panose="020B0604020202020204" pitchFamily="34" charset="0"/>
+              </a:rPr>
+              <a:t> </a:t>
+            </a:r>
+            <a:r>
+              <a:rPr lang="en-US" sz="2400" err="1">
                 <a:latin typeface="Arial" panose="020B0604020202020204" pitchFamily="34" charset="0"/>
                 <a:cs typeface="Arial" panose="020B0604020202020204" pitchFamily="34" charset="0"/>
               </a:rPr>
               <a:t>quan</a:t>
             </a:r>
             <a:r>
-              <a:rPr lang="en-US">
-                <a:latin typeface="Arial" panose="020B0604020202020204" pitchFamily="34" charset="0"/>
-                <a:cs typeface="Arial" panose="020B0604020202020204" pitchFamily="34" charset="0"/>
-              </a:rPr>
-              <a:t> </a:t>
-            </a:r>
-            <a:r>
-              <a:rPr lang="en-US" err="1">
+              <a:rPr lang="en-US" sz="2400">
+                <a:latin typeface="Arial" panose="020B0604020202020204" pitchFamily="34" charset="0"/>
+                <a:cs typeface="Arial" panose="020B0604020202020204" pitchFamily="34" charset="0"/>
+              </a:rPr>
+              <a:t> </a:t>
+            </a:r>
+            <a:r>
+              <a:rPr lang="en-US" sz="2400" err="1">
                 <a:latin typeface="Arial" panose="020B0604020202020204" pitchFamily="34" charset="0"/>
                 <a:cs typeface="Arial" panose="020B0604020202020204" pitchFamily="34" charset="0"/>
               </a:rPr>
               <a:t>tới</a:t>
             </a:r>
             <a:r>
-              <a:rPr lang="en-US">
-                <a:latin typeface="Arial" panose="020B0604020202020204" pitchFamily="34" charset="0"/>
-                <a:cs typeface="Arial" panose="020B0604020202020204" pitchFamily="34" charset="0"/>
-              </a:rPr>
-              <a:t> </a:t>
-            </a:r>
-            <a:r>
-              <a:rPr lang="en-US" err="1">
+              <a:rPr lang="en-US" sz="2400">
+                <a:latin typeface="Arial" panose="020B0604020202020204" pitchFamily="34" charset="0"/>
+                <a:cs typeface="Arial" panose="020B0604020202020204" pitchFamily="34" charset="0"/>
+              </a:rPr>
+              <a:t> </a:t>
+            </a:r>
+            <a:r>
+              <a:rPr lang="en-US" sz="2400" err="1">
                 <a:latin typeface="Arial" panose="020B0604020202020204" pitchFamily="34" charset="0"/>
                 <a:cs typeface="Arial" panose="020B0604020202020204" pitchFamily="34" charset="0"/>
               </a:rPr>
               <a:t>nhau</a:t>
             </a:r>
             <a:r>
-              <a:rPr lang="en-US">
-                <a:latin typeface="Arial" panose="020B0604020202020204" pitchFamily="34" charset="0"/>
-                <a:cs typeface="Arial" panose="020B0604020202020204" pitchFamily="34" charset="0"/>
-              </a:rPr>
-              <a:t> </a:t>
-            </a:r>
-            <a:r>
-              <a:rPr lang="en-US" err="1">
+              <a:rPr lang="en-US" sz="2400">
+                <a:latin typeface="Arial" panose="020B0604020202020204" pitchFamily="34" charset="0"/>
+                <a:cs typeface="Arial" panose="020B0604020202020204" pitchFamily="34" charset="0"/>
+              </a:rPr>
+              <a:t> </a:t>
+            </a:r>
+            <a:r>
+              <a:rPr lang="en-US" sz="2400" err="1">
                 <a:latin typeface="Arial" panose="020B0604020202020204" pitchFamily="34" charset="0"/>
                 <a:cs typeface="Arial" panose="020B0604020202020204" pitchFamily="34" charset="0"/>
               </a:rPr>
               <a:t>có</a:t>
             </a:r>
             <a:r>
-              <a:rPr lang="en-US">
-                <a:latin typeface="Arial" panose="020B0604020202020204" pitchFamily="34" charset="0"/>
-                <a:cs typeface="Arial" panose="020B0604020202020204" pitchFamily="34" charset="0"/>
-              </a:rPr>
-              <a:t> </a:t>
-            </a:r>
-            <a:r>
-              <a:rPr lang="en-US" err="1">
+              <a:rPr lang="en-US" sz="2400">
+                <a:latin typeface="Arial" panose="020B0604020202020204" pitchFamily="34" charset="0"/>
+                <a:cs typeface="Arial" panose="020B0604020202020204" pitchFamily="34" charset="0"/>
+              </a:rPr>
+              <a:t> </a:t>
+            </a:r>
+            <a:r>
+              <a:rPr lang="en-US" sz="2400" err="1">
                 <a:latin typeface="Arial" panose="020B0604020202020204" pitchFamily="34" charset="0"/>
                 <a:cs typeface="Arial" panose="020B0604020202020204" pitchFamily="34" charset="0"/>
               </a:rPr>
               <a:t>thể</a:t>
             </a:r>
             <a:r>
-              <a:rPr lang="en-US">
-                <a:latin typeface="Arial" panose="020B0604020202020204" pitchFamily="34" charset="0"/>
-                <a:cs typeface="Arial" panose="020B0604020202020204" pitchFamily="34" charset="0"/>
-              </a:rPr>
-              <a:t> </a:t>
-            </a:r>
-            <a:r>
-              <a:rPr lang="en-US" err="1">
+              <a:rPr lang="en-US" sz="2400">
+                <a:latin typeface="Arial" panose="020B0604020202020204" pitchFamily="34" charset="0"/>
+                <a:cs typeface="Arial" panose="020B0604020202020204" pitchFamily="34" charset="0"/>
+              </a:rPr>
+              <a:t> </a:t>
+            </a:r>
+            <a:r>
+              <a:rPr lang="en-US" sz="2400" err="1">
                 <a:latin typeface="Arial" panose="020B0604020202020204" pitchFamily="34" charset="0"/>
                 <a:cs typeface="Arial" panose="020B0604020202020204" pitchFamily="34" charset="0"/>
               </a:rPr>
               <a:t>làm</a:t>
             </a:r>
             <a:r>
-              <a:rPr lang="en-US">
-                <a:latin typeface="Arial" panose="020B0604020202020204" pitchFamily="34" charset="0"/>
-                <a:cs typeface="Arial" panose="020B0604020202020204" pitchFamily="34" charset="0"/>
-              </a:rPr>
-              <a:t> </a:t>
-            </a:r>
-            <a:r>
-              <a:rPr lang="en-US" err="1">
+              <a:rPr lang="en-US" sz="2400">
+                <a:latin typeface="Arial" panose="020B0604020202020204" pitchFamily="34" charset="0"/>
+                <a:cs typeface="Arial" panose="020B0604020202020204" pitchFamily="34" charset="0"/>
+              </a:rPr>
+              <a:t> </a:t>
+            </a:r>
+            <a:r>
+              <a:rPr lang="en-US" sz="2400" err="1">
                 <a:latin typeface="Arial" panose="020B0604020202020204" pitchFamily="34" charset="0"/>
                 <a:cs typeface="Arial" panose="020B0604020202020204" pitchFamily="34" charset="0"/>
               </a:rPr>
               <a:t>việc</a:t>
             </a:r>
             <a:r>
-              <a:rPr lang="en-US">
-                <a:latin typeface="Arial" panose="020B0604020202020204" pitchFamily="34" charset="0"/>
-                <a:cs typeface="Arial" panose="020B0604020202020204" pitchFamily="34" charset="0"/>
-              </a:rPr>
-              <a:t> </a:t>
-            </a:r>
-            <a:r>
-              <a:rPr lang="en-US" err="1">
+              <a:rPr lang="en-US" sz="2400">
+                <a:latin typeface="Arial" panose="020B0604020202020204" pitchFamily="34" charset="0"/>
+                <a:cs typeface="Arial" panose="020B0604020202020204" pitchFamily="34" charset="0"/>
+              </a:rPr>
+              <a:t> </a:t>
+            </a:r>
+            <a:r>
+              <a:rPr lang="en-US" sz="2400" err="1">
                 <a:latin typeface="Arial" panose="020B0604020202020204" pitchFamily="34" charset="0"/>
                 <a:cs typeface="Arial" panose="020B0604020202020204" pitchFamily="34" charset="0"/>
               </a:rPr>
               <a:t>cùng</a:t>
             </a:r>
             <a:r>
-              <a:rPr lang="en-US">
-                <a:latin typeface="Arial" panose="020B0604020202020204" pitchFamily="34" charset="0"/>
-                <a:cs typeface="Arial" panose="020B0604020202020204" pitchFamily="34" charset="0"/>
-              </a:rPr>
-              <a:t> </a:t>
-            </a:r>
-            <a:r>
-              <a:rPr lang="en-US" err="1">
+              <a:rPr lang="en-US" sz="2400">
+                <a:latin typeface="Arial" panose="020B0604020202020204" pitchFamily="34" charset="0"/>
+                <a:cs typeface="Arial" panose="020B0604020202020204" pitchFamily="34" charset="0"/>
+              </a:rPr>
+              <a:t> </a:t>
+            </a:r>
+            <a:r>
+              <a:rPr lang="en-US" sz="2400" err="1">
                 <a:latin typeface="Arial" panose="020B0604020202020204" pitchFamily="34" charset="0"/>
                 <a:cs typeface="Arial" panose="020B0604020202020204" pitchFamily="34" charset="0"/>
               </a:rPr>
               <a:t>nhau</a:t>
             </a:r>
             <a:r>
-              <a:rPr lang="en-US">
+              <a:rPr lang="en-US" sz="2400">
                 <a:latin typeface="Arial" panose="020B0604020202020204" pitchFamily="34" charset="0"/>
                 <a:cs typeface="Arial" panose="020B0604020202020204" pitchFamily="34" charset="0"/>
               </a:rPr>
               <a:t>. </a:t>
             </a:r>
             <a:r>
-              <a:rPr lang="en-US" err="1">
+              <a:rPr lang="en-US" sz="2400" err="1">
                 <a:latin typeface="Arial" panose="020B0604020202020204" pitchFamily="34" charset="0"/>
                 <a:cs typeface="Arial" panose="020B0604020202020204" pitchFamily="34" charset="0"/>
               </a:rPr>
               <a:t>Đối</a:t>
             </a:r>
             <a:r>
-              <a:rPr lang="en-US">
-                <a:latin typeface="Arial" panose="020B0604020202020204" pitchFamily="34" charset="0"/>
-                <a:cs typeface="Arial" panose="020B0604020202020204" pitchFamily="34" charset="0"/>
-              </a:rPr>
-              <a:t> </a:t>
-            </a:r>
-            <a:r>
-              <a:rPr lang="en-US" err="1">
+              <a:rPr lang="en-US" sz="2400">
+                <a:latin typeface="Arial" panose="020B0604020202020204" pitchFamily="34" charset="0"/>
+                <a:cs typeface="Arial" panose="020B0604020202020204" pitchFamily="34" charset="0"/>
+              </a:rPr>
+              <a:t> </a:t>
+            </a:r>
+            <a:r>
+              <a:rPr lang="en-US" sz="2400" err="1">
                 <a:latin typeface="Arial" panose="020B0604020202020204" pitchFamily="34" charset="0"/>
                 <a:cs typeface="Arial" panose="020B0604020202020204" pitchFamily="34" charset="0"/>
               </a:rPr>
               <a:t>tượng</a:t>
             </a:r>
             <a:r>
-              <a:rPr lang="en-US">
-                <a:latin typeface="Arial" panose="020B0604020202020204" pitchFamily="34" charset="0"/>
-                <a:cs typeface="Arial" panose="020B0604020202020204" pitchFamily="34" charset="0"/>
-              </a:rPr>
-              <a:t> </a:t>
-            </a:r>
-            <a:r>
-              <a:rPr lang="en-US" err="1">
+              <a:rPr lang="en-US" sz="2400">
+                <a:latin typeface="Arial" panose="020B0604020202020204" pitchFamily="34" charset="0"/>
+                <a:cs typeface="Arial" panose="020B0604020202020204" pitchFamily="34" charset="0"/>
+              </a:rPr>
+              <a:t> </a:t>
+            </a:r>
+            <a:r>
+              <a:rPr lang="en-US" sz="2400" err="1">
                 <a:latin typeface="Arial" panose="020B0604020202020204" pitchFamily="34" charset="0"/>
                 <a:cs typeface="Arial" panose="020B0604020202020204" pitchFamily="34" charset="0"/>
               </a:rPr>
               <a:t>giúp</a:t>
             </a:r>
             <a:r>
-              <a:rPr lang="en-US">
-                <a:latin typeface="Arial" panose="020B0604020202020204" pitchFamily="34" charset="0"/>
-                <a:cs typeface="Arial" panose="020B0604020202020204" pitchFamily="34" charset="0"/>
-              </a:rPr>
-              <a:t> </a:t>
-            </a:r>
-            <a:r>
-              <a:rPr lang="en-US" err="1">
+              <a:rPr lang="en-US" sz="2400">
+                <a:latin typeface="Arial" panose="020B0604020202020204" pitchFamily="34" charset="0"/>
+                <a:cs typeface="Arial" panose="020B0604020202020204" pitchFamily="34" charset="0"/>
+              </a:rPr>
+              <a:t> </a:t>
+            </a:r>
+            <a:r>
+              <a:rPr lang="en-US" sz="2400" err="1">
                 <a:latin typeface="Arial" panose="020B0604020202020204" pitchFamily="34" charset="0"/>
                 <a:cs typeface="Arial" panose="020B0604020202020204" pitchFamily="34" charset="0"/>
               </a:rPr>
               <a:t>kết</a:t>
             </a:r>
             <a:r>
-              <a:rPr lang="en-US">
-                <a:latin typeface="Arial" panose="020B0604020202020204" pitchFamily="34" charset="0"/>
-                <a:cs typeface="Arial" panose="020B0604020202020204" pitchFamily="34" charset="0"/>
-              </a:rPr>
-              <a:t> </a:t>
-            </a:r>
-            <a:r>
-              <a:rPr lang="en-US" err="1">
+              <a:rPr lang="en-US" sz="2400">
+                <a:latin typeface="Arial" panose="020B0604020202020204" pitchFamily="34" charset="0"/>
+                <a:cs typeface="Arial" panose="020B0604020202020204" pitchFamily="34" charset="0"/>
+              </a:rPr>
+              <a:t> </a:t>
+            </a:r>
+            <a:r>
+              <a:rPr lang="en-US" sz="2400" err="1">
                 <a:latin typeface="Arial" panose="020B0604020202020204" pitchFamily="34" charset="0"/>
                 <a:cs typeface="Arial" panose="020B0604020202020204" pitchFamily="34" charset="0"/>
               </a:rPr>
               <a:t>nối</a:t>
             </a:r>
             <a:r>
-              <a:rPr lang="en-US">
-                <a:latin typeface="Arial" panose="020B0604020202020204" pitchFamily="34" charset="0"/>
-                <a:cs typeface="Arial" panose="020B0604020202020204" pitchFamily="34" charset="0"/>
-              </a:rPr>
-              <a:t> </a:t>
-            </a:r>
-            <a:r>
-              <a:rPr lang="en-US" err="1">
+              <a:rPr lang="en-US" sz="2400">
+                <a:latin typeface="Arial" panose="020B0604020202020204" pitchFamily="34" charset="0"/>
+                <a:cs typeface="Arial" panose="020B0604020202020204" pitchFamily="34" charset="0"/>
+              </a:rPr>
+              <a:t> </a:t>
+            </a:r>
+            <a:r>
+              <a:rPr lang="en-US" sz="2400" err="1">
                 <a:latin typeface="Arial" panose="020B0604020202020204" pitchFamily="34" charset="0"/>
                 <a:cs typeface="Arial" panose="020B0604020202020204" pitchFamily="34" charset="0"/>
               </a:rPr>
               <a:t>các</a:t>
             </a:r>
             <a:r>
-              <a:rPr lang="en-US">
+              <a:rPr lang="en-US" sz="2400">
                 <a:latin typeface="Arial" panose="020B0604020202020204" pitchFamily="34" charset="0"/>
                 <a:cs typeface="Arial" panose="020B0604020202020204" pitchFamily="34" charset="0"/>
               </a:rPr>
               <a:t> interface </a:t>
             </a:r>
             <a:r>
-              <a:rPr lang="en-US" err="1">
+              <a:rPr lang="en-US" sz="2400" err="1">
                 <a:latin typeface="Arial" panose="020B0604020202020204" pitchFamily="34" charset="0"/>
                 <a:cs typeface="Arial" panose="020B0604020202020204" pitchFamily="34" charset="0"/>
               </a:rPr>
               <a:t>gọi</a:t>
             </a:r>
             <a:r>
-              <a:rPr lang="en-US">
-                <a:latin typeface="Arial" panose="020B0604020202020204" pitchFamily="34" charset="0"/>
-                <a:cs typeface="Arial" panose="020B0604020202020204" pitchFamily="34" charset="0"/>
-              </a:rPr>
-              <a:t> </a:t>
-            </a:r>
-            <a:r>
-              <a:rPr lang="en-US" err="1">
+              <a:rPr lang="en-US" sz="2400">
+                <a:latin typeface="Arial" panose="020B0604020202020204" pitchFamily="34" charset="0"/>
+                <a:cs typeface="Arial" panose="020B0604020202020204" pitchFamily="34" charset="0"/>
+              </a:rPr>
+              <a:t> </a:t>
+            </a:r>
+            <a:r>
+              <a:rPr lang="en-US" sz="2400" err="1">
                 <a:latin typeface="Arial" panose="020B0604020202020204" pitchFamily="34" charset="0"/>
                 <a:cs typeface="Arial" panose="020B0604020202020204" pitchFamily="34" charset="0"/>
               </a:rPr>
               <a:t>là</a:t>
             </a:r>
             <a:r>
-              <a:rPr lang="en-US">
+              <a:rPr lang="en-US" sz="2400">
                 <a:latin typeface="Arial" panose="020B0604020202020204" pitchFamily="34" charset="0"/>
                 <a:cs typeface="Arial" panose="020B0604020202020204" pitchFamily="34" charset="0"/>
               </a:rPr>
@@ -10196,18 +10359,25 @@
   <p:clrMapOvr>
     <a:masterClrMapping/>
   </p:clrMapOvr>
-  <mc:AlternateContent xmlns:mc="http://schemas.openxmlformats.org/markup-compatibility/2006">
-    <mc:Choice xmlns:p14="http://schemas.microsoft.com/office/powerpoint/2010/main" Requires="p14">
+  <mc:AlternateContent xmlns:mc="http://schemas.openxmlformats.org/markup-compatibility/2006" xmlns:p14="http://schemas.microsoft.com/office/powerpoint/2010/main">
+    <mc:Choice Requires="p14">
       <p:transition spd="slow" p14:dur="800">
         <p:circle/>
       </p:transition>
     </mc:Choice>
-    <mc:Fallback>
+    <mc:Fallback xmlns="">
       <p:transition spd="slow">
         <p:circle/>
       </p:transition>
     </mc:Fallback>
   </mc:AlternateContent>
+  <p:timing>
+    <p:tnLst>
+      <p:par>
+        <p:cTn id="1" dur="indefinite" restart="never" nodeType="tmRoot"/>
+      </p:par>
+    </p:tnLst>
+  </p:timing>
 </p:sld>
 </file>
 
@@ -10359,8 +10529,8 @@
         </p:nvSpPr>
         <p:spPr>
           <a:xfrm>
-            <a:off x="1099752" y="1322173"/>
-            <a:ext cx="9675341" cy="646331"/>
+            <a:off x="485603" y="1185693"/>
+            <a:ext cx="9675341" cy="1015663"/>
           </a:xfrm>
           <a:prstGeom prst="rect">
             <a:avLst/>
@@ -10374,294 +10544,294 @@
           <a:lstStyle/>
           <a:p>
             <a:r>
-              <a:rPr lang="en-US" err="1">
+              <a:rPr lang="en-US" sz="2000" err="1">
                 <a:latin typeface="Arial" panose="020B0604020202020204" pitchFamily="34" charset="0"/>
                 <a:cs typeface="Arial" panose="020B0604020202020204" pitchFamily="34" charset="0"/>
               </a:rPr>
               <a:t>Có</a:t>
             </a:r>
             <a:r>
-              <a:rPr lang="en-US">
-                <a:latin typeface="Arial" panose="020B0604020202020204" pitchFamily="34" charset="0"/>
-                <a:cs typeface="Arial" panose="020B0604020202020204" pitchFamily="34" charset="0"/>
-              </a:rPr>
-              <a:t> </a:t>
-            </a:r>
-            <a:r>
-              <a:rPr lang="en-US" err="1">
+              <a:rPr lang="en-US" sz="2000">
+                <a:latin typeface="Arial" panose="020B0604020202020204" pitchFamily="34" charset="0"/>
+                <a:cs typeface="Arial" panose="020B0604020202020204" pitchFamily="34" charset="0"/>
+              </a:rPr>
+              <a:t> </a:t>
+            </a:r>
+            <a:r>
+              <a:rPr lang="en-US" sz="2000" err="1">
                 <a:latin typeface="Arial" panose="020B0604020202020204" pitchFamily="34" charset="0"/>
                 <a:cs typeface="Arial" panose="020B0604020202020204" pitchFamily="34" charset="0"/>
               </a:rPr>
               <a:t>hai</a:t>
             </a:r>
             <a:r>
-              <a:rPr lang="en-US">
-                <a:latin typeface="Arial" panose="020B0604020202020204" pitchFamily="34" charset="0"/>
-                <a:cs typeface="Arial" panose="020B0604020202020204" pitchFamily="34" charset="0"/>
-              </a:rPr>
-              <a:t> </a:t>
-            </a:r>
-            <a:r>
-              <a:rPr lang="en-US" err="1">
+              <a:rPr lang="en-US" sz="2000">
+                <a:latin typeface="Arial" panose="020B0604020202020204" pitchFamily="34" charset="0"/>
+                <a:cs typeface="Arial" panose="020B0604020202020204" pitchFamily="34" charset="0"/>
+              </a:rPr>
+              <a:t> </a:t>
+            </a:r>
+            <a:r>
+              <a:rPr lang="en-US" sz="2000" err="1">
                 <a:latin typeface="Arial" panose="020B0604020202020204" pitchFamily="34" charset="0"/>
                 <a:cs typeface="Arial" panose="020B0604020202020204" pitchFamily="34" charset="0"/>
               </a:rPr>
               <a:t>cách</a:t>
             </a:r>
             <a:r>
-              <a:rPr lang="en-US">
-                <a:latin typeface="Arial" panose="020B0604020202020204" pitchFamily="34" charset="0"/>
-                <a:cs typeface="Arial" panose="020B0604020202020204" pitchFamily="34" charset="0"/>
-              </a:rPr>
-              <a:t> </a:t>
-            </a:r>
-            <a:r>
-              <a:rPr lang="en-US" err="1">
+              <a:rPr lang="en-US" sz="2000">
+                <a:latin typeface="Arial" panose="020B0604020202020204" pitchFamily="34" charset="0"/>
+                <a:cs typeface="Arial" panose="020B0604020202020204" pitchFamily="34" charset="0"/>
+              </a:rPr>
+              <a:t> </a:t>
+            </a:r>
+            <a:r>
+              <a:rPr lang="en-US" sz="2000" err="1">
                 <a:latin typeface="Arial" panose="020B0604020202020204" pitchFamily="34" charset="0"/>
                 <a:cs typeface="Arial" panose="020B0604020202020204" pitchFamily="34" charset="0"/>
               </a:rPr>
               <a:t>để</a:t>
             </a:r>
             <a:r>
-              <a:rPr lang="en-US">
-                <a:latin typeface="Arial" panose="020B0604020202020204" pitchFamily="34" charset="0"/>
-                <a:cs typeface="Arial" panose="020B0604020202020204" pitchFamily="34" charset="0"/>
-              </a:rPr>
-              <a:t> </a:t>
-            </a:r>
-            <a:r>
-              <a:rPr lang="en-US" err="1">
+              <a:rPr lang="en-US" sz="2000">
+                <a:latin typeface="Arial" panose="020B0604020202020204" pitchFamily="34" charset="0"/>
+                <a:cs typeface="Arial" panose="020B0604020202020204" pitchFamily="34" charset="0"/>
+              </a:rPr>
+              <a:t> </a:t>
+            </a:r>
+            <a:r>
+              <a:rPr lang="en-US" sz="2000" err="1">
                 <a:latin typeface="Arial" panose="020B0604020202020204" pitchFamily="34" charset="0"/>
                 <a:cs typeface="Arial" panose="020B0604020202020204" pitchFamily="34" charset="0"/>
               </a:rPr>
               <a:t>thực</a:t>
             </a:r>
             <a:r>
-              <a:rPr lang="en-US">
-                <a:latin typeface="Arial" panose="020B0604020202020204" pitchFamily="34" charset="0"/>
-                <a:cs typeface="Arial" panose="020B0604020202020204" pitchFamily="34" charset="0"/>
-              </a:rPr>
-              <a:t> </a:t>
-            </a:r>
-            <a:r>
-              <a:rPr lang="en-US" err="1">
+              <a:rPr lang="en-US" sz="2000">
+                <a:latin typeface="Arial" panose="020B0604020202020204" pitchFamily="34" charset="0"/>
+                <a:cs typeface="Arial" panose="020B0604020202020204" pitchFamily="34" charset="0"/>
+              </a:rPr>
+              <a:t> </a:t>
+            </a:r>
+            <a:r>
+              <a:rPr lang="en-US" sz="2000" err="1">
                 <a:latin typeface="Arial" panose="020B0604020202020204" pitchFamily="34" charset="0"/>
                 <a:cs typeface="Arial" panose="020B0604020202020204" pitchFamily="34" charset="0"/>
               </a:rPr>
               <a:t>hiện</a:t>
             </a:r>
             <a:r>
-              <a:rPr lang="en-US">
+              <a:rPr lang="en-US" sz="2000">
                 <a:latin typeface="Arial" panose="020B0604020202020204" pitchFamily="34" charset="0"/>
                 <a:cs typeface="Arial" panose="020B0604020202020204" pitchFamily="34" charset="0"/>
               </a:rPr>
               <a:t> Adapter Pattern </a:t>
             </a:r>
             <a:r>
-              <a:rPr lang="en-US" err="1">
+              <a:rPr lang="en-US" sz="2000" err="1">
                 <a:latin typeface="Arial" panose="020B0604020202020204" pitchFamily="34" charset="0"/>
                 <a:cs typeface="Arial" panose="020B0604020202020204" pitchFamily="34" charset="0"/>
               </a:rPr>
               <a:t>dựa</a:t>
             </a:r>
             <a:r>
-              <a:rPr lang="en-US">
-                <a:latin typeface="Arial" panose="020B0604020202020204" pitchFamily="34" charset="0"/>
-                <a:cs typeface="Arial" panose="020B0604020202020204" pitchFamily="34" charset="0"/>
-              </a:rPr>
-              <a:t> </a:t>
-            </a:r>
-            <a:r>
-              <a:rPr lang="en-US" err="1">
+              <a:rPr lang="en-US" sz="2000">
+                <a:latin typeface="Arial" panose="020B0604020202020204" pitchFamily="34" charset="0"/>
+                <a:cs typeface="Arial" panose="020B0604020202020204" pitchFamily="34" charset="0"/>
+              </a:rPr>
+              <a:t> </a:t>
+            </a:r>
+            <a:r>
+              <a:rPr lang="en-US" sz="2000" err="1">
                 <a:latin typeface="Arial" panose="020B0604020202020204" pitchFamily="34" charset="0"/>
                 <a:cs typeface="Arial" panose="020B0604020202020204" pitchFamily="34" charset="0"/>
               </a:rPr>
               <a:t>theo</a:t>
             </a:r>
             <a:r>
-              <a:rPr lang="en-US">
-                <a:latin typeface="Arial" panose="020B0604020202020204" pitchFamily="34" charset="0"/>
-                <a:cs typeface="Arial" panose="020B0604020202020204" pitchFamily="34" charset="0"/>
-              </a:rPr>
-              <a:t> </a:t>
-            </a:r>
-            <a:r>
-              <a:rPr lang="en-US" err="1">
+              <a:rPr lang="en-US" sz="2000">
+                <a:latin typeface="Arial" panose="020B0604020202020204" pitchFamily="34" charset="0"/>
+                <a:cs typeface="Arial" panose="020B0604020202020204" pitchFamily="34" charset="0"/>
+              </a:rPr>
+              <a:t> </a:t>
+            </a:r>
+            <a:r>
+              <a:rPr lang="en-US" sz="2000" err="1">
                 <a:latin typeface="Arial" panose="020B0604020202020204" pitchFamily="34" charset="0"/>
                 <a:cs typeface="Arial" panose="020B0604020202020204" pitchFamily="34" charset="0"/>
               </a:rPr>
               <a:t>cách</a:t>
             </a:r>
             <a:r>
-              <a:rPr lang="en-US">
-                <a:latin typeface="Arial" panose="020B0604020202020204" pitchFamily="34" charset="0"/>
-                <a:cs typeface="Arial" panose="020B0604020202020204" pitchFamily="34" charset="0"/>
-              </a:rPr>
-              <a:t> </a:t>
-            </a:r>
-            <a:r>
-              <a:rPr lang="en-US" err="1">
+              <a:rPr lang="en-US" sz="2000">
+                <a:latin typeface="Arial" panose="020B0604020202020204" pitchFamily="34" charset="0"/>
+                <a:cs typeface="Arial" panose="020B0604020202020204" pitchFamily="34" charset="0"/>
+              </a:rPr>
+              <a:t> </a:t>
+            </a:r>
+            <a:r>
+              <a:rPr lang="en-US" sz="2000" err="1">
                 <a:latin typeface="Arial" panose="020B0604020202020204" pitchFamily="34" charset="0"/>
                 <a:cs typeface="Arial" panose="020B0604020202020204" pitchFamily="34" charset="0"/>
               </a:rPr>
               <a:t>cài</a:t>
             </a:r>
             <a:r>
-              <a:rPr lang="en-US">
-                <a:latin typeface="Arial" panose="020B0604020202020204" pitchFamily="34" charset="0"/>
-                <a:cs typeface="Arial" panose="020B0604020202020204" pitchFamily="34" charset="0"/>
-              </a:rPr>
-              <a:t> </a:t>
-            </a:r>
-            <a:r>
-              <a:rPr lang="en-US" err="1">
+              <a:rPr lang="en-US" sz="2000">
+                <a:latin typeface="Arial" panose="020B0604020202020204" pitchFamily="34" charset="0"/>
+                <a:cs typeface="Arial" panose="020B0604020202020204" pitchFamily="34" charset="0"/>
+              </a:rPr>
+              <a:t> </a:t>
+            </a:r>
+            <a:r>
+              <a:rPr lang="en-US" sz="2000" err="1">
                 <a:latin typeface="Arial" panose="020B0604020202020204" pitchFamily="34" charset="0"/>
                 <a:cs typeface="Arial" panose="020B0604020202020204" pitchFamily="34" charset="0"/>
               </a:rPr>
               <a:t>đặt</a:t>
             </a:r>
             <a:r>
-              <a:rPr lang="en-US">
+              <a:rPr lang="en-US" sz="2000">
                 <a:latin typeface="Arial" panose="020B0604020202020204" pitchFamily="34" charset="0"/>
                 <a:cs typeface="Arial" panose="020B0604020202020204" pitchFamily="34" charset="0"/>
               </a:rPr>
               <a:t> (implement) </a:t>
             </a:r>
             <a:r>
-              <a:rPr lang="en-US" err="1">
+              <a:rPr lang="en-US" sz="2000" err="1">
                 <a:latin typeface="Arial" panose="020B0604020202020204" pitchFamily="34" charset="0"/>
                 <a:cs typeface="Arial" panose="020B0604020202020204" pitchFamily="34" charset="0"/>
               </a:rPr>
               <a:t>của</a:t>
             </a:r>
             <a:r>
-              <a:rPr lang="en-US">
-                <a:latin typeface="Arial" panose="020B0604020202020204" pitchFamily="34" charset="0"/>
-                <a:cs typeface="Arial" panose="020B0604020202020204" pitchFamily="34" charset="0"/>
-              </a:rPr>
-              <a:t> </a:t>
-            </a:r>
-            <a:r>
-              <a:rPr lang="en-US" err="1">
+              <a:rPr lang="en-US" sz="2000">
+                <a:latin typeface="Arial" panose="020B0604020202020204" pitchFamily="34" charset="0"/>
+                <a:cs typeface="Arial" panose="020B0604020202020204" pitchFamily="34" charset="0"/>
+              </a:rPr>
+              <a:t> </a:t>
+            </a:r>
+            <a:r>
+              <a:rPr lang="en-US" sz="2000" err="1">
                 <a:latin typeface="Arial" panose="020B0604020202020204" pitchFamily="34" charset="0"/>
                 <a:cs typeface="Arial" panose="020B0604020202020204" pitchFamily="34" charset="0"/>
               </a:rPr>
               <a:t>chúng</a:t>
             </a:r>
             <a:r>
-              <a:rPr lang="en-US">
-                <a:latin typeface="Arial" panose="020B0604020202020204" pitchFamily="34" charset="0"/>
-                <a:cs typeface="Arial" panose="020B0604020202020204" pitchFamily="34" charset="0"/>
-              </a:rPr>
-              <a:t> </a:t>
-            </a:r>
-            <a:r>
-              <a:rPr lang="en-US" err="1">
+              <a:rPr lang="en-US" sz="2000">
+                <a:latin typeface="Arial" panose="020B0604020202020204" pitchFamily="34" charset="0"/>
+                <a:cs typeface="Arial" panose="020B0604020202020204" pitchFamily="34" charset="0"/>
+              </a:rPr>
+              <a:t> </a:t>
+            </a:r>
+            <a:r>
+              <a:rPr lang="en-US" sz="2000" err="1">
                 <a:latin typeface="Arial" panose="020B0604020202020204" pitchFamily="34" charset="0"/>
                 <a:cs typeface="Arial" panose="020B0604020202020204" pitchFamily="34" charset="0"/>
               </a:rPr>
               <a:t>là</a:t>
             </a:r>
             <a:r>
-              <a:rPr lang="en-US">
-                <a:latin typeface="Arial" panose="020B0604020202020204" pitchFamily="34" charset="0"/>
-                <a:cs typeface="Arial" panose="020B0604020202020204" pitchFamily="34" charset="0"/>
-              </a:rPr>
-              <a:t> </a:t>
-            </a:r>
-            <a:r>
-              <a:rPr lang="en-US" b="1">
+              <a:rPr lang="en-US" sz="2000">
+                <a:latin typeface="Arial" panose="020B0604020202020204" pitchFamily="34" charset="0"/>
+                <a:cs typeface="Arial" panose="020B0604020202020204" pitchFamily="34" charset="0"/>
+              </a:rPr>
+              <a:t> </a:t>
+            </a:r>
+            <a:r>
+              <a:rPr lang="en-US" sz="2000" b="1">
                 <a:latin typeface="Arial" panose="020B0604020202020204" pitchFamily="34" charset="0"/>
                 <a:cs typeface="Arial" panose="020B0604020202020204" pitchFamily="34" charset="0"/>
               </a:rPr>
               <a:t>Object Adapter – Composition</a:t>
             </a:r>
             <a:r>
-              <a:rPr lang="en-US">
+              <a:rPr lang="en-US" sz="2000">
                 <a:latin typeface="Arial" panose="020B0604020202020204" pitchFamily="34" charset="0"/>
                 <a:cs typeface="Arial" panose="020B0604020202020204" pitchFamily="34" charset="0"/>
               </a:rPr>
               <a:t> (</a:t>
             </a:r>
             <a:r>
-              <a:rPr lang="en-US" err="1">
+              <a:rPr lang="en-US" sz="2000" err="1">
                 <a:latin typeface="Arial" panose="020B0604020202020204" pitchFamily="34" charset="0"/>
                 <a:cs typeface="Arial" panose="020B0604020202020204" pitchFamily="34" charset="0"/>
               </a:rPr>
               <a:t>Tổng</a:t>
             </a:r>
             <a:r>
-              <a:rPr lang="en-US">
-                <a:latin typeface="Arial" panose="020B0604020202020204" pitchFamily="34" charset="0"/>
-                <a:cs typeface="Arial" panose="020B0604020202020204" pitchFamily="34" charset="0"/>
-              </a:rPr>
-              <a:t> </a:t>
-            </a:r>
-            <a:r>
-              <a:rPr lang="en-US" err="1">
+              <a:rPr lang="en-US" sz="2000">
+                <a:latin typeface="Arial" panose="020B0604020202020204" pitchFamily="34" charset="0"/>
+                <a:cs typeface="Arial" panose="020B0604020202020204" pitchFamily="34" charset="0"/>
+              </a:rPr>
+              <a:t> </a:t>
+            </a:r>
+            <a:r>
+              <a:rPr lang="en-US" sz="2000" err="1">
                 <a:latin typeface="Arial" panose="020B0604020202020204" pitchFamily="34" charset="0"/>
                 <a:cs typeface="Arial" panose="020B0604020202020204" pitchFamily="34" charset="0"/>
               </a:rPr>
               <a:t>hợp</a:t>
             </a:r>
             <a:r>
-              <a:rPr lang="en-US">
+              <a:rPr lang="en-US" sz="2000">
                 <a:latin typeface="Arial" panose="020B0604020202020204" pitchFamily="34" charset="0"/>
                 <a:cs typeface="Arial" panose="020B0604020202020204" pitchFamily="34" charset="0"/>
               </a:rPr>
               <a:t>) </a:t>
             </a:r>
             <a:r>
-              <a:rPr lang="en-US" err="1">
+              <a:rPr lang="en-US" sz="2000" err="1">
                 <a:latin typeface="Arial" panose="020B0604020202020204" pitchFamily="34" charset="0"/>
                 <a:cs typeface="Arial" panose="020B0604020202020204" pitchFamily="34" charset="0"/>
               </a:rPr>
               <a:t>và</a:t>
             </a:r>
             <a:r>
-              <a:rPr lang="en-US">
-                <a:latin typeface="Arial" panose="020B0604020202020204" pitchFamily="34" charset="0"/>
-                <a:cs typeface="Arial" panose="020B0604020202020204" pitchFamily="34" charset="0"/>
-              </a:rPr>
-              <a:t> </a:t>
-            </a:r>
-            <a:r>
-              <a:rPr lang="en-US" b="1">
+              <a:rPr lang="en-US" sz="2000">
+                <a:latin typeface="Arial" panose="020B0604020202020204" pitchFamily="34" charset="0"/>
+                <a:cs typeface="Arial" panose="020B0604020202020204" pitchFamily="34" charset="0"/>
+              </a:rPr>
+              <a:t> </a:t>
+            </a:r>
+            <a:r>
+              <a:rPr lang="en-US" sz="2000" b="1">
                 <a:latin typeface="Arial" panose="020B0604020202020204" pitchFamily="34" charset="0"/>
                 <a:cs typeface="Arial" panose="020B0604020202020204" pitchFamily="34" charset="0"/>
               </a:rPr>
               <a:t>Class Adapter – Inheritance</a:t>
             </a:r>
             <a:r>
-              <a:rPr lang="en-US">
+              <a:rPr lang="en-US" sz="2000">
                 <a:latin typeface="Arial" panose="020B0604020202020204" pitchFamily="34" charset="0"/>
                 <a:cs typeface="Arial" panose="020B0604020202020204" pitchFamily="34" charset="0"/>
               </a:rPr>
               <a:t> (</a:t>
             </a:r>
             <a:r>
-              <a:rPr lang="en-US" err="1">
+              <a:rPr lang="en-US" sz="2000" err="1">
                 <a:latin typeface="Arial" panose="020B0604020202020204" pitchFamily="34" charset="0"/>
                 <a:cs typeface="Arial" panose="020B0604020202020204" pitchFamily="34" charset="0"/>
               </a:rPr>
               <a:t>Kế</a:t>
             </a:r>
             <a:r>
-              <a:rPr lang="en-US">
-                <a:latin typeface="Arial" panose="020B0604020202020204" pitchFamily="34" charset="0"/>
-                <a:cs typeface="Arial" panose="020B0604020202020204" pitchFamily="34" charset="0"/>
-              </a:rPr>
-              <a:t> </a:t>
-            </a:r>
-            <a:r>
-              <a:rPr lang="en-US" err="1">
+              <a:rPr lang="en-US" sz="2000">
+                <a:latin typeface="Arial" panose="020B0604020202020204" pitchFamily="34" charset="0"/>
+                <a:cs typeface="Arial" panose="020B0604020202020204" pitchFamily="34" charset="0"/>
+              </a:rPr>
+              <a:t> </a:t>
+            </a:r>
+            <a:r>
+              <a:rPr lang="en-US" sz="2000" err="1">
                 <a:latin typeface="Arial" panose="020B0604020202020204" pitchFamily="34" charset="0"/>
                 <a:cs typeface="Arial" panose="020B0604020202020204" pitchFamily="34" charset="0"/>
               </a:rPr>
               <a:t>thừa</a:t>
             </a:r>
             <a:r>
-              <a:rPr lang="en-US">
+              <a:rPr lang="en-US" sz="2000">
                 <a:latin typeface="Arial" panose="020B0604020202020204" pitchFamily="34" charset="0"/>
                 <a:cs typeface="Arial" panose="020B0604020202020204" pitchFamily="34" charset="0"/>
               </a:rPr>
@@ -10978,18 +11148,25 @@
   <p:clrMapOvr>
     <a:masterClrMapping/>
   </p:clrMapOvr>
-  <mc:AlternateContent xmlns:mc="http://schemas.openxmlformats.org/markup-compatibility/2006">
-    <mc:Choice xmlns:p14="http://schemas.microsoft.com/office/powerpoint/2010/main" Requires="p14">
+  <mc:AlternateContent xmlns:mc="http://schemas.openxmlformats.org/markup-compatibility/2006" xmlns:p14="http://schemas.microsoft.com/office/powerpoint/2010/main">
+    <mc:Choice Requires="p14">
       <p:transition spd="slow" p14:dur="3400">
         <p14:reveal/>
       </p:transition>
     </mc:Choice>
-    <mc:Fallback>
+    <mc:Fallback xmlns="">
       <p:transition spd="slow">
         <p:fade/>
       </p:transition>
     </mc:Fallback>
   </mc:AlternateContent>
+  <p:timing>
+    <p:tnLst>
+      <p:par>
+        <p:cTn id="1" dur="indefinite" restart="never" nodeType="tmRoot"/>
+      </p:par>
+    </p:tnLst>
+  </p:timing>
 </p:sld>
 </file>
 
@@ -11259,7 +11436,7 @@
         <p:spPr>
           <a:xfrm>
             <a:off x="1198606" y="2141974"/>
-            <a:ext cx="8720481" cy="1631216"/>
+            <a:ext cx="8720481" cy="2092881"/>
           </a:xfrm>
           <a:prstGeom prst="rect">
             <a:avLst/>
@@ -11278,126 +11455,126 @@
               </a:spcBef>
             </a:pPr>
             <a:r>
-              <a:rPr lang="en-US" err="1">
+              <a:rPr lang="en-US" sz="2400" err="1">
                 <a:latin typeface="Arial"/>
                 <a:cs typeface="Arial"/>
               </a:rPr>
               <a:t>Việc</a:t>
             </a:r>
             <a:r>
-              <a:rPr lang="en-US">
+              <a:rPr lang="en-US" sz="2400">
                 <a:latin typeface="Arial"/>
                 <a:cs typeface="Arial"/>
               </a:rPr>
               <a:t> </a:t>
             </a:r>
             <a:r>
-              <a:rPr lang="en-US" err="1">
+              <a:rPr lang="en-US" sz="2400" err="1">
                 <a:latin typeface="Arial"/>
                 <a:cs typeface="Arial"/>
               </a:rPr>
               <a:t>sử</a:t>
             </a:r>
             <a:r>
-              <a:rPr lang="en-US">
+              <a:rPr lang="en-US" sz="2400">
                 <a:latin typeface="Arial"/>
                 <a:cs typeface="Arial"/>
               </a:rPr>
               <a:t> </a:t>
             </a:r>
             <a:r>
-              <a:rPr lang="en-US" err="1">
+              <a:rPr lang="en-US" sz="2400" err="1">
                 <a:latin typeface="Arial"/>
                 <a:cs typeface="Arial"/>
               </a:rPr>
               <a:t>dụng</a:t>
             </a:r>
             <a:r>
-              <a:rPr lang="en-US">
+              <a:rPr lang="en-US" sz="2400">
                 <a:latin typeface="Arial"/>
                 <a:cs typeface="Arial"/>
               </a:rPr>
               <a:t> Adapter Pattern </a:t>
             </a:r>
             <a:r>
-              <a:rPr lang="en-US" err="1">
+              <a:rPr lang="en-US" sz="2400" err="1">
                 <a:latin typeface="Arial"/>
                 <a:cs typeface="Arial"/>
               </a:rPr>
               <a:t>đem</a:t>
             </a:r>
             <a:r>
-              <a:rPr lang="en-US">
+              <a:rPr lang="en-US" sz="2400">
                 <a:latin typeface="Arial"/>
                 <a:cs typeface="Arial"/>
               </a:rPr>
               <a:t> </a:t>
             </a:r>
             <a:r>
-              <a:rPr lang="en-US" err="1">
+              <a:rPr lang="en-US" sz="2400" err="1">
                 <a:latin typeface="Arial"/>
                 <a:cs typeface="Arial"/>
               </a:rPr>
               <a:t>lại</a:t>
             </a:r>
             <a:r>
-              <a:rPr lang="en-US">
+              <a:rPr lang="en-US" sz="2400">
                 <a:latin typeface="Arial"/>
                 <a:cs typeface="Arial"/>
               </a:rPr>
               <a:t> </a:t>
             </a:r>
             <a:r>
-              <a:rPr lang="en-US" err="1">
+              <a:rPr lang="en-US" sz="2400" err="1">
                 <a:latin typeface="Arial"/>
                 <a:cs typeface="Arial"/>
               </a:rPr>
               <a:t>các</a:t>
             </a:r>
             <a:r>
-              <a:rPr lang="en-US">
+              <a:rPr lang="en-US" sz="2400">
                 <a:latin typeface="Arial"/>
                 <a:cs typeface="Arial"/>
               </a:rPr>
               <a:t> </a:t>
             </a:r>
             <a:r>
-              <a:rPr lang="en-US" err="1">
+              <a:rPr lang="en-US" sz="2400" err="1">
                 <a:latin typeface="Arial"/>
                 <a:cs typeface="Arial"/>
               </a:rPr>
               <a:t>lợi</a:t>
             </a:r>
             <a:r>
-              <a:rPr lang="en-US">
+              <a:rPr lang="en-US" sz="2400">
                 <a:latin typeface="Arial"/>
                 <a:cs typeface="Arial"/>
               </a:rPr>
               <a:t> </a:t>
             </a:r>
             <a:r>
-              <a:rPr lang="en-US" err="1">
+              <a:rPr lang="en-US" sz="2400" err="1">
                 <a:latin typeface="Arial"/>
                 <a:cs typeface="Arial"/>
               </a:rPr>
               <a:t>ích</a:t>
             </a:r>
             <a:r>
-              <a:rPr lang="en-US">
+              <a:rPr lang="en-US" sz="2400">
                 <a:latin typeface="Arial"/>
                 <a:cs typeface="Arial"/>
               </a:rPr>
               <a:t> </a:t>
             </a:r>
             <a:r>
-              <a:rPr lang="en-US" err="1">
+              <a:rPr lang="en-US" sz="2400" err="1">
                 <a:latin typeface="Arial"/>
                 <a:cs typeface="Arial"/>
               </a:rPr>
               <a:t>sau</a:t>
             </a:r>
             <a:r>
-              <a:rPr lang="en-US">
+              <a:rPr lang="en-US" sz="2400">
                 <a:latin typeface="Arial"/>
                 <a:cs typeface="Arial"/>
               </a:rPr>
@@ -11411,259 +11588,259 @@
               </a:spcBef>
             </a:pPr>
             <a:r>
-              <a:rPr lang="en-US">
+              <a:rPr lang="en-US" sz="2400">
                 <a:latin typeface="Arial"/>
                 <a:cs typeface="Arial"/>
               </a:rPr>
               <a:t>Cho </a:t>
             </a:r>
             <a:r>
-              <a:rPr lang="en-US" err="1">
+              <a:rPr lang="en-US" sz="2400" err="1">
                 <a:latin typeface="Arial"/>
                 <a:cs typeface="Arial"/>
               </a:rPr>
               <a:t>phép</a:t>
             </a:r>
             <a:r>
-              <a:rPr lang="en-US">
+              <a:rPr lang="en-US" sz="2400">
                 <a:latin typeface="Arial"/>
                 <a:cs typeface="Arial"/>
               </a:rPr>
               <a:t> </a:t>
             </a:r>
             <a:r>
-              <a:rPr lang="en-US" err="1">
+              <a:rPr lang="en-US" sz="2400" err="1">
                 <a:latin typeface="Arial"/>
                 <a:cs typeface="Arial"/>
               </a:rPr>
               <a:t>nhiều</a:t>
             </a:r>
             <a:r>
-              <a:rPr lang="en-US">
+              <a:rPr lang="en-US" sz="2400">
                 <a:latin typeface="Arial"/>
                 <a:cs typeface="Arial"/>
               </a:rPr>
               <a:t> </a:t>
             </a:r>
             <a:r>
-              <a:rPr lang="en-US" err="1">
+              <a:rPr lang="en-US" sz="2400" err="1">
                 <a:latin typeface="Arial"/>
                 <a:cs typeface="Arial"/>
               </a:rPr>
               <a:t>đối</a:t>
             </a:r>
             <a:r>
-              <a:rPr lang="en-US">
+              <a:rPr lang="en-US" sz="2400">
                 <a:latin typeface="Arial"/>
                 <a:cs typeface="Arial"/>
               </a:rPr>
               <a:t> </a:t>
             </a:r>
             <a:r>
-              <a:rPr lang="en-US" err="1">
+              <a:rPr lang="en-US" sz="2400" err="1">
                 <a:latin typeface="Arial"/>
                 <a:cs typeface="Arial"/>
               </a:rPr>
               <a:t>tượng</a:t>
             </a:r>
             <a:r>
-              <a:rPr lang="en-US">
+              <a:rPr lang="en-US" sz="2400">
                 <a:latin typeface="Arial"/>
                 <a:cs typeface="Arial"/>
               </a:rPr>
               <a:t> </a:t>
             </a:r>
             <a:r>
-              <a:rPr lang="en-US" err="1">
+              <a:rPr lang="en-US" sz="2400" err="1">
                 <a:latin typeface="Arial"/>
                 <a:cs typeface="Arial"/>
               </a:rPr>
               <a:t>có</a:t>
             </a:r>
             <a:r>
-              <a:rPr lang="en-US">
+              <a:rPr lang="en-US" sz="2400">
                 <a:latin typeface="Arial"/>
                 <a:cs typeface="Arial"/>
               </a:rPr>
               <a:t> interface </a:t>
             </a:r>
             <a:r>
-              <a:rPr lang="en-US" err="1">
+              <a:rPr lang="en-US" sz="2400" err="1">
                 <a:latin typeface="Arial"/>
                 <a:cs typeface="Arial"/>
               </a:rPr>
               <a:t>giao</a:t>
             </a:r>
             <a:r>
-              <a:rPr lang="en-US">
+              <a:rPr lang="en-US" sz="2400">
                 <a:latin typeface="Arial"/>
                 <a:cs typeface="Arial"/>
               </a:rPr>
               <a:t> </a:t>
             </a:r>
             <a:r>
-              <a:rPr lang="en-US" err="1">
+              <a:rPr lang="en-US" sz="2400" err="1">
                 <a:latin typeface="Arial"/>
                 <a:cs typeface="Arial"/>
               </a:rPr>
               <a:t>tiếp</a:t>
             </a:r>
             <a:r>
-              <a:rPr lang="en-US">
+              <a:rPr lang="en-US" sz="2400">
                 <a:latin typeface="Arial"/>
                 <a:cs typeface="Arial"/>
               </a:rPr>
               <a:t> </a:t>
             </a:r>
             <a:r>
-              <a:rPr lang="en-US" err="1">
+              <a:rPr lang="en-US" sz="2400" err="1">
                 <a:latin typeface="Arial"/>
                 <a:cs typeface="Arial"/>
               </a:rPr>
               <a:t>khác</a:t>
             </a:r>
             <a:r>
-              <a:rPr lang="en-US">
+              <a:rPr lang="en-US" sz="2400">
                 <a:latin typeface="Arial"/>
                 <a:cs typeface="Arial"/>
               </a:rPr>
               <a:t> </a:t>
             </a:r>
             <a:r>
-              <a:rPr lang="en-US" err="1">
+              <a:rPr lang="en-US" sz="2400" err="1">
                 <a:latin typeface="Arial"/>
                 <a:cs typeface="Arial"/>
               </a:rPr>
               <a:t>nhau</a:t>
             </a:r>
             <a:r>
-              <a:rPr lang="en-US">
+              <a:rPr lang="en-US" sz="2400">
                 <a:latin typeface="Arial"/>
                 <a:cs typeface="Arial"/>
               </a:rPr>
               <a:t> </a:t>
             </a:r>
             <a:r>
-              <a:rPr lang="en-US" err="1">
+              <a:rPr lang="en-US" sz="2400" err="1">
                 <a:latin typeface="Arial"/>
                 <a:cs typeface="Arial"/>
               </a:rPr>
               <a:t>có</a:t>
             </a:r>
             <a:r>
-              <a:rPr lang="en-US">
+              <a:rPr lang="en-US" sz="2400">
                 <a:latin typeface="Arial"/>
                 <a:cs typeface="Arial"/>
               </a:rPr>
               <a:t> </a:t>
             </a:r>
             <a:r>
-              <a:rPr lang="en-US" err="1">
+              <a:rPr lang="en-US" sz="2400" err="1">
                 <a:latin typeface="Arial"/>
                 <a:cs typeface="Arial"/>
               </a:rPr>
               <a:t>thể</a:t>
             </a:r>
             <a:r>
-              <a:rPr lang="en-US">
+              <a:rPr lang="en-US" sz="2400">
                 <a:latin typeface="Arial"/>
                 <a:cs typeface="Arial"/>
               </a:rPr>
               <a:t> </a:t>
             </a:r>
             <a:r>
-              <a:rPr lang="en-US" err="1">
+              <a:rPr lang="en-US" sz="2400" err="1">
                 <a:latin typeface="Arial"/>
                 <a:cs typeface="Arial"/>
               </a:rPr>
               <a:t>tương</a:t>
             </a:r>
             <a:r>
-              <a:rPr lang="en-US">
+              <a:rPr lang="en-US" sz="2400">
                 <a:latin typeface="Arial"/>
                 <a:cs typeface="Arial"/>
               </a:rPr>
               <a:t> </a:t>
             </a:r>
             <a:r>
-              <a:rPr lang="en-US" err="1">
+              <a:rPr lang="en-US" sz="2400" err="1">
                 <a:latin typeface="Arial"/>
                 <a:cs typeface="Arial"/>
               </a:rPr>
               <a:t>tác</a:t>
             </a:r>
             <a:r>
-              <a:rPr lang="en-US">
+              <a:rPr lang="en-US" sz="2400">
                 <a:latin typeface="Arial"/>
                 <a:cs typeface="Arial"/>
               </a:rPr>
               <a:t> </a:t>
             </a:r>
             <a:r>
-              <a:rPr lang="en-US" err="1">
+              <a:rPr lang="en-US" sz="2400" err="1">
                 <a:latin typeface="Arial"/>
                 <a:cs typeface="Arial"/>
               </a:rPr>
               <a:t>và</a:t>
             </a:r>
             <a:r>
-              <a:rPr lang="en-US">
+              <a:rPr lang="en-US" sz="2400">
                 <a:latin typeface="Arial"/>
                 <a:cs typeface="Arial"/>
               </a:rPr>
               <a:t> </a:t>
             </a:r>
             <a:r>
-              <a:rPr lang="en-US" err="1">
+              <a:rPr lang="en-US" sz="2400" err="1">
                 <a:latin typeface="Arial"/>
                 <a:cs typeface="Arial"/>
               </a:rPr>
               <a:t>giao</a:t>
             </a:r>
             <a:r>
-              <a:rPr lang="en-US">
+              <a:rPr lang="en-US" sz="2400">
                 <a:latin typeface="Arial"/>
                 <a:cs typeface="Arial"/>
               </a:rPr>
               <a:t> </a:t>
             </a:r>
             <a:r>
-              <a:rPr lang="en-US" err="1">
+              <a:rPr lang="en-US" sz="2400" err="1">
                 <a:latin typeface="Arial"/>
                 <a:cs typeface="Arial"/>
               </a:rPr>
               <a:t>tiếp</a:t>
             </a:r>
             <a:r>
-              <a:rPr lang="en-US">
+              <a:rPr lang="en-US" sz="2400">
                 <a:latin typeface="Arial"/>
                 <a:cs typeface="Arial"/>
               </a:rPr>
               <a:t> </a:t>
             </a:r>
             <a:r>
-              <a:rPr lang="en-US" err="1">
+              <a:rPr lang="en-US" sz="2400" err="1">
                 <a:latin typeface="Arial"/>
                 <a:cs typeface="Arial"/>
               </a:rPr>
               <a:t>với</a:t>
             </a:r>
             <a:r>
-              <a:rPr lang="en-US">
+              <a:rPr lang="en-US" sz="2400">
                 <a:latin typeface="Arial"/>
                 <a:cs typeface="Arial"/>
               </a:rPr>
               <a:t> </a:t>
             </a:r>
             <a:r>
-              <a:rPr lang="en-US" err="1">
+              <a:rPr lang="en-US" sz="2400" err="1">
                 <a:latin typeface="Arial"/>
                 <a:cs typeface="Arial"/>
               </a:rPr>
               <a:t>nhau</a:t>
             </a:r>
             <a:r>
-              <a:rPr lang="en-US">
+              <a:rPr lang="en-US" sz="2400">
                 <a:latin typeface="Arial"/>
                 <a:cs typeface="Arial"/>
               </a:rPr>
@@ -11677,224 +11854,224 @@
               </a:spcBef>
             </a:pPr>
             <a:r>
-              <a:rPr lang="en-US" err="1">
+              <a:rPr lang="en-US" sz="2400" err="1">
                 <a:latin typeface="Arial"/>
                 <a:cs typeface="Arial"/>
               </a:rPr>
               <a:t>Tăng</a:t>
             </a:r>
             <a:r>
-              <a:rPr lang="en-US">
+              <a:rPr lang="en-US" sz="2400">
                 <a:latin typeface="Arial"/>
                 <a:cs typeface="Arial"/>
               </a:rPr>
               <a:t> </a:t>
             </a:r>
             <a:r>
-              <a:rPr lang="en-US" err="1">
+              <a:rPr lang="en-US" sz="2400" err="1">
                 <a:latin typeface="Arial"/>
                 <a:cs typeface="Arial"/>
               </a:rPr>
               <a:t>khả</a:t>
             </a:r>
             <a:r>
-              <a:rPr lang="en-US">
+              <a:rPr lang="en-US" sz="2400">
                 <a:latin typeface="Arial"/>
                 <a:cs typeface="Arial"/>
               </a:rPr>
               <a:t> </a:t>
             </a:r>
             <a:r>
-              <a:rPr lang="en-US" err="1">
+              <a:rPr lang="en-US" sz="2400" err="1">
                 <a:latin typeface="Arial"/>
                 <a:cs typeface="Arial"/>
               </a:rPr>
               <a:t>năng</a:t>
             </a:r>
             <a:r>
-              <a:rPr lang="en-US">
+              <a:rPr lang="en-US" sz="2400">
                 <a:latin typeface="Arial"/>
                 <a:cs typeface="Arial"/>
               </a:rPr>
               <a:t> </a:t>
             </a:r>
             <a:r>
-              <a:rPr lang="en-US" err="1">
+              <a:rPr lang="en-US" sz="2400" err="1">
                 <a:latin typeface="Arial"/>
                 <a:cs typeface="Arial"/>
               </a:rPr>
               <a:t>sử</a:t>
             </a:r>
             <a:r>
-              <a:rPr lang="en-US">
+              <a:rPr lang="en-US" sz="2400">
                 <a:latin typeface="Arial"/>
                 <a:cs typeface="Arial"/>
               </a:rPr>
               <a:t> </a:t>
             </a:r>
             <a:r>
-              <a:rPr lang="en-US" err="1">
+              <a:rPr lang="en-US" sz="2400" err="1">
                 <a:latin typeface="Arial"/>
                 <a:cs typeface="Arial"/>
               </a:rPr>
               <a:t>dụng</a:t>
             </a:r>
             <a:r>
-              <a:rPr lang="en-US">
+              <a:rPr lang="en-US" sz="2400">
                 <a:latin typeface="Arial"/>
                 <a:cs typeface="Arial"/>
               </a:rPr>
               <a:t> </a:t>
             </a:r>
             <a:r>
-              <a:rPr lang="en-US" err="1">
+              <a:rPr lang="en-US" sz="2400" err="1">
                 <a:latin typeface="Arial"/>
                 <a:cs typeface="Arial"/>
               </a:rPr>
               <a:t>lại</a:t>
             </a:r>
             <a:r>
-              <a:rPr lang="en-US">
+              <a:rPr lang="en-US" sz="2400">
                 <a:latin typeface="Arial"/>
                 <a:cs typeface="Arial"/>
               </a:rPr>
               <a:t> </a:t>
             </a:r>
             <a:r>
-              <a:rPr lang="en-US" err="1">
+              <a:rPr lang="en-US" sz="2400" err="1">
                 <a:latin typeface="Arial"/>
                 <a:cs typeface="Arial"/>
               </a:rPr>
               <a:t>thư</a:t>
             </a:r>
             <a:r>
-              <a:rPr lang="en-US">
+              <a:rPr lang="en-US" sz="2400">
                 <a:latin typeface="Arial"/>
                 <a:cs typeface="Arial"/>
               </a:rPr>
               <a:t> </a:t>
             </a:r>
             <a:r>
-              <a:rPr lang="en-US" err="1">
+              <a:rPr lang="en-US" sz="2400" err="1">
                 <a:latin typeface="Arial"/>
                 <a:cs typeface="Arial"/>
               </a:rPr>
               <a:t>viện</a:t>
             </a:r>
             <a:r>
-              <a:rPr lang="en-US">
+              <a:rPr lang="en-US" sz="2400">
                 <a:latin typeface="Arial"/>
                 <a:cs typeface="Arial"/>
               </a:rPr>
               <a:t> </a:t>
             </a:r>
             <a:r>
-              <a:rPr lang="en-US" err="1">
+              <a:rPr lang="en-US" sz="2400" err="1">
                 <a:latin typeface="Arial"/>
                 <a:cs typeface="Arial"/>
               </a:rPr>
               <a:t>với</a:t>
             </a:r>
             <a:r>
-              <a:rPr lang="en-US">
+              <a:rPr lang="en-US" sz="2400">
                 <a:latin typeface="Arial"/>
                 <a:cs typeface="Arial"/>
               </a:rPr>
               <a:t> interface </a:t>
             </a:r>
             <a:r>
-              <a:rPr lang="en-US" err="1">
+              <a:rPr lang="en-US" sz="2400" err="1">
                 <a:latin typeface="Arial"/>
                 <a:cs typeface="Arial"/>
               </a:rPr>
               <a:t>không</a:t>
             </a:r>
             <a:r>
-              <a:rPr lang="en-US">
+              <a:rPr lang="en-US" sz="2400">
                 <a:latin typeface="Arial"/>
                 <a:cs typeface="Arial"/>
               </a:rPr>
               <a:t> </a:t>
             </a:r>
             <a:r>
-              <a:rPr lang="en-US" err="1">
+              <a:rPr lang="en-US" sz="2400" err="1">
                 <a:latin typeface="Arial"/>
                 <a:cs typeface="Arial"/>
               </a:rPr>
               <a:t>thay</a:t>
             </a:r>
             <a:r>
-              <a:rPr lang="en-US">
+              <a:rPr lang="en-US" sz="2400">
                 <a:latin typeface="Arial"/>
                 <a:cs typeface="Arial"/>
               </a:rPr>
               <a:t> </a:t>
             </a:r>
             <a:r>
-              <a:rPr lang="en-US" err="1">
+              <a:rPr lang="en-US" sz="2400" err="1">
                 <a:latin typeface="Arial"/>
                 <a:cs typeface="Arial"/>
               </a:rPr>
               <a:t>đổi</a:t>
             </a:r>
             <a:r>
-              <a:rPr lang="en-US">
+              <a:rPr lang="en-US" sz="2400">
                 <a:latin typeface="Arial"/>
                 <a:cs typeface="Arial"/>
               </a:rPr>
               <a:t> do </a:t>
             </a:r>
             <a:r>
-              <a:rPr lang="en-US" err="1">
+              <a:rPr lang="en-US" sz="2400" err="1">
                 <a:latin typeface="Arial"/>
                 <a:cs typeface="Arial"/>
               </a:rPr>
               <a:t>không</a:t>
             </a:r>
             <a:r>
-              <a:rPr lang="en-US">
+              <a:rPr lang="en-US" sz="2400">
                 <a:latin typeface="Arial"/>
                 <a:cs typeface="Arial"/>
               </a:rPr>
               <a:t> </a:t>
             </a:r>
             <a:r>
-              <a:rPr lang="en-US" err="1">
+              <a:rPr lang="en-US" sz="2400" err="1">
                 <a:latin typeface="Arial"/>
                 <a:cs typeface="Arial"/>
               </a:rPr>
               <a:t>có</a:t>
             </a:r>
             <a:r>
-              <a:rPr lang="en-US">
+              <a:rPr lang="en-US" sz="2400">
                 <a:latin typeface="Arial"/>
                 <a:cs typeface="Arial"/>
               </a:rPr>
               <a:t> </a:t>
             </a:r>
             <a:r>
-              <a:rPr lang="en-US" err="1">
+              <a:rPr lang="en-US" sz="2400" err="1">
                 <a:latin typeface="Arial"/>
                 <a:cs typeface="Arial"/>
               </a:rPr>
               <a:t>mã</a:t>
             </a:r>
             <a:r>
-              <a:rPr lang="en-US">
+              <a:rPr lang="en-US" sz="2400">
                 <a:latin typeface="Arial"/>
                 <a:cs typeface="Arial"/>
               </a:rPr>
               <a:t> </a:t>
             </a:r>
             <a:r>
-              <a:rPr lang="en-US" err="1">
+              <a:rPr lang="en-US" sz="2400" err="1">
                 <a:latin typeface="Arial"/>
                 <a:cs typeface="Arial"/>
               </a:rPr>
               <a:t>nguồn</a:t>
             </a:r>
             <a:r>
-              <a:rPr lang="en-US">
+              <a:rPr lang="en-US" sz="2400">
                 <a:latin typeface="Arial"/>
                 <a:cs typeface="Arial"/>
               </a:rPr>
@@ -11917,7 +12094,7 @@
         </p:nvSpPr>
         <p:spPr>
           <a:xfrm>
-            <a:off x="773365" y="3912331"/>
+            <a:off x="773365" y="4349063"/>
             <a:ext cx="4559261" cy="523220"/>
           </a:xfrm>
           <a:prstGeom prst="rect">
@@ -12015,8 +12192,8 @@
         </p:nvSpPr>
         <p:spPr>
           <a:xfrm>
-            <a:off x="1057495" y="4585253"/>
-            <a:ext cx="10639167" cy="1631216"/>
+            <a:off x="989255" y="4926448"/>
+            <a:ext cx="10639167" cy="2092881"/>
           </a:xfrm>
           <a:prstGeom prst="rect">
             <a:avLst/>
@@ -12035,210 +12212,210 @@
               </a:spcBef>
             </a:pPr>
             <a:r>
-              <a:rPr lang="en-US" err="1">
+              <a:rPr lang="en-US" sz="2400" err="1">
                 <a:latin typeface="Arial" panose="020B0604020202020204" pitchFamily="34" charset="0"/>
                 <a:cs typeface="Arial" panose="020B0604020202020204" pitchFamily="34" charset="0"/>
               </a:rPr>
               <a:t>Bên</a:t>
             </a:r>
             <a:r>
-              <a:rPr lang="en-US">
-                <a:latin typeface="Arial" panose="020B0604020202020204" pitchFamily="34" charset="0"/>
-                <a:cs typeface="Arial" panose="020B0604020202020204" pitchFamily="34" charset="0"/>
-              </a:rPr>
-              <a:t> </a:t>
-            </a:r>
-            <a:r>
-              <a:rPr lang="en-US" err="1">
+              <a:rPr lang="en-US" sz="2400">
+                <a:latin typeface="Arial" panose="020B0604020202020204" pitchFamily="34" charset="0"/>
+                <a:cs typeface="Arial" panose="020B0604020202020204" pitchFamily="34" charset="0"/>
+              </a:rPr>
+              <a:t> </a:t>
+            </a:r>
+            <a:r>
+              <a:rPr lang="en-US" sz="2400" err="1">
                 <a:latin typeface="Arial" panose="020B0604020202020204" pitchFamily="34" charset="0"/>
                 <a:cs typeface="Arial" panose="020B0604020202020204" pitchFamily="34" charset="0"/>
               </a:rPr>
               <a:t>cạnh</a:t>
             </a:r>
             <a:r>
-              <a:rPr lang="en-US">
-                <a:latin typeface="Arial" panose="020B0604020202020204" pitchFamily="34" charset="0"/>
-                <a:cs typeface="Arial" panose="020B0604020202020204" pitchFamily="34" charset="0"/>
-              </a:rPr>
-              <a:t> </a:t>
-            </a:r>
-            <a:r>
-              <a:rPr lang="en-US" err="1">
+              <a:rPr lang="en-US" sz="2400">
+                <a:latin typeface="Arial" panose="020B0604020202020204" pitchFamily="34" charset="0"/>
+                <a:cs typeface="Arial" panose="020B0604020202020204" pitchFamily="34" charset="0"/>
+              </a:rPr>
+              <a:t> </a:t>
+            </a:r>
+            <a:r>
+              <a:rPr lang="en-US" sz="2400" err="1">
                 <a:latin typeface="Arial" panose="020B0604020202020204" pitchFamily="34" charset="0"/>
                 <a:cs typeface="Arial" panose="020B0604020202020204" pitchFamily="34" charset="0"/>
               </a:rPr>
               <a:t>những</a:t>
             </a:r>
             <a:r>
-              <a:rPr lang="en-US">
-                <a:latin typeface="Arial" panose="020B0604020202020204" pitchFamily="34" charset="0"/>
-                <a:cs typeface="Arial" panose="020B0604020202020204" pitchFamily="34" charset="0"/>
-              </a:rPr>
-              <a:t> </a:t>
-            </a:r>
-            <a:r>
-              <a:rPr lang="en-US" err="1">
+              <a:rPr lang="en-US" sz="2400">
+                <a:latin typeface="Arial" panose="020B0604020202020204" pitchFamily="34" charset="0"/>
+                <a:cs typeface="Arial" panose="020B0604020202020204" pitchFamily="34" charset="0"/>
+              </a:rPr>
+              <a:t> </a:t>
+            </a:r>
+            <a:r>
+              <a:rPr lang="en-US" sz="2400" err="1">
                 <a:latin typeface="Arial" panose="020B0604020202020204" pitchFamily="34" charset="0"/>
                 <a:cs typeface="Arial" panose="020B0604020202020204" pitchFamily="34" charset="0"/>
               </a:rPr>
               <a:t>lợi</a:t>
             </a:r>
             <a:r>
-              <a:rPr lang="en-US">
-                <a:latin typeface="Arial" panose="020B0604020202020204" pitchFamily="34" charset="0"/>
-                <a:cs typeface="Arial" panose="020B0604020202020204" pitchFamily="34" charset="0"/>
-              </a:rPr>
-              <a:t> </a:t>
-            </a:r>
-            <a:r>
-              <a:rPr lang="en-US" err="1">
+              <a:rPr lang="en-US" sz="2400">
+                <a:latin typeface="Arial" panose="020B0604020202020204" pitchFamily="34" charset="0"/>
+                <a:cs typeface="Arial" panose="020B0604020202020204" pitchFamily="34" charset="0"/>
+              </a:rPr>
+              <a:t> </a:t>
+            </a:r>
+            <a:r>
+              <a:rPr lang="en-US" sz="2400" err="1">
                 <a:latin typeface="Arial" panose="020B0604020202020204" pitchFamily="34" charset="0"/>
                 <a:cs typeface="Arial" panose="020B0604020202020204" pitchFamily="34" charset="0"/>
               </a:rPr>
               <a:t>ích</a:t>
             </a:r>
             <a:r>
-              <a:rPr lang="en-US">
-                <a:latin typeface="Arial" panose="020B0604020202020204" pitchFamily="34" charset="0"/>
-                <a:cs typeface="Arial" panose="020B0604020202020204" pitchFamily="34" charset="0"/>
-              </a:rPr>
-              <a:t> </a:t>
-            </a:r>
-            <a:r>
-              <a:rPr lang="en-US" err="1">
+              <a:rPr lang="en-US" sz="2400">
+                <a:latin typeface="Arial" panose="020B0604020202020204" pitchFamily="34" charset="0"/>
+                <a:cs typeface="Arial" panose="020B0604020202020204" pitchFamily="34" charset="0"/>
+              </a:rPr>
+              <a:t> </a:t>
+            </a:r>
+            <a:r>
+              <a:rPr lang="en-US" sz="2400" err="1">
                 <a:latin typeface="Arial" panose="020B0604020202020204" pitchFamily="34" charset="0"/>
                 <a:cs typeface="Arial" panose="020B0604020202020204" pitchFamily="34" charset="0"/>
               </a:rPr>
               <a:t>trên</a:t>
             </a:r>
             <a:r>
-              <a:rPr lang="en-US">
+              <a:rPr lang="en-US" sz="2400">
                 <a:latin typeface="Arial" panose="020B0604020202020204" pitchFamily="34" charset="0"/>
                 <a:cs typeface="Arial" panose="020B0604020202020204" pitchFamily="34" charset="0"/>
               </a:rPr>
               <a:t>, </a:t>
             </a:r>
             <a:r>
-              <a:rPr lang="en-US" err="1">
+              <a:rPr lang="en-US" sz="2400" err="1">
                 <a:latin typeface="Arial" panose="020B0604020202020204" pitchFamily="34" charset="0"/>
                 <a:cs typeface="Arial" panose="020B0604020202020204" pitchFamily="34" charset="0"/>
               </a:rPr>
               <a:t>nó</a:t>
             </a:r>
             <a:r>
-              <a:rPr lang="en-US">
-                <a:latin typeface="Arial" panose="020B0604020202020204" pitchFamily="34" charset="0"/>
-                <a:cs typeface="Arial" panose="020B0604020202020204" pitchFamily="34" charset="0"/>
-              </a:rPr>
-              <a:t> </a:t>
-            </a:r>
-            <a:r>
-              <a:rPr lang="en-US" err="1">
+              <a:rPr lang="en-US" sz="2400">
+                <a:latin typeface="Arial" panose="020B0604020202020204" pitchFamily="34" charset="0"/>
+                <a:cs typeface="Arial" panose="020B0604020202020204" pitchFamily="34" charset="0"/>
+              </a:rPr>
+              <a:t> </a:t>
+            </a:r>
+            <a:r>
+              <a:rPr lang="en-US" sz="2400" err="1">
                 <a:latin typeface="Arial" panose="020B0604020202020204" pitchFamily="34" charset="0"/>
                 <a:cs typeface="Arial" panose="020B0604020202020204" pitchFamily="34" charset="0"/>
               </a:rPr>
               <a:t>cũng</a:t>
             </a:r>
             <a:r>
-              <a:rPr lang="en-US">
-                <a:latin typeface="Arial" panose="020B0604020202020204" pitchFamily="34" charset="0"/>
-                <a:cs typeface="Arial" panose="020B0604020202020204" pitchFamily="34" charset="0"/>
-              </a:rPr>
-              <a:t> </a:t>
-            </a:r>
-            <a:r>
-              <a:rPr lang="en-US" err="1">
+              <a:rPr lang="en-US" sz="2400">
+                <a:latin typeface="Arial" panose="020B0604020202020204" pitchFamily="34" charset="0"/>
+                <a:cs typeface="Arial" panose="020B0604020202020204" pitchFamily="34" charset="0"/>
+              </a:rPr>
+              <a:t> </a:t>
+            </a:r>
+            <a:r>
+              <a:rPr lang="en-US" sz="2400" err="1">
                 <a:latin typeface="Arial" panose="020B0604020202020204" pitchFamily="34" charset="0"/>
                 <a:cs typeface="Arial" panose="020B0604020202020204" pitchFamily="34" charset="0"/>
               </a:rPr>
               <a:t>nó</a:t>
             </a:r>
             <a:r>
-              <a:rPr lang="en-US">
-                <a:latin typeface="Arial" panose="020B0604020202020204" pitchFamily="34" charset="0"/>
-                <a:cs typeface="Arial" panose="020B0604020202020204" pitchFamily="34" charset="0"/>
-              </a:rPr>
-              <a:t> </a:t>
-            </a:r>
-            <a:r>
-              <a:rPr lang="en-US" err="1">
+              <a:rPr lang="en-US" sz="2400">
+                <a:latin typeface="Arial" panose="020B0604020202020204" pitchFamily="34" charset="0"/>
+                <a:cs typeface="Arial" panose="020B0604020202020204" pitchFamily="34" charset="0"/>
+              </a:rPr>
+              <a:t> </a:t>
+            </a:r>
+            <a:r>
+              <a:rPr lang="en-US" sz="2400" err="1">
                 <a:latin typeface="Arial" panose="020B0604020202020204" pitchFamily="34" charset="0"/>
                 <a:cs typeface="Arial" panose="020B0604020202020204" pitchFamily="34" charset="0"/>
               </a:rPr>
               <a:t>một</a:t>
             </a:r>
             <a:r>
-              <a:rPr lang="en-US">
-                <a:latin typeface="Arial" panose="020B0604020202020204" pitchFamily="34" charset="0"/>
-                <a:cs typeface="Arial" panose="020B0604020202020204" pitchFamily="34" charset="0"/>
-              </a:rPr>
-              <a:t> </a:t>
-            </a:r>
-            <a:r>
-              <a:rPr lang="en-US" err="1">
+              <a:rPr lang="en-US" sz="2400">
+                <a:latin typeface="Arial" panose="020B0604020202020204" pitchFamily="34" charset="0"/>
+                <a:cs typeface="Arial" panose="020B0604020202020204" pitchFamily="34" charset="0"/>
+              </a:rPr>
+              <a:t> </a:t>
+            </a:r>
+            <a:r>
+              <a:rPr lang="en-US" sz="2400" err="1">
                 <a:latin typeface="Arial" panose="020B0604020202020204" pitchFamily="34" charset="0"/>
                 <a:cs typeface="Arial" panose="020B0604020202020204" pitchFamily="34" charset="0"/>
               </a:rPr>
               <a:t>số</a:t>
             </a:r>
             <a:r>
-              <a:rPr lang="en-US">
-                <a:latin typeface="Arial" panose="020B0604020202020204" pitchFamily="34" charset="0"/>
-                <a:cs typeface="Arial" panose="020B0604020202020204" pitchFamily="34" charset="0"/>
-              </a:rPr>
-              <a:t> </a:t>
-            </a:r>
-            <a:r>
-              <a:rPr lang="en-US" err="1">
+              <a:rPr lang="en-US" sz="2400">
+                <a:latin typeface="Arial" panose="020B0604020202020204" pitchFamily="34" charset="0"/>
+                <a:cs typeface="Arial" panose="020B0604020202020204" pitchFamily="34" charset="0"/>
+              </a:rPr>
+              <a:t> </a:t>
+            </a:r>
+            <a:r>
+              <a:rPr lang="en-US" sz="2400" err="1">
                 <a:latin typeface="Arial" panose="020B0604020202020204" pitchFamily="34" charset="0"/>
                 <a:cs typeface="Arial" panose="020B0604020202020204" pitchFamily="34" charset="0"/>
               </a:rPr>
               <a:t>khuyết</a:t>
             </a:r>
             <a:r>
-              <a:rPr lang="en-US">
-                <a:latin typeface="Arial" panose="020B0604020202020204" pitchFamily="34" charset="0"/>
-                <a:cs typeface="Arial" panose="020B0604020202020204" pitchFamily="34" charset="0"/>
-              </a:rPr>
-              <a:t> </a:t>
-            </a:r>
-            <a:r>
-              <a:rPr lang="en-US" err="1">
+              <a:rPr lang="en-US" sz="2400">
+                <a:latin typeface="Arial" panose="020B0604020202020204" pitchFamily="34" charset="0"/>
+                <a:cs typeface="Arial" panose="020B0604020202020204" pitchFamily="34" charset="0"/>
+              </a:rPr>
+              <a:t> </a:t>
+            </a:r>
+            <a:r>
+              <a:rPr lang="en-US" sz="2400" err="1">
                 <a:latin typeface="Arial" panose="020B0604020202020204" pitchFamily="34" charset="0"/>
                 <a:cs typeface="Arial" panose="020B0604020202020204" pitchFamily="34" charset="0"/>
               </a:rPr>
               <a:t>điểm</a:t>
             </a:r>
             <a:r>
-              <a:rPr lang="en-US">
-                <a:latin typeface="Arial" panose="020B0604020202020204" pitchFamily="34" charset="0"/>
-                <a:cs typeface="Arial" panose="020B0604020202020204" pitchFamily="34" charset="0"/>
-              </a:rPr>
-              <a:t> </a:t>
-            </a:r>
-            <a:r>
-              <a:rPr lang="en-US" err="1">
+              <a:rPr lang="en-US" sz="2400">
+                <a:latin typeface="Arial" panose="020B0604020202020204" pitchFamily="34" charset="0"/>
+                <a:cs typeface="Arial" panose="020B0604020202020204" pitchFamily="34" charset="0"/>
+              </a:rPr>
+              <a:t> </a:t>
+            </a:r>
+            <a:r>
+              <a:rPr lang="en-US" sz="2400" err="1">
                 <a:latin typeface="Arial" panose="020B0604020202020204" pitchFamily="34" charset="0"/>
                 <a:cs typeface="Arial" panose="020B0604020202020204" pitchFamily="34" charset="0"/>
               </a:rPr>
               <a:t>nhỏ</a:t>
             </a:r>
             <a:r>
-              <a:rPr lang="en-US">
-                <a:latin typeface="Arial" panose="020B0604020202020204" pitchFamily="34" charset="0"/>
-                <a:cs typeface="Arial" panose="020B0604020202020204" pitchFamily="34" charset="0"/>
-              </a:rPr>
-              <a:t> </a:t>
-            </a:r>
-            <a:r>
-              <a:rPr lang="en-US" err="1">
+              <a:rPr lang="en-US" sz="2400">
+                <a:latin typeface="Arial" panose="020B0604020202020204" pitchFamily="34" charset="0"/>
+                <a:cs typeface="Arial" panose="020B0604020202020204" pitchFamily="34" charset="0"/>
+              </a:rPr>
+              <a:t> </a:t>
+            </a:r>
+            <a:r>
+              <a:rPr lang="en-US" sz="2400" err="1">
                 <a:latin typeface="Arial" panose="020B0604020202020204" pitchFamily="34" charset="0"/>
                 <a:cs typeface="Arial" panose="020B0604020202020204" pitchFamily="34" charset="0"/>
               </a:rPr>
               <a:t>sau</a:t>
             </a:r>
             <a:r>
-              <a:rPr lang="en-US">
+              <a:rPr lang="en-US" sz="2400">
                 <a:latin typeface="Arial" panose="020B0604020202020204" pitchFamily="34" charset="0"/>
                 <a:cs typeface="Arial" panose="020B0604020202020204" pitchFamily="34" charset="0"/>
               </a:rPr>
@@ -12252,210 +12429,210 @@
               </a:spcBef>
             </a:pPr>
             <a:r>
-              <a:rPr lang="en-US" err="1">
+              <a:rPr lang="en-US" sz="2400" err="1">
                 <a:latin typeface="Arial" panose="020B0604020202020204" pitchFamily="34" charset="0"/>
                 <a:cs typeface="Arial" panose="020B0604020202020204" pitchFamily="34" charset="0"/>
               </a:rPr>
               <a:t>Tất</a:t>
             </a:r>
             <a:r>
-              <a:rPr lang="en-US">
-                <a:latin typeface="Arial" panose="020B0604020202020204" pitchFamily="34" charset="0"/>
-                <a:cs typeface="Arial" panose="020B0604020202020204" pitchFamily="34" charset="0"/>
-              </a:rPr>
-              <a:t> </a:t>
-            </a:r>
-            <a:r>
-              <a:rPr lang="en-US" err="1">
+              <a:rPr lang="en-US" sz="2400">
+                <a:latin typeface="Arial" panose="020B0604020202020204" pitchFamily="34" charset="0"/>
+                <a:cs typeface="Arial" panose="020B0604020202020204" pitchFamily="34" charset="0"/>
+              </a:rPr>
+              <a:t> </a:t>
+            </a:r>
+            <a:r>
+              <a:rPr lang="en-US" sz="2400" err="1">
                 <a:latin typeface="Arial" panose="020B0604020202020204" pitchFamily="34" charset="0"/>
                 <a:cs typeface="Arial" panose="020B0604020202020204" pitchFamily="34" charset="0"/>
               </a:rPr>
               <a:t>cả</a:t>
             </a:r>
             <a:r>
-              <a:rPr lang="en-US">
-                <a:latin typeface="Arial" panose="020B0604020202020204" pitchFamily="34" charset="0"/>
-                <a:cs typeface="Arial" panose="020B0604020202020204" pitchFamily="34" charset="0"/>
-              </a:rPr>
-              <a:t> </a:t>
-            </a:r>
-            <a:r>
-              <a:rPr lang="en-US" err="1">
+              <a:rPr lang="en-US" sz="2400">
+                <a:latin typeface="Arial" panose="020B0604020202020204" pitchFamily="34" charset="0"/>
+                <a:cs typeface="Arial" panose="020B0604020202020204" pitchFamily="34" charset="0"/>
+              </a:rPr>
+              <a:t> </a:t>
+            </a:r>
+            <a:r>
+              <a:rPr lang="en-US" sz="2400" err="1">
                 <a:latin typeface="Arial" panose="020B0604020202020204" pitchFamily="34" charset="0"/>
                 <a:cs typeface="Arial" panose="020B0604020202020204" pitchFamily="34" charset="0"/>
               </a:rPr>
               <a:t>các</a:t>
             </a:r>
             <a:r>
-              <a:rPr lang="en-US">
-                <a:latin typeface="Arial" panose="020B0604020202020204" pitchFamily="34" charset="0"/>
-                <a:cs typeface="Arial" panose="020B0604020202020204" pitchFamily="34" charset="0"/>
-              </a:rPr>
-              <a:t> </a:t>
-            </a:r>
-            <a:r>
-              <a:rPr lang="en-US" err="1">
+              <a:rPr lang="en-US" sz="2400">
+                <a:latin typeface="Arial" panose="020B0604020202020204" pitchFamily="34" charset="0"/>
+                <a:cs typeface="Arial" panose="020B0604020202020204" pitchFamily="34" charset="0"/>
+              </a:rPr>
+              <a:t> </a:t>
+            </a:r>
+            <a:r>
+              <a:rPr lang="en-US" sz="2400" err="1">
                 <a:latin typeface="Arial" panose="020B0604020202020204" pitchFamily="34" charset="0"/>
                 <a:cs typeface="Arial" panose="020B0604020202020204" pitchFamily="34" charset="0"/>
               </a:rPr>
               <a:t>yêu</a:t>
             </a:r>
             <a:r>
-              <a:rPr lang="en-US">
-                <a:latin typeface="Arial" panose="020B0604020202020204" pitchFamily="34" charset="0"/>
-                <a:cs typeface="Arial" panose="020B0604020202020204" pitchFamily="34" charset="0"/>
-              </a:rPr>
-              <a:t> </a:t>
-            </a:r>
-            <a:r>
-              <a:rPr lang="en-US" err="1">
+              <a:rPr lang="en-US" sz="2400">
+                <a:latin typeface="Arial" panose="020B0604020202020204" pitchFamily="34" charset="0"/>
+                <a:cs typeface="Arial" panose="020B0604020202020204" pitchFamily="34" charset="0"/>
+              </a:rPr>
+              <a:t> </a:t>
+            </a:r>
+            <a:r>
+              <a:rPr lang="en-US" sz="2400" err="1">
                 <a:latin typeface="Arial" panose="020B0604020202020204" pitchFamily="34" charset="0"/>
                 <a:cs typeface="Arial" panose="020B0604020202020204" pitchFamily="34" charset="0"/>
               </a:rPr>
               <a:t>cầu</a:t>
             </a:r>
             <a:r>
-              <a:rPr lang="en-US">
-                <a:latin typeface="Arial" panose="020B0604020202020204" pitchFamily="34" charset="0"/>
-                <a:cs typeface="Arial" panose="020B0604020202020204" pitchFamily="34" charset="0"/>
-              </a:rPr>
-              <a:t> </a:t>
-            </a:r>
-            <a:r>
-              <a:rPr lang="en-US" err="1">
+              <a:rPr lang="en-US" sz="2400">
+                <a:latin typeface="Arial" panose="020B0604020202020204" pitchFamily="34" charset="0"/>
+                <a:cs typeface="Arial" panose="020B0604020202020204" pitchFamily="34" charset="0"/>
+              </a:rPr>
+              <a:t> </a:t>
+            </a:r>
+            <a:r>
+              <a:rPr lang="en-US" sz="2400" err="1">
                 <a:latin typeface="Arial" panose="020B0604020202020204" pitchFamily="34" charset="0"/>
                 <a:cs typeface="Arial" panose="020B0604020202020204" pitchFamily="34" charset="0"/>
               </a:rPr>
               <a:t>được</a:t>
             </a:r>
             <a:r>
-              <a:rPr lang="en-US">
-                <a:latin typeface="Arial" panose="020B0604020202020204" pitchFamily="34" charset="0"/>
-                <a:cs typeface="Arial" panose="020B0604020202020204" pitchFamily="34" charset="0"/>
-              </a:rPr>
-              <a:t> </a:t>
-            </a:r>
-            <a:r>
-              <a:rPr lang="en-US" err="1">
+              <a:rPr lang="en-US" sz="2400">
+                <a:latin typeface="Arial" panose="020B0604020202020204" pitchFamily="34" charset="0"/>
+                <a:cs typeface="Arial" panose="020B0604020202020204" pitchFamily="34" charset="0"/>
+              </a:rPr>
+              <a:t> </a:t>
+            </a:r>
+            <a:r>
+              <a:rPr lang="en-US" sz="2400" err="1">
                 <a:latin typeface="Arial" panose="020B0604020202020204" pitchFamily="34" charset="0"/>
                 <a:cs typeface="Arial" panose="020B0604020202020204" pitchFamily="34" charset="0"/>
               </a:rPr>
               <a:t>chuyển</a:t>
             </a:r>
             <a:r>
-              <a:rPr lang="en-US">
-                <a:latin typeface="Arial" panose="020B0604020202020204" pitchFamily="34" charset="0"/>
-                <a:cs typeface="Arial" panose="020B0604020202020204" pitchFamily="34" charset="0"/>
-              </a:rPr>
-              <a:t> </a:t>
-            </a:r>
-            <a:r>
-              <a:rPr lang="en-US" err="1">
+              <a:rPr lang="en-US" sz="2400">
+                <a:latin typeface="Arial" panose="020B0604020202020204" pitchFamily="34" charset="0"/>
+                <a:cs typeface="Arial" panose="020B0604020202020204" pitchFamily="34" charset="0"/>
+              </a:rPr>
+              <a:t> </a:t>
+            </a:r>
+            <a:r>
+              <a:rPr lang="en-US" sz="2400" err="1">
                 <a:latin typeface="Arial" panose="020B0604020202020204" pitchFamily="34" charset="0"/>
                 <a:cs typeface="Arial" panose="020B0604020202020204" pitchFamily="34" charset="0"/>
               </a:rPr>
               <a:t>tiếp</a:t>
             </a:r>
             <a:r>
-              <a:rPr lang="en-US">
+              <a:rPr lang="en-US" sz="2400">
                 <a:latin typeface="Arial" panose="020B0604020202020204" pitchFamily="34" charset="0"/>
                 <a:cs typeface="Arial" panose="020B0604020202020204" pitchFamily="34" charset="0"/>
               </a:rPr>
               <a:t>, do </a:t>
             </a:r>
             <a:r>
-              <a:rPr lang="en-US" err="1">
+              <a:rPr lang="en-US" sz="2400" err="1">
                 <a:latin typeface="Arial" panose="020B0604020202020204" pitchFamily="34" charset="0"/>
                 <a:cs typeface="Arial" panose="020B0604020202020204" pitchFamily="34" charset="0"/>
               </a:rPr>
               <a:t>đó</a:t>
             </a:r>
             <a:r>
-              <a:rPr lang="en-US">
-                <a:latin typeface="Arial" panose="020B0604020202020204" pitchFamily="34" charset="0"/>
-                <a:cs typeface="Arial" panose="020B0604020202020204" pitchFamily="34" charset="0"/>
-              </a:rPr>
-              <a:t> </a:t>
-            </a:r>
-            <a:r>
-              <a:rPr lang="en-US" err="1">
+              <a:rPr lang="en-US" sz="2400">
+                <a:latin typeface="Arial" panose="020B0604020202020204" pitchFamily="34" charset="0"/>
+                <a:cs typeface="Arial" panose="020B0604020202020204" pitchFamily="34" charset="0"/>
+              </a:rPr>
+              <a:t> </a:t>
+            </a:r>
+            <a:r>
+              <a:rPr lang="en-US" sz="2400" err="1">
                 <a:latin typeface="Arial" panose="020B0604020202020204" pitchFamily="34" charset="0"/>
                 <a:cs typeface="Arial" panose="020B0604020202020204" pitchFamily="34" charset="0"/>
               </a:rPr>
               <a:t>làm</a:t>
             </a:r>
             <a:r>
-              <a:rPr lang="en-US">
-                <a:latin typeface="Arial" panose="020B0604020202020204" pitchFamily="34" charset="0"/>
-                <a:cs typeface="Arial" panose="020B0604020202020204" pitchFamily="34" charset="0"/>
-              </a:rPr>
-              <a:t> </a:t>
-            </a:r>
-            <a:r>
-              <a:rPr lang="en-US" err="1">
+              <a:rPr lang="en-US" sz="2400">
+                <a:latin typeface="Arial" panose="020B0604020202020204" pitchFamily="34" charset="0"/>
+                <a:cs typeface="Arial" panose="020B0604020202020204" pitchFamily="34" charset="0"/>
+              </a:rPr>
+              <a:t> </a:t>
+            </a:r>
+            <a:r>
+              <a:rPr lang="en-US" sz="2400" err="1">
                 <a:latin typeface="Arial" panose="020B0604020202020204" pitchFamily="34" charset="0"/>
                 <a:cs typeface="Arial" panose="020B0604020202020204" pitchFamily="34" charset="0"/>
               </a:rPr>
               <a:t>tăng</a:t>
             </a:r>
             <a:r>
-              <a:rPr lang="en-US">
-                <a:latin typeface="Arial" panose="020B0604020202020204" pitchFamily="34" charset="0"/>
-                <a:cs typeface="Arial" panose="020B0604020202020204" pitchFamily="34" charset="0"/>
-              </a:rPr>
-              <a:t> </a:t>
-            </a:r>
-            <a:r>
-              <a:rPr lang="en-US" err="1">
+              <a:rPr lang="en-US" sz="2400">
+                <a:latin typeface="Arial" panose="020B0604020202020204" pitchFamily="34" charset="0"/>
+                <a:cs typeface="Arial" panose="020B0604020202020204" pitchFamily="34" charset="0"/>
+              </a:rPr>
+              <a:t> </a:t>
+            </a:r>
+            <a:r>
+              <a:rPr lang="en-US" sz="2400" err="1">
                 <a:latin typeface="Arial" panose="020B0604020202020204" pitchFamily="34" charset="0"/>
                 <a:cs typeface="Arial" panose="020B0604020202020204" pitchFamily="34" charset="0"/>
               </a:rPr>
               <a:t>thêm</a:t>
             </a:r>
             <a:r>
-              <a:rPr lang="en-US">
-                <a:latin typeface="Arial" panose="020B0604020202020204" pitchFamily="34" charset="0"/>
-                <a:cs typeface="Arial" panose="020B0604020202020204" pitchFamily="34" charset="0"/>
-              </a:rPr>
-              <a:t> </a:t>
-            </a:r>
-            <a:r>
-              <a:rPr lang="en-US" err="1">
+              <a:rPr lang="en-US" sz="2400">
+                <a:latin typeface="Arial" panose="020B0604020202020204" pitchFamily="34" charset="0"/>
+                <a:cs typeface="Arial" panose="020B0604020202020204" pitchFamily="34" charset="0"/>
+              </a:rPr>
+              <a:t> </a:t>
+            </a:r>
+            <a:r>
+              <a:rPr lang="en-US" sz="2400" err="1">
                 <a:latin typeface="Arial" panose="020B0604020202020204" pitchFamily="34" charset="0"/>
                 <a:cs typeface="Arial" panose="020B0604020202020204" pitchFamily="34" charset="0"/>
               </a:rPr>
               <a:t>một</a:t>
             </a:r>
             <a:r>
-              <a:rPr lang="en-US">
-                <a:latin typeface="Arial" panose="020B0604020202020204" pitchFamily="34" charset="0"/>
-                <a:cs typeface="Arial" panose="020B0604020202020204" pitchFamily="34" charset="0"/>
-              </a:rPr>
-              <a:t> </a:t>
-            </a:r>
-            <a:r>
-              <a:rPr lang="en-US" err="1">
+              <a:rPr lang="en-US" sz="2400">
+                <a:latin typeface="Arial" panose="020B0604020202020204" pitchFamily="34" charset="0"/>
+                <a:cs typeface="Arial" panose="020B0604020202020204" pitchFamily="34" charset="0"/>
+              </a:rPr>
+              <a:t> </a:t>
+            </a:r>
+            <a:r>
+              <a:rPr lang="en-US" sz="2400" err="1">
                 <a:latin typeface="Arial" panose="020B0604020202020204" pitchFamily="34" charset="0"/>
                 <a:cs typeface="Arial" panose="020B0604020202020204" pitchFamily="34" charset="0"/>
               </a:rPr>
               <a:t>ít</a:t>
             </a:r>
             <a:r>
-              <a:rPr lang="en-US">
+              <a:rPr lang="en-US" sz="2400">
                 <a:latin typeface="Arial" panose="020B0604020202020204" pitchFamily="34" charset="0"/>
                 <a:cs typeface="Arial" panose="020B0604020202020204" pitchFamily="34" charset="0"/>
               </a:rPr>
               <a:t> chi </a:t>
             </a:r>
             <a:r>
-              <a:rPr lang="en-US" err="1">
+              <a:rPr lang="en-US" sz="2400" err="1">
                 <a:latin typeface="Arial" panose="020B0604020202020204" pitchFamily="34" charset="0"/>
                 <a:cs typeface="Arial" panose="020B0604020202020204" pitchFamily="34" charset="0"/>
               </a:rPr>
               <a:t>phí</a:t>
             </a:r>
             <a:r>
-              <a:rPr lang="en-US">
+              <a:rPr lang="en-US" sz="2400">
                 <a:latin typeface="Arial" panose="020B0604020202020204" pitchFamily="34" charset="0"/>
                 <a:cs typeface="Arial" panose="020B0604020202020204" pitchFamily="34" charset="0"/>
               </a:rPr>
@@ -12469,266 +12646,266 @@
               </a:spcBef>
             </a:pPr>
             <a:r>
-              <a:rPr lang="en-US" err="1">
+              <a:rPr lang="en-US" sz="2400" err="1">
                 <a:latin typeface="Arial" panose="020B0604020202020204" pitchFamily="34" charset="0"/>
                 <a:cs typeface="Arial" panose="020B0604020202020204" pitchFamily="34" charset="0"/>
               </a:rPr>
               <a:t>Đôi</a:t>
             </a:r>
             <a:r>
-              <a:rPr lang="en-US">
-                <a:latin typeface="Arial" panose="020B0604020202020204" pitchFamily="34" charset="0"/>
-                <a:cs typeface="Arial" panose="020B0604020202020204" pitchFamily="34" charset="0"/>
-              </a:rPr>
-              <a:t> </a:t>
-            </a:r>
-            <a:r>
-              <a:rPr lang="en-US" err="1">
+              <a:rPr lang="en-US" sz="2400">
+                <a:latin typeface="Arial" panose="020B0604020202020204" pitchFamily="34" charset="0"/>
+                <a:cs typeface="Arial" panose="020B0604020202020204" pitchFamily="34" charset="0"/>
+              </a:rPr>
+              <a:t> </a:t>
+            </a:r>
+            <a:r>
+              <a:rPr lang="en-US" sz="2400" err="1">
                 <a:latin typeface="Arial" panose="020B0604020202020204" pitchFamily="34" charset="0"/>
                 <a:cs typeface="Arial" panose="020B0604020202020204" pitchFamily="34" charset="0"/>
               </a:rPr>
               <a:t>khi</a:t>
             </a:r>
             <a:r>
-              <a:rPr lang="en-US">
-                <a:latin typeface="Arial" panose="020B0604020202020204" pitchFamily="34" charset="0"/>
-                <a:cs typeface="Arial" panose="020B0604020202020204" pitchFamily="34" charset="0"/>
-              </a:rPr>
-              <a:t> </a:t>
-            </a:r>
-            <a:r>
-              <a:rPr lang="en-US" err="1">
+              <a:rPr lang="en-US" sz="2400">
+                <a:latin typeface="Arial" panose="020B0604020202020204" pitchFamily="34" charset="0"/>
+                <a:cs typeface="Arial" panose="020B0604020202020204" pitchFamily="34" charset="0"/>
+              </a:rPr>
+              <a:t> </a:t>
+            </a:r>
+            <a:r>
+              <a:rPr lang="en-US" sz="2400" err="1">
                 <a:latin typeface="Arial" panose="020B0604020202020204" pitchFamily="34" charset="0"/>
                 <a:cs typeface="Arial" panose="020B0604020202020204" pitchFamily="34" charset="0"/>
               </a:rPr>
               <a:t>có</a:t>
             </a:r>
             <a:r>
-              <a:rPr lang="en-US">
-                <a:latin typeface="Arial" panose="020B0604020202020204" pitchFamily="34" charset="0"/>
-                <a:cs typeface="Arial" panose="020B0604020202020204" pitchFamily="34" charset="0"/>
-              </a:rPr>
-              <a:t> </a:t>
-            </a:r>
-            <a:r>
-              <a:rPr lang="en-US" err="1">
+              <a:rPr lang="en-US" sz="2400">
+                <a:latin typeface="Arial" panose="020B0604020202020204" pitchFamily="34" charset="0"/>
+                <a:cs typeface="Arial" panose="020B0604020202020204" pitchFamily="34" charset="0"/>
+              </a:rPr>
+              <a:t> </a:t>
+            </a:r>
+            <a:r>
+              <a:rPr lang="en-US" sz="2400" err="1">
                 <a:latin typeface="Arial" panose="020B0604020202020204" pitchFamily="34" charset="0"/>
                 <a:cs typeface="Arial" panose="020B0604020202020204" pitchFamily="34" charset="0"/>
               </a:rPr>
               <a:t>quá</a:t>
             </a:r>
             <a:r>
-              <a:rPr lang="en-US">
-                <a:latin typeface="Arial" panose="020B0604020202020204" pitchFamily="34" charset="0"/>
-                <a:cs typeface="Arial" panose="020B0604020202020204" pitchFamily="34" charset="0"/>
-              </a:rPr>
-              <a:t> </a:t>
-            </a:r>
-            <a:r>
-              <a:rPr lang="en-US" err="1">
+              <a:rPr lang="en-US" sz="2400">
+                <a:latin typeface="Arial" panose="020B0604020202020204" pitchFamily="34" charset="0"/>
+                <a:cs typeface="Arial" panose="020B0604020202020204" pitchFamily="34" charset="0"/>
+              </a:rPr>
+              <a:t> </a:t>
+            </a:r>
+            <a:r>
+              <a:rPr lang="en-US" sz="2400" err="1">
                 <a:latin typeface="Arial" panose="020B0604020202020204" pitchFamily="34" charset="0"/>
                 <a:cs typeface="Arial" panose="020B0604020202020204" pitchFamily="34" charset="0"/>
               </a:rPr>
               <a:t>nhiều</a:t>
             </a:r>
             <a:r>
-              <a:rPr lang="en-US">
+              <a:rPr lang="en-US" sz="2400">
                 <a:latin typeface="Arial" panose="020B0604020202020204" pitchFamily="34" charset="0"/>
                 <a:cs typeface="Arial" panose="020B0604020202020204" pitchFamily="34" charset="0"/>
               </a:rPr>
               <a:t> Adapter </a:t>
             </a:r>
             <a:r>
-              <a:rPr lang="en-US" err="1">
+              <a:rPr lang="en-US" sz="2400" err="1">
                 <a:latin typeface="Arial" panose="020B0604020202020204" pitchFamily="34" charset="0"/>
                 <a:cs typeface="Arial" panose="020B0604020202020204" pitchFamily="34" charset="0"/>
               </a:rPr>
               <a:t>được</a:t>
             </a:r>
             <a:r>
-              <a:rPr lang="en-US">
-                <a:latin typeface="Arial" panose="020B0604020202020204" pitchFamily="34" charset="0"/>
-                <a:cs typeface="Arial" panose="020B0604020202020204" pitchFamily="34" charset="0"/>
-              </a:rPr>
-              <a:t> </a:t>
-            </a:r>
-            <a:r>
-              <a:rPr lang="en-US" err="1">
+              <a:rPr lang="en-US" sz="2400">
+                <a:latin typeface="Arial" panose="020B0604020202020204" pitchFamily="34" charset="0"/>
+                <a:cs typeface="Arial" panose="020B0604020202020204" pitchFamily="34" charset="0"/>
+              </a:rPr>
+              <a:t> </a:t>
+            </a:r>
+            <a:r>
+              <a:rPr lang="en-US" sz="2400" err="1">
                 <a:latin typeface="Arial" panose="020B0604020202020204" pitchFamily="34" charset="0"/>
                 <a:cs typeface="Arial" panose="020B0604020202020204" pitchFamily="34" charset="0"/>
               </a:rPr>
               <a:t>thiết</a:t>
             </a:r>
             <a:r>
-              <a:rPr lang="en-US">
-                <a:latin typeface="Arial" panose="020B0604020202020204" pitchFamily="34" charset="0"/>
-                <a:cs typeface="Arial" panose="020B0604020202020204" pitchFamily="34" charset="0"/>
-              </a:rPr>
-              <a:t> </a:t>
-            </a:r>
-            <a:r>
-              <a:rPr lang="en-US" err="1">
+              <a:rPr lang="en-US" sz="2400">
+                <a:latin typeface="Arial" panose="020B0604020202020204" pitchFamily="34" charset="0"/>
+                <a:cs typeface="Arial" panose="020B0604020202020204" pitchFamily="34" charset="0"/>
+              </a:rPr>
+              <a:t> </a:t>
+            </a:r>
+            <a:r>
+              <a:rPr lang="en-US" sz="2400" err="1">
                 <a:latin typeface="Arial" panose="020B0604020202020204" pitchFamily="34" charset="0"/>
                 <a:cs typeface="Arial" panose="020B0604020202020204" pitchFamily="34" charset="0"/>
               </a:rPr>
               <a:t>kế</a:t>
             </a:r>
             <a:r>
-              <a:rPr lang="en-US">
-                <a:latin typeface="Arial" panose="020B0604020202020204" pitchFamily="34" charset="0"/>
-                <a:cs typeface="Arial" panose="020B0604020202020204" pitchFamily="34" charset="0"/>
-              </a:rPr>
-              <a:t> </a:t>
-            </a:r>
-            <a:r>
-              <a:rPr lang="en-US" err="1">
+              <a:rPr lang="en-US" sz="2400">
+                <a:latin typeface="Arial" panose="020B0604020202020204" pitchFamily="34" charset="0"/>
+                <a:cs typeface="Arial" panose="020B0604020202020204" pitchFamily="34" charset="0"/>
+              </a:rPr>
+              <a:t> </a:t>
+            </a:r>
+            <a:r>
+              <a:rPr lang="en-US" sz="2400" err="1">
                 <a:latin typeface="Arial" panose="020B0604020202020204" pitchFamily="34" charset="0"/>
                 <a:cs typeface="Arial" panose="020B0604020202020204" pitchFamily="34" charset="0"/>
               </a:rPr>
               <a:t>trong</a:t>
             </a:r>
             <a:r>
-              <a:rPr lang="en-US">
-                <a:latin typeface="Arial" panose="020B0604020202020204" pitchFamily="34" charset="0"/>
-                <a:cs typeface="Arial" panose="020B0604020202020204" pitchFamily="34" charset="0"/>
-              </a:rPr>
-              <a:t> </a:t>
-            </a:r>
-            <a:r>
-              <a:rPr lang="en-US" err="1">
+              <a:rPr lang="en-US" sz="2400">
+                <a:latin typeface="Arial" panose="020B0604020202020204" pitchFamily="34" charset="0"/>
+                <a:cs typeface="Arial" panose="020B0604020202020204" pitchFamily="34" charset="0"/>
+              </a:rPr>
+              <a:t> </a:t>
+            </a:r>
+            <a:r>
+              <a:rPr lang="en-US" sz="2400" err="1">
                 <a:latin typeface="Arial" panose="020B0604020202020204" pitchFamily="34" charset="0"/>
                 <a:cs typeface="Arial" panose="020B0604020202020204" pitchFamily="34" charset="0"/>
               </a:rPr>
               <a:t>một</a:t>
             </a:r>
             <a:r>
-              <a:rPr lang="en-US">
-                <a:latin typeface="Arial" panose="020B0604020202020204" pitchFamily="34" charset="0"/>
-                <a:cs typeface="Arial" panose="020B0604020202020204" pitchFamily="34" charset="0"/>
-              </a:rPr>
-              <a:t> </a:t>
-            </a:r>
-            <a:r>
-              <a:rPr lang="en-US" err="1">
+              <a:rPr lang="en-US" sz="2400">
+                <a:latin typeface="Arial" panose="020B0604020202020204" pitchFamily="34" charset="0"/>
+                <a:cs typeface="Arial" panose="020B0604020202020204" pitchFamily="34" charset="0"/>
+              </a:rPr>
+              <a:t> </a:t>
+            </a:r>
+            <a:r>
+              <a:rPr lang="en-US" sz="2400" err="1">
                 <a:latin typeface="Arial" panose="020B0604020202020204" pitchFamily="34" charset="0"/>
                 <a:cs typeface="Arial" panose="020B0604020202020204" pitchFamily="34" charset="0"/>
               </a:rPr>
               <a:t>chuỗi</a:t>
             </a:r>
             <a:r>
-              <a:rPr lang="en-US">
+              <a:rPr lang="en-US" sz="2400">
                 <a:latin typeface="Arial" panose="020B0604020202020204" pitchFamily="34" charset="0"/>
                 <a:cs typeface="Arial" panose="020B0604020202020204" pitchFamily="34" charset="0"/>
               </a:rPr>
               <a:t> Adapter (chain) </a:t>
             </a:r>
             <a:r>
-              <a:rPr lang="en-US" err="1">
+              <a:rPr lang="en-US" sz="2400" err="1">
                 <a:latin typeface="Arial" panose="020B0604020202020204" pitchFamily="34" charset="0"/>
                 <a:cs typeface="Arial" panose="020B0604020202020204" pitchFamily="34" charset="0"/>
               </a:rPr>
               <a:t>trước</a:t>
             </a:r>
             <a:r>
-              <a:rPr lang="en-US">
-                <a:latin typeface="Arial" panose="020B0604020202020204" pitchFamily="34" charset="0"/>
-                <a:cs typeface="Arial" panose="020B0604020202020204" pitchFamily="34" charset="0"/>
-              </a:rPr>
-              <a:t> </a:t>
-            </a:r>
-            <a:r>
-              <a:rPr lang="en-US" err="1">
+              <a:rPr lang="en-US" sz="2400">
+                <a:latin typeface="Arial" panose="020B0604020202020204" pitchFamily="34" charset="0"/>
+                <a:cs typeface="Arial" panose="020B0604020202020204" pitchFamily="34" charset="0"/>
+              </a:rPr>
+              <a:t> </a:t>
+            </a:r>
+            <a:r>
+              <a:rPr lang="en-US" sz="2400" err="1">
                 <a:latin typeface="Arial" panose="020B0604020202020204" pitchFamily="34" charset="0"/>
                 <a:cs typeface="Arial" panose="020B0604020202020204" pitchFamily="34" charset="0"/>
               </a:rPr>
               <a:t>khi</a:t>
             </a:r>
             <a:r>
-              <a:rPr lang="en-US">
-                <a:latin typeface="Arial" panose="020B0604020202020204" pitchFamily="34" charset="0"/>
-                <a:cs typeface="Arial" panose="020B0604020202020204" pitchFamily="34" charset="0"/>
-              </a:rPr>
-              <a:t> </a:t>
-            </a:r>
-            <a:r>
-              <a:rPr lang="en-US" err="1">
+              <a:rPr lang="en-US" sz="2400">
+                <a:latin typeface="Arial" panose="020B0604020202020204" pitchFamily="34" charset="0"/>
+                <a:cs typeface="Arial" panose="020B0604020202020204" pitchFamily="34" charset="0"/>
+              </a:rPr>
+              <a:t> </a:t>
+            </a:r>
+            <a:r>
+              <a:rPr lang="en-US" sz="2400" err="1">
                 <a:latin typeface="Arial" panose="020B0604020202020204" pitchFamily="34" charset="0"/>
                 <a:cs typeface="Arial" panose="020B0604020202020204" pitchFamily="34" charset="0"/>
               </a:rPr>
               <a:t>đến</a:t>
             </a:r>
             <a:r>
-              <a:rPr lang="en-US">
-                <a:latin typeface="Arial" panose="020B0604020202020204" pitchFamily="34" charset="0"/>
-                <a:cs typeface="Arial" panose="020B0604020202020204" pitchFamily="34" charset="0"/>
-              </a:rPr>
-              <a:t> </a:t>
-            </a:r>
-            <a:r>
-              <a:rPr lang="en-US" err="1">
+              <a:rPr lang="en-US" sz="2400">
+                <a:latin typeface="Arial" panose="020B0604020202020204" pitchFamily="34" charset="0"/>
+                <a:cs typeface="Arial" panose="020B0604020202020204" pitchFamily="34" charset="0"/>
+              </a:rPr>
+              <a:t> </a:t>
+            </a:r>
+            <a:r>
+              <a:rPr lang="en-US" sz="2400" err="1">
                 <a:latin typeface="Arial" panose="020B0604020202020204" pitchFamily="34" charset="0"/>
                 <a:cs typeface="Arial" panose="020B0604020202020204" pitchFamily="34" charset="0"/>
               </a:rPr>
               <a:t>được</a:t>
             </a:r>
             <a:r>
-              <a:rPr lang="en-US">
-                <a:latin typeface="Arial" panose="020B0604020202020204" pitchFamily="34" charset="0"/>
-                <a:cs typeface="Arial" panose="020B0604020202020204" pitchFamily="34" charset="0"/>
-              </a:rPr>
-              <a:t> </a:t>
-            </a:r>
-            <a:r>
-              <a:rPr lang="en-US" err="1">
+              <a:rPr lang="en-US" sz="2400">
+                <a:latin typeface="Arial" panose="020B0604020202020204" pitchFamily="34" charset="0"/>
+                <a:cs typeface="Arial" panose="020B0604020202020204" pitchFamily="34" charset="0"/>
+              </a:rPr>
+              <a:t> </a:t>
+            </a:r>
+            <a:r>
+              <a:rPr lang="en-US" sz="2400" err="1">
                 <a:latin typeface="Arial" panose="020B0604020202020204" pitchFamily="34" charset="0"/>
                 <a:cs typeface="Arial" panose="020B0604020202020204" pitchFamily="34" charset="0"/>
               </a:rPr>
               <a:t>yêu</a:t>
             </a:r>
             <a:r>
-              <a:rPr lang="en-US">
-                <a:latin typeface="Arial" panose="020B0604020202020204" pitchFamily="34" charset="0"/>
-                <a:cs typeface="Arial" panose="020B0604020202020204" pitchFamily="34" charset="0"/>
-              </a:rPr>
-              <a:t> </a:t>
-            </a:r>
-            <a:r>
-              <a:rPr lang="en-US" err="1">
+              <a:rPr lang="en-US" sz="2400">
+                <a:latin typeface="Arial" panose="020B0604020202020204" pitchFamily="34" charset="0"/>
+                <a:cs typeface="Arial" panose="020B0604020202020204" pitchFamily="34" charset="0"/>
+              </a:rPr>
+              <a:t> </a:t>
+            </a:r>
+            <a:r>
+              <a:rPr lang="en-US" sz="2400" err="1">
                 <a:latin typeface="Arial" panose="020B0604020202020204" pitchFamily="34" charset="0"/>
                 <a:cs typeface="Arial" panose="020B0604020202020204" pitchFamily="34" charset="0"/>
               </a:rPr>
               <a:t>cầu</a:t>
             </a:r>
             <a:r>
-              <a:rPr lang="en-US">
-                <a:latin typeface="Arial" panose="020B0604020202020204" pitchFamily="34" charset="0"/>
-                <a:cs typeface="Arial" panose="020B0604020202020204" pitchFamily="34" charset="0"/>
-              </a:rPr>
-              <a:t> </a:t>
-            </a:r>
-            <a:r>
-              <a:rPr lang="en-US" err="1">
+              <a:rPr lang="en-US" sz="2400">
+                <a:latin typeface="Arial" panose="020B0604020202020204" pitchFamily="34" charset="0"/>
+                <a:cs typeface="Arial" panose="020B0604020202020204" pitchFamily="34" charset="0"/>
+              </a:rPr>
+              <a:t> </a:t>
+            </a:r>
+            <a:r>
+              <a:rPr lang="en-US" sz="2400" err="1">
                 <a:latin typeface="Arial" panose="020B0604020202020204" pitchFamily="34" charset="0"/>
                 <a:cs typeface="Arial" panose="020B0604020202020204" pitchFamily="34" charset="0"/>
               </a:rPr>
               <a:t>thực</a:t>
             </a:r>
             <a:r>
-              <a:rPr lang="en-US">
-                <a:latin typeface="Arial" panose="020B0604020202020204" pitchFamily="34" charset="0"/>
-                <a:cs typeface="Arial" panose="020B0604020202020204" pitchFamily="34" charset="0"/>
-              </a:rPr>
-              <a:t> </a:t>
-            </a:r>
-            <a:r>
-              <a:rPr lang="en-US" err="1">
+              <a:rPr lang="en-US" sz="2400">
+                <a:latin typeface="Arial" panose="020B0604020202020204" pitchFamily="34" charset="0"/>
+                <a:cs typeface="Arial" panose="020B0604020202020204" pitchFamily="34" charset="0"/>
+              </a:rPr>
+              <a:t> </a:t>
+            </a:r>
+            <a:r>
+              <a:rPr lang="en-US" sz="2400" err="1">
                 <a:latin typeface="Arial" panose="020B0604020202020204" pitchFamily="34" charset="0"/>
                 <a:cs typeface="Arial" panose="020B0604020202020204" pitchFamily="34" charset="0"/>
               </a:rPr>
               <a:t>sự</a:t>
             </a:r>
             <a:r>
-              <a:rPr lang="en-US">
+              <a:rPr lang="en-US" sz="2400">
                 <a:latin typeface="Arial" panose="020B0604020202020204" pitchFamily="34" charset="0"/>
                 <a:cs typeface="Arial" panose="020B0604020202020204" pitchFamily="34" charset="0"/>
               </a:rPr>
@@ -12736,7 +12913,7 @@
             </a:r>
           </a:p>
           <a:p>
-            <a:endParaRPr lang="en-US">
+            <a:endParaRPr lang="en-US" sz="2400">
               <a:latin typeface="Arial" panose="020B0604020202020204" pitchFamily="34" charset="0"/>
               <a:cs typeface="Arial" panose="020B0604020202020204" pitchFamily="34" charset="0"/>
             </a:endParaRPr>
@@ -12758,7 +12935,7 @@
           <p:nvPr/>
         </p:nvPicPr>
         <p:blipFill rotWithShape="1">
-          <a:blip r:embed="rId2">
+          <a:blip r:embed="rId2" cstate="hqprint">
             <a:extLst>
               <a:ext uri="{28A0092B-C50C-407E-A947-70E740481C1C}">
                 <a14:useLocalDpi xmlns:a14="http://schemas.microsoft.com/office/drawing/2010/main" val="0"/>
@@ -12889,18 +13066,25 @@
   <p:clrMapOvr>
     <a:masterClrMapping/>
   </p:clrMapOvr>
-  <mc:AlternateContent xmlns:mc="http://schemas.openxmlformats.org/markup-compatibility/2006">
-    <mc:Choice xmlns:p14="http://schemas.microsoft.com/office/powerpoint/2010/main" Requires="p14">
+  <mc:AlternateContent xmlns:mc="http://schemas.openxmlformats.org/markup-compatibility/2006" xmlns:p14="http://schemas.microsoft.com/office/powerpoint/2010/main">
+    <mc:Choice Requires="p14">
       <p:transition spd="slow" p14:dur="1500">
         <p:split orient="vert"/>
       </p:transition>
     </mc:Choice>
-    <mc:Fallback>
+    <mc:Fallback xmlns="">
       <p:transition spd="slow">
         <p:split orient="vert"/>
       </p:transition>
     </mc:Fallback>
   </mc:AlternateContent>
+  <p:timing>
+    <p:tnLst>
+      <p:par>
+        <p:cTn id="1" dur="indefinite" restart="never" nodeType="tmRoot"/>
+      </p:par>
+    </p:tnLst>
+  </p:timing>
 </p:sld>
 </file>
 
@@ -13296,18 +13480,25 @@
   <p:clrMapOvr>
     <a:masterClrMapping/>
   </p:clrMapOvr>
-  <mc:AlternateContent xmlns:mc="http://schemas.openxmlformats.org/markup-compatibility/2006">
-    <mc:Choice xmlns:p15="http://schemas.microsoft.com/office/powerpoint/2012/main" Requires="p15">
+  <mc:AlternateContent xmlns:mc="http://schemas.openxmlformats.org/markup-compatibility/2006" xmlns:p15="http://schemas.microsoft.com/office/powerpoint/2012/main">
+    <mc:Choice Requires="p15">
       <p:transition xmlns:p14="http://schemas.microsoft.com/office/powerpoint/2010/main" spd="slow" p14:dur="2000">
         <p15:prstTrans prst="prestige"/>
       </p:transition>
     </mc:Choice>
-    <mc:Fallback>
+    <mc:Fallback xmlns="">
       <p:transition spd="slow">
         <p:fade/>
       </p:transition>
     </mc:Fallback>
   </mc:AlternateContent>
+  <p:timing>
+    <p:tnLst>
+      <p:par>
+        <p:cTn id="1" dur="indefinite" restart="never" nodeType="tmRoot"/>
+      </p:par>
+    </p:tnLst>
+  </p:timing>
 </p:sld>
 </file>
 
@@ -14543,6 +14734,13 @@
   <p:clrMapOvr>
     <a:masterClrMapping/>
   </p:clrMapOvr>
+  <p:timing>
+    <p:tnLst>
+      <p:par>
+        <p:cTn id="1" dur="indefinite" restart="never" nodeType="tmRoot"/>
+      </p:par>
+    </p:tnLst>
+  </p:timing>
 </p:sld>
 </file>
 
@@ -14943,6 +15141,13 @@
   <p:clrMapOvr>
     <a:masterClrMapping/>
   </p:clrMapOvr>
+  <p:timing>
+    <p:tnLst>
+      <p:par>
+        <p:cTn id="1" dur="indefinite" restart="never" nodeType="tmRoot"/>
+      </p:par>
+    </p:tnLst>
+  </p:timing>
 </p:sld>
 </file>
 
@@ -15028,7 +15233,7 @@
           <p:nvPr>
             <p:extLst>
               <p:ext uri="{D42A27DB-BD31-4B8C-83A1-F6EECF244321}">
-                <p14:modId xmlns:p14="http://schemas.microsoft.com/office/powerpoint/2010/main" val="2752366035"/>
+                <p14:modId xmlns:p14="http://schemas.microsoft.com/office/powerpoint/2010/main" val="2566993690"/>
               </p:ext>
             </p:extLst>
           </p:nvPr>
@@ -15067,24 +15272,24 @@
                     <a:p>
                       <a:pPr algn="ctr"/>
                       <a:r>
-                        <a:rPr lang="en-US" err="1">
+                        <a:rPr lang="en-US" sz="2000" err="1">
                           <a:latin typeface="Arial"/>
                         </a:rPr>
                         <a:t>Thành</a:t>
                       </a:r>
                       <a:r>
-                        <a:rPr lang="en-US">
+                        <a:rPr lang="en-US" sz="2000">
                           <a:latin typeface="Arial"/>
                         </a:rPr>
                         <a:t> </a:t>
                       </a:r>
                       <a:r>
-                        <a:rPr lang="en-US" err="1">
+                        <a:rPr lang="en-US" sz="2000" err="1">
                           <a:latin typeface="Arial"/>
                         </a:rPr>
                         <a:t>viên</a:t>
                       </a:r>
-                      <a:endParaRPr lang="en-US">
+                      <a:endParaRPr lang="en-US" sz="2000">
                         <a:latin typeface="Arial"/>
                       </a:endParaRPr>
                     </a:p>
@@ -15098,24 +15303,24 @@
                     <a:p>
                       <a:pPr algn="ctr"/>
                       <a:r>
-                        <a:rPr lang="en-US" err="1">
+                        <a:rPr lang="en-US" sz="2000" err="1">
                           <a:latin typeface="Arial"/>
                         </a:rPr>
                         <a:t>Nhiệm</a:t>
                       </a:r>
                       <a:r>
-                        <a:rPr lang="en-US">
+                        <a:rPr lang="en-US" sz="2000">
                           <a:latin typeface="Arial"/>
                         </a:rPr>
                         <a:t> </a:t>
                       </a:r>
                       <a:r>
-                        <a:rPr lang="en-US" err="1">
+                        <a:rPr lang="en-US" sz="2000" err="1">
                           <a:latin typeface="Arial"/>
                         </a:rPr>
                         <a:t>vụ</a:t>
                       </a:r>
-                      <a:endParaRPr lang="en-US">
+                      <a:endParaRPr lang="en-US" sz="2000">
                         <a:latin typeface="Arial"/>
                       </a:endParaRPr>
                     </a:p>
@@ -15135,22 +15340,22 @@
                     <a:lstStyle/>
                     <a:p>
                       <a:r>
-                        <a:rPr lang="en-US">
+                        <a:rPr lang="en-US" sz="2000">
                           <a:latin typeface="Arial"/>
                         </a:rPr>
                         <a:t>Lê </a:t>
                       </a:r>
                       <a:r>
-                        <a:rPr lang="en-US" err="1">
+                        <a:rPr lang="en-US" sz="2000" smtClean="0">
                           <a:latin typeface="Arial"/>
                         </a:rPr>
-                        <a:t>Thiên</a:t>
+                        <a:t>Thiện </a:t>
                       </a:r>
                       <a:r>
-                        <a:rPr lang="en-US">
+                        <a:rPr lang="en-US" sz="2000">
                           <a:latin typeface="Arial"/>
                         </a:rPr>
-                        <a:t> Duy</a:t>
+                        <a:t>Duy</a:t>
                       </a:r>
                     </a:p>
                   </a:txBody>
@@ -15162,37 +15367,37 @@
                     <a:lstStyle/>
                     <a:p>
                       <a:r>
-                        <a:rPr lang="en-US" dirty="0" err="1">
+                        <a:rPr lang="en-US" sz="2000" dirty="0" err="1">
                           <a:latin typeface="Arial"/>
                         </a:rPr>
                         <a:t>Soạn</a:t>
                       </a:r>
                       <a:r>
-                        <a:rPr lang="en-US" dirty="0">
+                        <a:rPr lang="en-US" sz="2000" dirty="0">
                           <a:latin typeface="Arial"/>
                         </a:rPr>
                         <a:t> word, </a:t>
                       </a:r>
                       <a:r>
-                        <a:rPr lang="en-US" dirty="0" err="1">
+                        <a:rPr lang="en-US" sz="2000" dirty="0" err="1">
                           <a:latin typeface="Arial"/>
                         </a:rPr>
                         <a:t>thuyết</a:t>
                       </a:r>
                       <a:r>
-                        <a:rPr lang="en-US" dirty="0">
+                        <a:rPr lang="en-US" sz="2000" dirty="0">
                           <a:latin typeface="Arial"/>
                         </a:rPr>
                         <a:t> </a:t>
                       </a:r>
                       <a:r>
-                        <a:rPr lang="en-US" dirty="0" err="1">
+                        <a:rPr lang="en-US" sz="2000" dirty="0" err="1">
                           <a:latin typeface="Arial"/>
                         </a:rPr>
                         <a:t>trình</a:t>
                       </a:r>
                       <a:r>
-                        <a:rPr lang="en-US" dirty="0">
+                        <a:rPr lang="en-US" sz="2000" dirty="0">
                           <a:latin typeface="Arial"/>
                         </a:rPr>
                         <a:t> Singleton pattern </a:t>
@@ -15214,25 +15419,25 @@
                     <a:lstStyle/>
                     <a:p>
                       <a:r>
-                        <a:rPr lang="en-US" err="1">
+                        <a:rPr lang="en-US" sz="2000" err="1">
                           <a:latin typeface="Arial"/>
                         </a:rPr>
                         <a:t>Bùi</a:t>
                       </a:r>
                       <a:r>
-                        <a:rPr lang="en-US">
+                        <a:rPr lang="en-US" sz="2000">
                           <a:latin typeface="Arial"/>
                         </a:rPr>
                         <a:t> </a:t>
                       </a:r>
                       <a:r>
-                        <a:rPr lang="en-US" err="1">
+                        <a:rPr lang="en-US" sz="2000" err="1">
                           <a:latin typeface="Arial"/>
                         </a:rPr>
                         <a:t>Quốc</a:t>
                       </a:r>
                       <a:r>
-                        <a:rPr lang="en-US">
+                        <a:rPr lang="en-US" sz="2000">
                           <a:latin typeface="Arial"/>
                         </a:rPr>
                         <a:t> Thanh</a:t>
@@ -15247,37 +15452,37 @@
                     <a:lstStyle/>
                     <a:p>
                       <a:r>
-                        <a:rPr lang="en-US" dirty="0" err="1">
+                        <a:rPr lang="en-US" sz="2000" dirty="0" err="1">
                           <a:latin typeface="Arial"/>
                         </a:rPr>
                         <a:t>Soạn</a:t>
                       </a:r>
                       <a:r>
-                        <a:rPr lang="en-US" dirty="0">
+                        <a:rPr lang="en-US" sz="2000" dirty="0">
                           <a:latin typeface="Arial"/>
                         </a:rPr>
                         <a:t> word, </a:t>
                       </a:r>
                       <a:r>
-                        <a:rPr lang="en-US" dirty="0" err="1">
+                        <a:rPr lang="en-US" sz="2000" dirty="0" err="1">
                           <a:latin typeface="Arial"/>
                         </a:rPr>
                         <a:t>thuyết</a:t>
                       </a:r>
                       <a:r>
-                        <a:rPr lang="en-US" dirty="0">
+                        <a:rPr lang="en-US" sz="2000" dirty="0">
                           <a:latin typeface="Arial"/>
                         </a:rPr>
                         <a:t> </a:t>
                       </a:r>
                       <a:r>
-                        <a:rPr lang="en-US" dirty="0" err="1">
+                        <a:rPr lang="en-US" sz="2000" dirty="0" err="1">
                           <a:latin typeface="Arial"/>
                         </a:rPr>
                         <a:t>trình</a:t>
                       </a:r>
                       <a:r>
-                        <a:rPr lang="en-US" dirty="0">
+                        <a:rPr lang="en-US" sz="2000" dirty="0">
                           <a:latin typeface="Arial"/>
                         </a:rPr>
                         <a:t> adapter pattern</a:t>
@@ -15299,36 +15504,36 @@
                     <a:lstStyle/>
                     <a:p>
                       <a:r>
-                        <a:rPr lang="en-US" err="1">
+                        <a:rPr lang="en-US" sz="2000" err="1">
                           <a:latin typeface="Arial"/>
                         </a:rPr>
                         <a:t>Nguyễn</a:t>
                       </a:r>
                       <a:r>
-                        <a:rPr lang="en-US">
+                        <a:rPr lang="en-US" sz="2000">
                           <a:latin typeface="Arial"/>
                         </a:rPr>
                         <a:t> </a:t>
                       </a:r>
                       <a:r>
-                        <a:rPr lang="en-US" err="1">
+                        <a:rPr lang="en-US" sz="2000" err="1">
                           <a:latin typeface="Arial"/>
                         </a:rPr>
                         <a:t>Thiên</a:t>
                       </a:r>
                       <a:r>
-                        <a:rPr lang="en-US">
+                        <a:rPr lang="en-US" sz="2000">
                           <a:latin typeface="Arial"/>
                         </a:rPr>
                         <a:t> </a:t>
                       </a:r>
                       <a:r>
-                        <a:rPr lang="en-US" err="1">
+                        <a:rPr lang="en-US" sz="2000" err="1">
                           <a:latin typeface="Arial"/>
                         </a:rPr>
                         <a:t>Quốc</a:t>
                       </a:r>
-                      <a:endParaRPr lang="en-US">
+                      <a:endParaRPr lang="en-US" sz="2000">
                         <a:latin typeface="Arial"/>
                       </a:endParaRPr>
                     </a:p>
@@ -15341,7 +15546,7 @@
                     <a:lstStyle/>
                     <a:p>
                       <a:r>
-                        <a:rPr lang="en-US" dirty="0">
+                        <a:rPr lang="en-US" sz="2000" dirty="0">
                           <a:latin typeface="Arial"/>
                         </a:rPr>
                         <a:t>Format word, implement demo adapter pattern </a:t>
@@ -15363,7 +15568,7 @@
                     <a:lstStyle/>
                     <a:p>
                       <a:r>
-                        <a:rPr lang="en-US">
+                        <a:rPr lang="en-US" sz="2000">
                           <a:latin typeface="Arial"/>
                         </a:rPr>
                         <a:t>Phan Thanh Nam</a:t>
@@ -15390,12 +15595,12 @@
                         <a:buNone/>
                       </a:pPr>
                       <a:r>
-                        <a:rPr lang="en-US" sz="1800" b="0" i="0" u="none" strike="noStrike" noProof="0">
+                        <a:rPr lang="en-US" sz="2000" b="0" i="0" u="none" strike="noStrike" noProof="0">
                           <a:latin typeface="Arial"/>
                         </a:rPr>
                         <a:t>Implement demo adapter pattern </a:t>
                       </a:r>
-                      <a:endParaRPr lang="en-US" sz="1800" b="0" i="0" u="none" strike="noStrike" noProof="0"/>
+                      <a:endParaRPr lang="en-US" sz="2000" b="0" i="0" u="none" strike="noStrike" noProof="0"/>
                     </a:p>
                   </a:txBody>
                   <a:tcPr anchor="ctr"/>
@@ -15413,42 +15618,42 @@
                     <a:lstStyle/>
                     <a:p>
                       <a:r>
-                        <a:rPr lang="en-US" err="1">
+                        <a:rPr lang="en-US" sz="2000" err="1">
                           <a:latin typeface="Arial"/>
                         </a:rPr>
                         <a:t>Lâm</a:t>
                       </a:r>
                       <a:r>
-                        <a:rPr lang="en-US">
+                        <a:rPr lang="en-US" sz="2000">
                           <a:latin typeface="Arial"/>
                         </a:rPr>
                         <a:t> Ph</a:t>
                       </a:r>
                       <a:r>
-                        <a:rPr lang="vi-VN">
+                        <a:rPr lang="vi-VN" sz="2000">
                           <a:latin typeface="Arial"/>
                         </a:rPr>
                         <a:t>ư</a:t>
                       </a:r>
                       <a:r>
-                        <a:rPr lang="en-US" err="1">
+                        <a:rPr lang="en-US" sz="2000" err="1">
                           <a:latin typeface="Arial"/>
                         </a:rPr>
                         <a:t>ớc</a:t>
                       </a:r>
                       <a:r>
-                        <a:rPr lang="en-US">
+                        <a:rPr lang="en-US" sz="2000">
                           <a:latin typeface="Arial"/>
                         </a:rPr>
                         <a:t> </a:t>
                       </a:r>
                       <a:r>
-                        <a:rPr lang="en-US" err="1">
+                        <a:rPr lang="en-US" sz="2000" err="1">
                           <a:latin typeface="Arial"/>
                         </a:rPr>
                         <a:t>Bảo</a:t>
                       </a:r>
-                      <a:endParaRPr lang="en-US">
+                      <a:endParaRPr lang="en-US" sz="2000">
                         <a:latin typeface="Arial"/>
                       </a:endParaRPr>
                     </a:p>
@@ -15461,79 +15666,79 @@
                     <a:lstStyle/>
                     <a:p>
                       <a:r>
-                        <a:rPr lang="en-US" dirty="0">
+                        <a:rPr lang="en-US" sz="2000" dirty="0">
                           <a:latin typeface="Arial"/>
                         </a:rPr>
                         <a:t>Monitor &amp; control, implement single pattern demo, </a:t>
                       </a:r>
                       <a:r>
-                        <a:rPr lang="en-US" dirty="0" err="1">
+                        <a:rPr lang="en-US" sz="2000" dirty="0" err="1">
                           <a:latin typeface="Arial"/>
                         </a:rPr>
                         <a:t>hỗ</a:t>
                       </a:r>
                       <a:r>
-                        <a:rPr lang="en-US" dirty="0">
+                        <a:rPr lang="en-US" sz="2000" dirty="0">
                           <a:latin typeface="Arial"/>
                         </a:rPr>
                         <a:t> </a:t>
                       </a:r>
                       <a:r>
-                        <a:rPr lang="en-US" dirty="0" err="1">
+                        <a:rPr lang="en-US" sz="2000" dirty="0" err="1">
                           <a:latin typeface="Arial"/>
                         </a:rPr>
                         <a:t>trợ</a:t>
                       </a:r>
                       <a:r>
-                        <a:rPr lang="en-US" dirty="0">
+                        <a:rPr lang="en-US" sz="2000" dirty="0">
                           <a:latin typeface="Arial"/>
                         </a:rPr>
                         <a:t> </a:t>
                       </a:r>
                       <a:r>
-                        <a:rPr lang="en-US" dirty="0" err="1">
+                        <a:rPr lang="en-US" sz="2000" dirty="0" err="1">
                           <a:latin typeface="Arial"/>
                         </a:rPr>
                         <a:t>các</a:t>
                       </a:r>
                       <a:r>
-                        <a:rPr lang="en-US" dirty="0">
+                        <a:rPr lang="en-US" sz="2000" dirty="0">
                           <a:latin typeface="Arial"/>
                         </a:rPr>
                         <a:t> </a:t>
                       </a:r>
                       <a:r>
-                        <a:rPr lang="en-US" dirty="0" err="1">
+                        <a:rPr lang="en-US" sz="2000" dirty="0" err="1">
                           <a:latin typeface="Arial"/>
                         </a:rPr>
                         <a:t>bạn</a:t>
                       </a:r>
                       <a:r>
-                        <a:rPr lang="en-US" dirty="0">
+                        <a:rPr lang="en-US" sz="2000" dirty="0">
                           <a:latin typeface="Arial"/>
                         </a:rPr>
                         <a:t> </a:t>
                       </a:r>
                       <a:r>
-                        <a:rPr lang="en-US" dirty="0" err="1">
+                        <a:rPr lang="en-US" sz="2000" dirty="0" err="1">
                           <a:latin typeface="Arial"/>
                         </a:rPr>
                         <a:t>trong</a:t>
                       </a:r>
                       <a:r>
-                        <a:rPr lang="en-US" dirty="0">
+                        <a:rPr lang="en-US" sz="2000" dirty="0">
                           <a:latin typeface="Arial"/>
                         </a:rPr>
                         <a:t> </a:t>
                       </a:r>
                       <a:r>
-                        <a:rPr lang="en-US" dirty="0" err="1">
+                        <a:rPr lang="en-US" sz="2000" dirty="0" err="1">
                           <a:latin typeface="Arial"/>
                         </a:rPr>
                         <a:t>nhóm</a:t>
                       </a:r>
                       <a:r>
-                        <a:rPr lang="en-US" dirty="0">
+                        <a:rPr lang="en-US" sz="2000" dirty="0">
                           <a:latin typeface="Arial"/>
                         </a:rPr>
                         <a:t>.</a:t>
@@ -15562,18 +15767,25 @@
   <p:clrMapOvr>
     <a:masterClrMapping/>
   </p:clrMapOvr>
-  <mc:AlternateContent xmlns:mc="http://schemas.openxmlformats.org/markup-compatibility/2006">
-    <mc:Choice xmlns:p14="http://schemas.microsoft.com/office/powerpoint/2010/main" Requires="p14">
+  <mc:AlternateContent xmlns:mc="http://schemas.openxmlformats.org/markup-compatibility/2006" xmlns:p14="http://schemas.microsoft.com/office/powerpoint/2010/main">
+    <mc:Choice Requires="p14">
       <p:transition spd="med" p14:dur="700">
         <p:fade/>
       </p:transition>
     </mc:Choice>
-    <mc:Fallback>
+    <mc:Fallback xmlns="">
       <p:transition spd="med">
         <p:fade/>
       </p:transition>
     </mc:Fallback>
   </mc:AlternateContent>
+  <p:timing>
+    <p:tnLst>
+      <p:par>
+        <p:cTn id="1" dur="indefinite" restart="never" nodeType="tmRoot"/>
+      </p:par>
+    </p:tnLst>
+  </p:timing>
 </p:sld>
 </file>
 
@@ -15612,7 +15824,7 @@
         </p:nvSpPr>
         <p:spPr>
           <a:xfrm>
-            <a:off x="677334" y="609600"/>
+            <a:off x="622742" y="50038"/>
             <a:ext cx="8596668" cy="700216"/>
           </a:xfrm>
         </p:spPr>
@@ -15677,39 +15889,39 @@
         </p:nvSpPr>
         <p:spPr>
           <a:xfrm>
-            <a:off x="677334" y="1488613"/>
+            <a:off x="677334" y="656096"/>
             <a:ext cx="8596668" cy="4815301"/>
           </a:xfrm>
         </p:spPr>
         <p:txBody>
           <a:bodyPr vert="horz" lIns="91440" tIns="45720" rIns="91440" bIns="45720" rtlCol="0" anchor="t">
-            <a:normAutofit fontScale="85000" lnSpcReduction="20000"/>
+            <a:noAutofit/>
           </a:bodyPr>
           <a:lstStyle/>
           <a:p>
             <a:r>
-              <a:rPr lang="en-US" sz="2200" b="1" dirty="0">
+              <a:rPr lang="en-US" sz="2400" b="1" dirty="0">
                 <a:latin typeface="Arial"/>
                 <a:cs typeface="Arial"/>
               </a:rPr>
               <a:t>1.</a:t>
             </a:r>
             <a:r>
-              <a:rPr lang="en-US" sz="2200" dirty="0">
+              <a:rPr lang="en-US" sz="2400" dirty="0">
                 <a:latin typeface="Arial"/>
                 <a:cs typeface="Arial"/>
               </a:rPr>
               <a:t> </a:t>
             </a:r>
             <a:r>
-              <a:rPr lang="en-US" sz="2200" b="1" dirty="0" err="1">
+              <a:rPr lang="en-US" sz="2400" b="1" dirty="0" err="1">
                 <a:latin typeface="Arial"/>
                 <a:cs typeface="Arial"/>
               </a:rPr>
               <a:t>Sinleton</a:t>
             </a:r>
             <a:r>
-              <a:rPr lang="en-US" sz="2200" b="1" dirty="0">
+              <a:rPr lang="en-US" sz="2400" b="1" dirty="0">
                 <a:latin typeface="Arial"/>
                 <a:cs typeface="Arial"/>
               </a:rPr>
@@ -15719,35 +15931,35 @@
           <a:p>
             <a:pPr lvl="1"/>
             <a:r>
-              <a:rPr lang="en-US" sz="2200" dirty="0">
+              <a:rPr lang="en-US" sz="2400" dirty="0">
                 <a:latin typeface="Arial"/>
                 <a:cs typeface="Arial"/>
               </a:rPr>
               <a:t>Singleton </a:t>
             </a:r>
             <a:r>
-              <a:rPr lang="en-US" sz="2200" dirty="0" err="1">
+              <a:rPr lang="en-US" sz="2400" dirty="0" err="1">
                 <a:latin typeface="Arial"/>
                 <a:cs typeface="Arial"/>
               </a:rPr>
               <a:t>là</a:t>
             </a:r>
             <a:r>
-              <a:rPr lang="en-US" sz="2200" dirty="0">
+              <a:rPr lang="en-US" sz="2400" dirty="0">
                 <a:latin typeface="Arial"/>
                 <a:cs typeface="Arial"/>
               </a:rPr>
               <a:t> </a:t>
             </a:r>
             <a:r>
-              <a:rPr lang="en-US" sz="2200" dirty="0" err="1">
+              <a:rPr lang="en-US" sz="2400" dirty="0" err="1">
                 <a:latin typeface="Arial"/>
                 <a:cs typeface="Arial"/>
               </a:rPr>
               <a:t>gì</a:t>
             </a:r>
             <a:r>
-              <a:rPr lang="en-US" sz="2200" dirty="0">
+              <a:rPr lang="en-US" sz="2400" dirty="0">
                 <a:latin typeface="Arial"/>
                 <a:cs typeface="Arial"/>
               </a:rPr>
@@ -15757,13 +15969,13 @@
           <a:p>
             <a:pPr lvl="1"/>
             <a:r>
-              <a:rPr lang="vi-VN" sz="2200" dirty="0">
+              <a:rPr lang="vi-VN" sz="2400" dirty="0">
                 <a:latin typeface="Arial" panose="020B0604020202020204" pitchFamily="34" charset="0"/>
                 <a:cs typeface="Arial" panose="020B0604020202020204" pitchFamily="34" charset="0"/>
               </a:rPr>
               <a:t>Cấu trúc, các lớp/đối tượng tham gia, ý nghĩa và vai trò của từng lớp trong mẫu.</a:t>
             </a:r>
-            <a:endParaRPr lang="en-US" sz="2200" dirty="0">
+            <a:endParaRPr lang="en-US" sz="2400" dirty="0">
               <a:latin typeface="Arial" panose="020B0604020202020204" pitchFamily="34" charset="0"/>
               <a:cs typeface="Arial" panose="020B0604020202020204" pitchFamily="34" charset="0"/>
             </a:endParaRPr>
@@ -15771,98 +15983,98 @@
           <a:p>
             <a:pPr lvl="1"/>
             <a:r>
-              <a:rPr lang="en-US" sz="2200" dirty="0" err="1">
+              <a:rPr lang="en-US" sz="2400" dirty="0" err="1">
                 <a:latin typeface="Arial" panose="020B0604020202020204" pitchFamily="34" charset="0"/>
                 <a:cs typeface="Arial" panose="020B0604020202020204" pitchFamily="34" charset="0"/>
               </a:rPr>
               <a:t>Những</a:t>
             </a:r>
             <a:r>
-              <a:rPr lang="en-US" sz="2200" dirty="0">
-                <a:latin typeface="Arial" panose="020B0604020202020204" pitchFamily="34" charset="0"/>
-                <a:cs typeface="Arial" panose="020B0604020202020204" pitchFamily="34" charset="0"/>
-              </a:rPr>
-              <a:t> </a:t>
-            </a:r>
-            <a:r>
-              <a:rPr lang="en-US" sz="2200" dirty="0" err="1">
+              <a:rPr lang="en-US" sz="2400" dirty="0">
+                <a:latin typeface="Arial" panose="020B0604020202020204" pitchFamily="34" charset="0"/>
+                <a:cs typeface="Arial" panose="020B0604020202020204" pitchFamily="34" charset="0"/>
+              </a:rPr>
+              <a:t> </a:t>
+            </a:r>
+            <a:r>
+              <a:rPr lang="en-US" sz="2400" dirty="0" err="1">
                 <a:latin typeface="Arial" panose="020B0604020202020204" pitchFamily="34" charset="0"/>
                 <a:cs typeface="Arial" panose="020B0604020202020204" pitchFamily="34" charset="0"/>
               </a:rPr>
               <a:t>tính</a:t>
             </a:r>
             <a:r>
-              <a:rPr lang="en-US" sz="2200" dirty="0">
-                <a:latin typeface="Arial" panose="020B0604020202020204" pitchFamily="34" charset="0"/>
-                <a:cs typeface="Arial" panose="020B0604020202020204" pitchFamily="34" charset="0"/>
-              </a:rPr>
-              <a:t> </a:t>
-            </a:r>
-            <a:r>
-              <a:rPr lang="en-US" sz="2200" dirty="0" err="1">
+              <a:rPr lang="en-US" sz="2400" dirty="0">
+                <a:latin typeface="Arial" panose="020B0604020202020204" pitchFamily="34" charset="0"/>
+                <a:cs typeface="Arial" panose="020B0604020202020204" pitchFamily="34" charset="0"/>
+              </a:rPr>
+              <a:t> </a:t>
+            </a:r>
+            <a:r>
+              <a:rPr lang="en-US" sz="2400" dirty="0" err="1">
                 <a:latin typeface="Arial" panose="020B0604020202020204" pitchFamily="34" charset="0"/>
                 <a:cs typeface="Arial" panose="020B0604020202020204" pitchFamily="34" charset="0"/>
               </a:rPr>
               <a:t>chất</a:t>
             </a:r>
             <a:r>
-              <a:rPr lang="en-US" sz="2200" dirty="0">
-                <a:latin typeface="Arial" panose="020B0604020202020204" pitchFamily="34" charset="0"/>
-                <a:cs typeface="Arial" panose="020B0604020202020204" pitchFamily="34" charset="0"/>
-              </a:rPr>
-              <a:t> </a:t>
-            </a:r>
-            <a:r>
-              <a:rPr lang="en-US" sz="2200" dirty="0" err="1">
+              <a:rPr lang="en-US" sz="2400" dirty="0">
+                <a:latin typeface="Arial" panose="020B0604020202020204" pitchFamily="34" charset="0"/>
+                <a:cs typeface="Arial" panose="020B0604020202020204" pitchFamily="34" charset="0"/>
+              </a:rPr>
+              <a:t> </a:t>
+            </a:r>
+            <a:r>
+              <a:rPr lang="en-US" sz="2400" dirty="0" err="1">
                 <a:latin typeface="Arial" panose="020B0604020202020204" pitchFamily="34" charset="0"/>
                 <a:cs typeface="Arial" panose="020B0604020202020204" pitchFamily="34" charset="0"/>
               </a:rPr>
               <a:t>đặc</a:t>
             </a:r>
             <a:r>
-              <a:rPr lang="en-US" sz="2200" dirty="0">
-                <a:latin typeface="Arial" panose="020B0604020202020204" pitchFamily="34" charset="0"/>
-                <a:cs typeface="Arial" panose="020B0604020202020204" pitchFamily="34" charset="0"/>
-              </a:rPr>
-              <a:t> </a:t>
-            </a:r>
-            <a:r>
-              <a:rPr lang="en-US" sz="2200" dirty="0" err="1">
+              <a:rPr lang="en-US" sz="2400" dirty="0">
+                <a:latin typeface="Arial" panose="020B0604020202020204" pitchFamily="34" charset="0"/>
+                <a:cs typeface="Arial" panose="020B0604020202020204" pitchFamily="34" charset="0"/>
+              </a:rPr>
+              <a:t> </a:t>
+            </a:r>
+            <a:r>
+              <a:rPr lang="en-US" sz="2400" dirty="0" err="1">
                 <a:latin typeface="Arial" panose="020B0604020202020204" pitchFamily="34" charset="0"/>
                 <a:cs typeface="Arial" panose="020B0604020202020204" pitchFamily="34" charset="0"/>
               </a:rPr>
               <a:t>thù</a:t>
             </a:r>
             <a:r>
-              <a:rPr lang="en-US" sz="2200" dirty="0">
-                <a:latin typeface="Arial" panose="020B0604020202020204" pitchFamily="34" charset="0"/>
-                <a:cs typeface="Arial" panose="020B0604020202020204" pitchFamily="34" charset="0"/>
-              </a:rPr>
-              <a:t> </a:t>
-            </a:r>
-            <a:r>
-              <a:rPr lang="en-US" sz="2200" dirty="0" err="1">
+              <a:rPr lang="en-US" sz="2400" dirty="0">
+                <a:latin typeface="Arial" panose="020B0604020202020204" pitchFamily="34" charset="0"/>
+                <a:cs typeface="Arial" panose="020B0604020202020204" pitchFamily="34" charset="0"/>
+              </a:rPr>
+              <a:t> </a:t>
+            </a:r>
+            <a:r>
+              <a:rPr lang="en-US" sz="2400" dirty="0" err="1">
                 <a:latin typeface="Arial" panose="020B0604020202020204" pitchFamily="34" charset="0"/>
                 <a:cs typeface="Arial" panose="020B0604020202020204" pitchFamily="34" charset="0"/>
               </a:rPr>
               <a:t>của</a:t>
             </a:r>
             <a:r>
-              <a:rPr lang="en-US" sz="2200" dirty="0">
-                <a:latin typeface="Arial" panose="020B0604020202020204" pitchFamily="34" charset="0"/>
-                <a:cs typeface="Arial" panose="020B0604020202020204" pitchFamily="34" charset="0"/>
-              </a:rPr>
-              <a:t> </a:t>
-            </a:r>
-            <a:r>
-              <a:rPr lang="en-US" sz="2200" dirty="0" err="1">
+              <a:rPr lang="en-US" sz="2400" dirty="0">
+                <a:latin typeface="Arial" panose="020B0604020202020204" pitchFamily="34" charset="0"/>
+                <a:cs typeface="Arial" panose="020B0604020202020204" pitchFamily="34" charset="0"/>
+              </a:rPr>
+              <a:t> </a:t>
+            </a:r>
+            <a:r>
+              <a:rPr lang="en-US" sz="2400" dirty="0" err="1">
                 <a:latin typeface="Arial" panose="020B0604020202020204" pitchFamily="34" charset="0"/>
                 <a:cs typeface="Arial" panose="020B0604020202020204" pitchFamily="34" charset="0"/>
               </a:rPr>
               <a:t>mẫu</a:t>
             </a:r>
             <a:r>
-              <a:rPr lang="en-US" sz="2200" dirty="0">
+              <a:rPr lang="en-US" sz="2400" dirty="0">
                 <a:latin typeface="Arial" panose="020B0604020202020204" pitchFamily="34" charset="0"/>
                 <a:cs typeface="Arial" panose="020B0604020202020204" pitchFamily="34" charset="0"/>
               </a:rPr>
@@ -15872,55 +16084,55 @@
           <a:p>
             <a:pPr lvl="1"/>
             <a:r>
-              <a:rPr lang="en-US" sz="2200" dirty="0" err="1">
+              <a:rPr lang="en-US" sz="2400" dirty="0" err="1">
                 <a:latin typeface="Arial" panose="020B0604020202020204" pitchFamily="34" charset="0"/>
                 <a:cs typeface="Arial" panose="020B0604020202020204" pitchFamily="34" charset="0"/>
               </a:rPr>
               <a:t>Ưu</a:t>
             </a:r>
             <a:r>
-              <a:rPr lang="en-US" sz="2200" dirty="0">
-                <a:latin typeface="Arial" panose="020B0604020202020204" pitchFamily="34" charset="0"/>
-                <a:cs typeface="Arial" panose="020B0604020202020204" pitchFamily="34" charset="0"/>
-              </a:rPr>
-              <a:t> </a:t>
-            </a:r>
-            <a:r>
-              <a:rPr lang="en-US" sz="2200" dirty="0" err="1">
+              <a:rPr lang="en-US" sz="2400" dirty="0">
+                <a:latin typeface="Arial" panose="020B0604020202020204" pitchFamily="34" charset="0"/>
+                <a:cs typeface="Arial" panose="020B0604020202020204" pitchFamily="34" charset="0"/>
+              </a:rPr>
+              <a:t> </a:t>
+            </a:r>
+            <a:r>
+              <a:rPr lang="en-US" sz="2400" dirty="0" err="1">
                 <a:latin typeface="Arial" panose="020B0604020202020204" pitchFamily="34" charset="0"/>
                 <a:cs typeface="Arial" panose="020B0604020202020204" pitchFamily="34" charset="0"/>
               </a:rPr>
               <a:t>và</a:t>
             </a:r>
             <a:r>
-              <a:rPr lang="en-US" sz="2200" dirty="0">
-                <a:latin typeface="Arial" panose="020B0604020202020204" pitchFamily="34" charset="0"/>
-                <a:cs typeface="Arial" panose="020B0604020202020204" pitchFamily="34" charset="0"/>
-              </a:rPr>
-              <a:t> </a:t>
-            </a:r>
-            <a:r>
-              <a:rPr lang="en-US" sz="2200" dirty="0" err="1">
+              <a:rPr lang="en-US" sz="2400" dirty="0">
+                <a:latin typeface="Arial" panose="020B0604020202020204" pitchFamily="34" charset="0"/>
+                <a:cs typeface="Arial" panose="020B0604020202020204" pitchFamily="34" charset="0"/>
+              </a:rPr>
+              <a:t> </a:t>
+            </a:r>
+            <a:r>
+              <a:rPr lang="en-US" sz="2400" dirty="0" err="1">
                 <a:latin typeface="Arial" panose="020B0604020202020204" pitchFamily="34" charset="0"/>
                 <a:cs typeface="Arial" panose="020B0604020202020204" pitchFamily="34" charset="0"/>
               </a:rPr>
               <a:t>nhược</a:t>
             </a:r>
             <a:r>
-              <a:rPr lang="en-US" sz="2200" dirty="0">
-                <a:latin typeface="Arial" panose="020B0604020202020204" pitchFamily="34" charset="0"/>
-                <a:cs typeface="Arial" panose="020B0604020202020204" pitchFamily="34" charset="0"/>
-              </a:rPr>
-              <a:t> </a:t>
-            </a:r>
-            <a:r>
-              <a:rPr lang="en-US" sz="2200" dirty="0" err="1">
+              <a:rPr lang="en-US" sz="2400" dirty="0">
+                <a:latin typeface="Arial" panose="020B0604020202020204" pitchFamily="34" charset="0"/>
+                <a:cs typeface="Arial" panose="020B0604020202020204" pitchFamily="34" charset="0"/>
+              </a:rPr>
+              <a:t> </a:t>
+            </a:r>
+            <a:r>
+              <a:rPr lang="en-US" sz="2400" dirty="0" err="1">
                 <a:latin typeface="Arial" panose="020B0604020202020204" pitchFamily="34" charset="0"/>
                 <a:cs typeface="Arial" panose="020B0604020202020204" pitchFamily="34" charset="0"/>
               </a:rPr>
               <a:t>điểm</a:t>
             </a:r>
-            <a:endParaRPr lang="en-US" sz="2200" dirty="0">
+            <a:endParaRPr lang="en-US" sz="2400" dirty="0">
               <a:latin typeface="Arial" panose="020B0604020202020204" pitchFamily="34" charset="0"/>
               <a:cs typeface="Arial" panose="020B0604020202020204" pitchFamily="34" charset="0"/>
             </a:endParaRPr>
@@ -15928,107 +16140,107 @@
           <a:p>
             <a:pPr lvl="1"/>
             <a:r>
-              <a:rPr lang="en-US" sz="2200" dirty="0" err="1">
+              <a:rPr lang="en-US" sz="2400" dirty="0" err="1">
                 <a:latin typeface="Arial" panose="020B0604020202020204" pitchFamily="34" charset="0"/>
                 <a:cs typeface="Arial" panose="020B0604020202020204" pitchFamily="34" charset="0"/>
               </a:rPr>
               <a:t>Các</a:t>
             </a:r>
             <a:r>
-              <a:rPr lang="en-US" sz="2200" dirty="0">
-                <a:latin typeface="Arial" panose="020B0604020202020204" pitchFamily="34" charset="0"/>
-                <a:cs typeface="Arial" panose="020B0604020202020204" pitchFamily="34" charset="0"/>
-              </a:rPr>
-              <a:t> </a:t>
-            </a:r>
-            <a:r>
-              <a:rPr lang="en-US" sz="2200" dirty="0" err="1">
+              <a:rPr lang="en-US" sz="2400" dirty="0">
+                <a:latin typeface="Arial" panose="020B0604020202020204" pitchFamily="34" charset="0"/>
+                <a:cs typeface="Arial" panose="020B0604020202020204" pitchFamily="34" charset="0"/>
+              </a:rPr>
+              <a:t> </a:t>
+            </a:r>
+            <a:r>
+              <a:rPr lang="en-US" sz="2400" dirty="0" err="1">
                 <a:latin typeface="Arial" panose="020B0604020202020204" pitchFamily="34" charset="0"/>
                 <a:cs typeface="Arial" panose="020B0604020202020204" pitchFamily="34" charset="0"/>
               </a:rPr>
               <a:t>mẫu</a:t>
             </a:r>
             <a:r>
-              <a:rPr lang="en-US" sz="2200" dirty="0">
-                <a:latin typeface="Arial" panose="020B0604020202020204" pitchFamily="34" charset="0"/>
-                <a:cs typeface="Arial" panose="020B0604020202020204" pitchFamily="34" charset="0"/>
-              </a:rPr>
-              <a:t> </a:t>
-            </a:r>
-            <a:r>
-              <a:rPr lang="en-US" sz="2200" dirty="0" err="1">
+              <a:rPr lang="en-US" sz="2400" dirty="0">
+                <a:latin typeface="Arial" panose="020B0604020202020204" pitchFamily="34" charset="0"/>
+                <a:cs typeface="Arial" panose="020B0604020202020204" pitchFamily="34" charset="0"/>
+              </a:rPr>
+              <a:t> </a:t>
+            </a:r>
+            <a:r>
+              <a:rPr lang="en-US" sz="2400" dirty="0" err="1">
                 <a:latin typeface="Arial" panose="020B0604020202020204" pitchFamily="34" charset="0"/>
                 <a:cs typeface="Arial" panose="020B0604020202020204" pitchFamily="34" charset="0"/>
               </a:rPr>
               <a:t>thiết</a:t>
             </a:r>
             <a:r>
-              <a:rPr lang="en-US" sz="2200" dirty="0">
-                <a:latin typeface="Arial" panose="020B0604020202020204" pitchFamily="34" charset="0"/>
-                <a:cs typeface="Arial" panose="020B0604020202020204" pitchFamily="34" charset="0"/>
-              </a:rPr>
-              <a:t> </a:t>
-            </a:r>
-            <a:r>
-              <a:rPr lang="en-US" sz="2200" dirty="0" err="1">
+              <a:rPr lang="en-US" sz="2400" dirty="0">
+                <a:latin typeface="Arial" panose="020B0604020202020204" pitchFamily="34" charset="0"/>
+                <a:cs typeface="Arial" panose="020B0604020202020204" pitchFamily="34" charset="0"/>
+              </a:rPr>
+              <a:t> </a:t>
+            </a:r>
+            <a:r>
+              <a:rPr lang="en-US" sz="2400" dirty="0" err="1">
                 <a:latin typeface="Arial" panose="020B0604020202020204" pitchFamily="34" charset="0"/>
                 <a:cs typeface="Arial" panose="020B0604020202020204" pitchFamily="34" charset="0"/>
               </a:rPr>
               <a:t>kế</a:t>
             </a:r>
             <a:r>
-              <a:rPr lang="en-US" sz="2200" dirty="0">
-                <a:latin typeface="Arial" panose="020B0604020202020204" pitchFamily="34" charset="0"/>
-                <a:cs typeface="Arial" panose="020B0604020202020204" pitchFamily="34" charset="0"/>
-              </a:rPr>
-              <a:t> </a:t>
-            </a:r>
-            <a:r>
-              <a:rPr lang="en-US" sz="2200" dirty="0" err="1">
+              <a:rPr lang="en-US" sz="2400" dirty="0">
+                <a:latin typeface="Arial" panose="020B0604020202020204" pitchFamily="34" charset="0"/>
+                <a:cs typeface="Arial" panose="020B0604020202020204" pitchFamily="34" charset="0"/>
+              </a:rPr>
+              <a:t> </a:t>
+            </a:r>
+            <a:r>
+              <a:rPr lang="en-US" sz="2400" dirty="0" err="1">
                 <a:latin typeface="Arial" panose="020B0604020202020204" pitchFamily="34" charset="0"/>
                 <a:cs typeface="Arial" panose="020B0604020202020204" pitchFamily="34" charset="0"/>
               </a:rPr>
               <a:t>có</a:t>
             </a:r>
             <a:r>
-              <a:rPr lang="en-US" sz="2200" dirty="0">
-                <a:latin typeface="Arial" panose="020B0604020202020204" pitchFamily="34" charset="0"/>
-                <a:cs typeface="Arial" panose="020B0604020202020204" pitchFamily="34" charset="0"/>
-              </a:rPr>
-              <a:t> </a:t>
-            </a:r>
-            <a:r>
-              <a:rPr lang="en-US" sz="2200" dirty="0" err="1">
+              <a:rPr lang="en-US" sz="2400" dirty="0">
+                <a:latin typeface="Arial" panose="020B0604020202020204" pitchFamily="34" charset="0"/>
+                <a:cs typeface="Arial" panose="020B0604020202020204" pitchFamily="34" charset="0"/>
+              </a:rPr>
+              <a:t> </a:t>
+            </a:r>
+            <a:r>
+              <a:rPr lang="en-US" sz="2400" dirty="0" err="1">
                 <a:latin typeface="Arial" panose="020B0604020202020204" pitchFamily="34" charset="0"/>
                 <a:cs typeface="Arial" panose="020B0604020202020204" pitchFamily="34" charset="0"/>
               </a:rPr>
               <a:t>liên</a:t>
             </a:r>
             <a:r>
-              <a:rPr lang="en-US" sz="2200" dirty="0">
-                <a:latin typeface="Arial" panose="020B0604020202020204" pitchFamily="34" charset="0"/>
-                <a:cs typeface="Arial" panose="020B0604020202020204" pitchFamily="34" charset="0"/>
-              </a:rPr>
-              <a:t> </a:t>
-            </a:r>
-            <a:r>
-              <a:rPr lang="en-US" sz="2200" dirty="0" err="1">
+              <a:rPr lang="en-US" sz="2400" dirty="0">
+                <a:latin typeface="Arial" panose="020B0604020202020204" pitchFamily="34" charset="0"/>
+                <a:cs typeface="Arial" panose="020B0604020202020204" pitchFamily="34" charset="0"/>
+              </a:rPr>
+              <a:t> </a:t>
+            </a:r>
+            <a:r>
+              <a:rPr lang="en-US" sz="2400" dirty="0" err="1">
                 <a:latin typeface="Arial" panose="020B0604020202020204" pitchFamily="34" charset="0"/>
                 <a:cs typeface="Arial" panose="020B0604020202020204" pitchFamily="34" charset="0"/>
               </a:rPr>
               <a:t>quan</a:t>
             </a:r>
             <a:r>
-              <a:rPr lang="en-US" sz="2200" dirty="0">
-                <a:latin typeface="Arial" panose="020B0604020202020204" pitchFamily="34" charset="0"/>
-                <a:cs typeface="Arial" panose="020B0604020202020204" pitchFamily="34" charset="0"/>
-              </a:rPr>
-              <a:t> </a:t>
-            </a:r>
-          </a:p>
-          <a:p>
-            <a:r>
-              <a:rPr lang="en-US" sz="2200" b="1" dirty="0">
+              <a:rPr lang="en-US" sz="2400" dirty="0">
+                <a:latin typeface="Arial" panose="020B0604020202020204" pitchFamily="34" charset="0"/>
+                <a:cs typeface="Arial" panose="020B0604020202020204" pitchFamily="34" charset="0"/>
+              </a:rPr>
+              <a:t> </a:t>
+            </a:r>
+          </a:p>
+          <a:p>
+            <a:r>
+              <a:rPr lang="en-US" sz="2400" b="1" dirty="0">
                 <a:latin typeface="Arial"/>
                 <a:cs typeface="Arial"/>
               </a:rPr>
@@ -16038,56 +16250,56 @@
           <a:p>
             <a:pPr lvl="1"/>
             <a:r>
-              <a:rPr lang="en-US" sz="2200" dirty="0" err="1">
+              <a:rPr lang="en-US" sz="2400" dirty="0" err="1">
                 <a:latin typeface="Arial" panose="020B0604020202020204" pitchFamily="34" charset="0"/>
                 <a:cs typeface="Arial" panose="020B0604020202020204" pitchFamily="34" charset="0"/>
               </a:rPr>
               <a:t>Constuctor</a:t>
             </a:r>
             <a:r>
-              <a:rPr lang="en-US" sz="2200" dirty="0">
-                <a:latin typeface="Arial" panose="020B0604020202020204" pitchFamily="34" charset="0"/>
-                <a:cs typeface="Arial" panose="020B0604020202020204" pitchFamily="34" charset="0"/>
-              </a:rPr>
-              <a:t> </a:t>
-            </a:r>
-            <a:r>
-              <a:rPr lang="en-US" sz="2200" dirty="0" err="1">
+              <a:rPr lang="en-US" sz="2400" dirty="0">
+                <a:latin typeface="Arial" panose="020B0604020202020204" pitchFamily="34" charset="0"/>
+                <a:cs typeface="Arial" panose="020B0604020202020204" pitchFamily="34" charset="0"/>
+              </a:rPr>
+              <a:t> </a:t>
+            </a:r>
+            <a:r>
+              <a:rPr lang="en-US" sz="2400" dirty="0" err="1">
                 <a:latin typeface="Arial" panose="020B0604020202020204" pitchFamily="34" charset="0"/>
                 <a:cs typeface="Arial" panose="020B0604020202020204" pitchFamily="34" charset="0"/>
               </a:rPr>
               <a:t>parttern</a:t>
             </a:r>
             <a:r>
-              <a:rPr lang="en-US" sz="2200" dirty="0">
-                <a:latin typeface="Arial" panose="020B0604020202020204" pitchFamily="34" charset="0"/>
-                <a:cs typeface="Arial" panose="020B0604020202020204" pitchFamily="34" charset="0"/>
-              </a:rPr>
-              <a:t> </a:t>
-            </a:r>
-            <a:r>
-              <a:rPr lang="en-US" sz="2200" dirty="0" err="1">
+              <a:rPr lang="en-US" sz="2400" dirty="0">
+                <a:latin typeface="Arial" panose="020B0604020202020204" pitchFamily="34" charset="0"/>
+                <a:cs typeface="Arial" panose="020B0604020202020204" pitchFamily="34" charset="0"/>
+              </a:rPr>
+              <a:t> </a:t>
+            </a:r>
+            <a:r>
+              <a:rPr lang="en-US" sz="2400" dirty="0" err="1">
                 <a:latin typeface="Arial" panose="020B0604020202020204" pitchFamily="34" charset="0"/>
                 <a:cs typeface="Arial" panose="020B0604020202020204" pitchFamily="34" charset="0"/>
               </a:rPr>
               <a:t>là</a:t>
             </a:r>
             <a:r>
-              <a:rPr lang="en-US" sz="2200" dirty="0">
-                <a:latin typeface="Arial" panose="020B0604020202020204" pitchFamily="34" charset="0"/>
-                <a:cs typeface="Arial" panose="020B0604020202020204" pitchFamily="34" charset="0"/>
-              </a:rPr>
-              <a:t> </a:t>
-            </a:r>
-            <a:r>
-              <a:rPr lang="en-US" sz="2200" dirty="0" err="1">
+              <a:rPr lang="en-US" sz="2400" dirty="0">
+                <a:latin typeface="Arial" panose="020B0604020202020204" pitchFamily="34" charset="0"/>
+                <a:cs typeface="Arial" panose="020B0604020202020204" pitchFamily="34" charset="0"/>
+              </a:rPr>
+              <a:t> </a:t>
+            </a:r>
+            <a:r>
+              <a:rPr lang="en-US" sz="2400" dirty="0" err="1">
                 <a:latin typeface="Arial" panose="020B0604020202020204" pitchFamily="34" charset="0"/>
                 <a:cs typeface="Arial" panose="020B0604020202020204" pitchFamily="34" charset="0"/>
               </a:rPr>
               <a:t>gì</a:t>
             </a:r>
             <a:r>
-              <a:rPr lang="en-US" sz="2200" dirty="0">
+              <a:rPr lang="en-US" sz="2400" dirty="0">
                 <a:latin typeface="Arial" panose="020B0604020202020204" pitchFamily="34" charset="0"/>
                 <a:cs typeface="Arial" panose="020B0604020202020204" pitchFamily="34" charset="0"/>
               </a:rPr>
@@ -16097,35 +16309,35 @@
           <a:p>
             <a:pPr lvl="1"/>
             <a:r>
-              <a:rPr lang="en-US" sz="2200" dirty="0">
+              <a:rPr lang="en-US" sz="2400" dirty="0">
                 <a:latin typeface="Arial" panose="020B0604020202020204" pitchFamily="34" charset="0"/>
                 <a:cs typeface="Arial" panose="020B0604020202020204" pitchFamily="34" charset="0"/>
               </a:rPr>
               <a:t>Adapter pattern </a:t>
             </a:r>
             <a:r>
-              <a:rPr lang="en-US" sz="2200" dirty="0" err="1">
+              <a:rPr lang="en-US" sz="2400" dirty="0" err="1">
                 <a:latin typeface="Arial" panose="020B0604020202020204" pitchFamily="34" charset="0"/>
                 <a:cs typeface="Arial" panose="020B0604020202020204" pitchFamily="34" charset="0"/>
               </a:rPr>
               <a:t>là</a:t>
             </a:r>
             <a:r>
-              <a:rPr lang="en-US" sz="2200" dirty="0">
-                <a:latin typeface="Arial" panose="020B0604020202020204" pitchFamily="34" charset="0"/>
-                <a:cs typeface="Arial" panose="020B0604020202020204" pitchFamily="34" charset="0"/>
-              </a:rPr>
-              <a:t> </a:t>
-            </a:r>
-            <a:r>
-              <a:rPr lang="en-US" sz="2200" dirty="0" err="1">
+              <a:rPr lang="en-US" sz="2400" dirty="0">
+                <a:latin typeface="Arial" panose="020B0604020202020204" pitchFamily="34" charset="0"/>
+                <a:cs typeface="Arial" panose="020B0604020202020204" pitchFamily="34" charset="0"/>
+              </a:rPr>
+              <a:t> </a:t>
+            </a:r>
+            <a:r>
+              <a:rPr lang="en-US" sz="2400" dirty="0" err="1">
                 <a:latin typeface="Arial" panose="020B0604020202020204" pitchFamily="34" charset="0"/>
                 <a:cs typeface="Arial" panose="020B0604020202020204" pitchFamily="34" charset="0"/>
               </a:rPr>
               <a:t>gì</a:t>
             </a:r>
             <a:r>
-              <a:rPr lang="en-US" sz="2200" dirty="0">
+              <a:rPr lang="en-US" sz="2400" dirty="0">
                 <a:latin typeface="Arial" panose="020B0604020202020204" pitchFamily="34" charset="0"/>
                 <a:cs typeface="Arial" panose="020B0604020202020204" pitchFamily="34" charset="0"/>
               </a:rPr>
@@ -16135,42 +16347,42 @@
           <a:p>
             <a:pPr lvl="1"/>
             <a:r>
-              <a:rPr lang="en-US" sz="2200" dirty="0" err="1">
+              <a:rPr lang="en-US" sz="2400" dirty="0" err="1">
                 <a:latin typeface="Arial" panose="020B0604020202020204" pitchFamily="34" charset="0"/>
                 <a:cs typeface="Arial" panose="020B0604020202020204" pitchFamily="34" charset="0"/>
               </a:rPr>
               <a:t>Các</a:t>
             </a:r>
             <a:r>
-              <a:rPr lang="en-US" sz="2200" dirty="0">
-                <a:latin typeface="Arial" panose="020B0604020202020204" pitchFamily="34" charset="0"/>
-                <a:cs typeface="Arial" panose="020B0604020202020204" pitchFamily="34" charset="0"/>
-              </a:rPr>
-              <a:t> </a:t>
-            </a:r>
-            <a:r>
-              <a:rPr lang="en-US" sz="2200" dirty="0" err="1">
+              <a:rPr lang="en-US" sz="2400" dirty="0">
+                <a:latin typeface="Arial" panose="020B0604020202020204" pitchFamily="34" charset="0"/>
+                <a:cs typeface="Arial" panose="020B0604020202020204" pitchFamily="34" charset="0"/>
+              </a:rPr>
+              <a:t> </a:t>
+            </a:r>
+            <a:r>
+              <a:rPr lang="en-US" sz="2400" dirty="0" err="1">
                 <a:latin typeface="Arial" panose="020B0604020202020204" pitchFamily="34" charset="0"/>
                 <a:cs typeface="Arial" panose="020B0604020202020204" pitchFamily="34" charset="0"/>
               </a:rPr>
               <a:t>loại</a:t>
             </a:r>
             <a:r>
-              <a:rPr lang="en-US" sz="2200" dirty="0">
-                <a:latin typeface="Arial" panose="020B0604020202020204" pitchFamily="34" charset="0"/>
-                <a:cs typeface="Arial" panose="020B0604020202020204" pitchFamily="34" charset="0"/>
-              </a:rPr>
-              <a:t> </a:t>
-            </a:r>
-            <a:r>
-              <a:rPr lang="en-US" sz="2200" dirty="0" err="1">
+              <a:rPr lang="en-US" sz="2400" dirty="0">
+                <a:latin typeface="Arial" panose="020B0604020202020204" pitchFamily="34" charset="0"/>
+                <a:cs typeface="Arial" panose="020B0604020202020204" pitchFamily="34" charset="0"/>
+              </a:rPr>
+              <a:t> </a:t>
+            </a:r>
+            <a:r>
+              <a:rPr lang="en-US" sz="2400" dirty="0" err="1">
                 <a:latin typeface="Arial" panose="020B0604020202020204" pitchFamily="34" charset="0"/>
                 <a:cs typeface="Arial" panose="020B0604020202020204" pitchFamily="34" charset="0"/>
               </a:rPr>
               <a:t>của</a:t>
             </a:r>
             <a:r>
-              <a:rPr lang="en-US" sz="2200" dirty="0">
+              <a:rPr lang="en-US" sz="2400" dirty="0">
                 <a:latin typeface="Arial" panose="020B0604020202020204" pitchFamily="34" charset="0"/>
                 <a:cs typeface="Arial" panose="020B0604020202020204" pitchFamily="34" charset="0"/>
               </a:rPr>
@@ -16180,42 +16392,42 @@
           <a:p>
             <a:pPr lvl="1"/>
             <a:r>
-              <a:rPr lang="en-US" sz="2200" dirty="0" err="1">
+              <a:rPr lang="en-US" sz="2400" dirty="0" err="1">
                 <a:latin typeface="Arial" panose="020B0604020202020204" pitchFamily="34" charset="0"/>
                 <a:cs typeface="Arial" panose="020B0604020202020204" pitchFamily="34" charset="0"/>
               </a:rPr>
               <a:t>Lợi</a:t>
             </a:r>
             <a:r>
-              <a:rPr lang="en-US" sz="2200" dirty="0">
+              <a:rPr lang="en-US" sz="2400" dirty="0">
                 <a:latin typeface="Arial" panose="020B0604020202020204" pitchFamily="34" charset="0"/>
                 <a:cs typeface="Arial" panose="020B0604020202020204" pitchFamily="34" charset="0"/>
               </a:rPr>
               <a:t> &amp; </a:t>
             </a:r>
             <a:r>
-              <a:rPr lang="en-US" sz="2200" dirty="0" err="1">
+              <a:rPr lang="en-US" sz="2400" dirty="0" err="1">
                 <a:latin typeface="Arial" panose="020B0604020202020204" pitchFamily="34" charset="0"/>
                 <a:cs typeface="Arial" panose="020B0604020202020204" pitchFamily="34" charset="0"/>
               </a:rPr>
               <a:t>hại</a:t>
             </a:r>
             <a:r>
-              <a:rPr lang="en-US" sz="2200" dirty="0">
-                <a:latin typeface="Arial" panose="020B0604020202020204" pitchFamily="34" charset="0"/>
-                <a:cs typeface="Arial" panose="020B0604020202020204" pitchFamily="34" charset="0"/>
-              </a:rPr>
-              <a:t> </a:t>
-            </a:r>
-            <a:r>
-              <a:rPr lang="en-US" sz="2200" dirty="0" err="1">
+              <a:rPr lang="en-US" sz="2400" dirty="0">
+                <a:latin typeface="Arial" panose="020B0604020202020204" pitchFamily="34" charset="0"/>
+                <a:cs typeface="Arial" panose="020B0604020202020204" pitchFamily="34" charset="0"/>
+              </a:rPr>
+              <a:t> </a:t>
+            </a:r>
+            <a:r>
+              <a:rPr lang="en-US" sz="2400" dirty="0" err="1">
                 <a:latin typeface="Arial" panose="020B0604020202020204" pitchFamily="34" charset="0"/>
                 <a:cs typeface="Arial" panose="020B0604020202020204" pitchFamily="34" charset="0"/>
               </a:rPr>
               <a:t>của</a:t>
             </a:r>
             <a:r>
-              <a:rPr lang="en-US" sz="2200" dirty="0">
+              <a:rPr lang="en-US" sz="2400" dirty="0">
                 <a:latin typeface="Arial" panose="020B0604020202020204" pitchFamily="34" charset="0"/>
                 <a:cs typeface="Arial" panose="020B0604020202020204" pitchFamily="34" charset="0"/>
               </a:rPr>
@@ -16225,108 +16437,108 @@
           <a:p>
             <a:pPr lvl="1"/>
             <a:r>
-              <a:rPr lang="en-US" sz="2200" dirty="0" err="1">
+              <a:rPr lang="en-US" sz="2400" dirty="0" err="1">
                 <a:latin typeface="Arial" panose="020B0604020202020204" pitchFamily="34" charset="0"/>
                 <a:cs typeface="Arial" panose="020B0604020202020204" pitchFamily="34" charset="0"/>
               </a:rPr>
               <a:t>Các</a:t>
             </a:r>
             <a:r>
-              <a:rPr lang="en-US" sz="2200" dirty="0">
-                <a:latin typeface="Arial" panose="020B0604020202020204" pitchFamily="34" charset="0"/>
-                <a:cs typeface="Arial" panose="020B0604020202020204" pitchFamily="34" charset="0"/>
-              </a:rPr>
-              <a:t> </a:t>
-            </a:r>
-            <a:r>
-              <a:rPr lang="en-US" sz="2200" dirty="0" err="1">
+              <a:rPr lang="en-US" sz="2400" dirty="0">
+                <a:latin typeface="Arial" panose="020B0604020202020204" pitchFamily="34" charset="0"/>
+                <a:cs typeface="Arial" panose="020B0604020202020204" pitchFamily="34" charset="0"/>
+              </a:rPr>
+              <a:t> </a:t>
+            </a:r>
+            <a:r>
+              <a:rPr lang="en-US" sz="2400" dirty="0" err="1">
                 <a:latin typeface="Arial" panose="020B0604020202020204" pitchFamily="34" charset="0"/>
                 <a:cs typeface="Arial" panose="020B0604020202020204" pitchFamily="34" charset="0"/>
               </a:rPr>
               <a:t>mẫu</a:t>
             </a:r>
             <a:r>
-              <a:rPr lang="en-US" sz="2200" dirty="0">
-                <a:latin typeface="Arial" panose="020B0604020202020204" pitchFamily="34" charset="0"/>
-                <a:cs typeface="Arial" panose="020B0604020202020204" pitchFamily="34" charset="0"/>
-              </a:rPr>
-              <a:t> </a:t>
-            </a:r>
-            <a:r>
-              <a:rPr lang="en-US" sz="2200" dirty="0" err="1">
+              <a:rPr lang="en-US" sz="2400" dirty="0">
+                <a:latin typeface="Arial" panose="020B0604020202020204" pitchFamily="34" charset="0"/>
+                <a:cs typeface="Arial" panose="020B0604020202020204" pitchFamily="34" charset="0"/>
+              </a:rPr>
+              <a:t> </a:t>
+            </a:r>
+            <a:r>
+              <a:rPr lang="en-US" sz="2400" dirty="0" err="1">
                 <a:latin typeface="Arial" panose="020B0604020202020204" pitchFamily="34" charset="0"/>
                 <a:cs typeface="Arial" panose="020B0604020202020204" pitchFamily="34" charset="0"/>
               </a:rPr>
               <a:t>thiết</a:t>
             </a:r>
             <a:r>
-              <a:rPr lang="en-US" sz="2200" dirty="0">
-                <a:latin typeface="Arial" panose="020B0604020202020204" pitchFamily="34" charset="0"/>
-                <a:cs typeface="Arial" panose="020B0604020202020204" pitchFamily="34" charset="0"/>
-              </a:rPr>
-              <a:t> </a:t>
-            </a:r>
-            <a:r>
-              <a:rPr lang="en-US" sz="2200" dirty="0" err="1">
+              <a:rPr lang="en-US" sz="2400" dirty="0">
+                <a:latin typeface="Arial" panose="020B0604020202020204" pitchFamily="34" charset="0"/>
+                <a:cs typeface="Arial" panose="020B0604020202020204" pitchFamily="34" charset="0"/>
+              </a:rPr>
+              <a:t> </a:t>
+            </a:r>
+            <a:r>
+              <a:rPr lang="en-US" sz="2400" dirty="0" err="1">
                 <a:latin typeface="Arial" panose="020B0604020202020204" pitchFamily="34" charset="0"/>
                 <a:cs typeface="Arial" panose="020B0604020202020204" pitchFamily="34" charset="0"/>
               </a:rPr>
               <a:t>kế</a:t>
             </a:r>
             <a:r>
-              <a:rPr lang="en-US" sz="2200" dirty="0">
-                <a:latin typeface="Arial" panose="020B0604020202020204" pitchFamily="34" charset="0"/>
-                <a:cs typeface="Arial" panose="020B0604020202020204" pitchFamily="34" charset="0"/>
-              </a:rPr>
-              <a:t> </a:t>
-            </a:r>
-            <a:r>
-              <a:rPr lang="en-US" sz="2200" dirty="0" err="1">
+              <a:rPr lang="en-US" sz="2400" dirty="0">
+                <a:latin typeface="Arial" panose="020B0604020202020204" pitchFamily="34" charset="0"/>
+                <a:cs typeface="Arial" panose="020B0604020202020204" pitchFamily="34" charset="0"/>
+              </a:rPr>
+              <a:t> </a:t>
+            </a:r>
+            <a:r>
+              <a:rPr lang="en-US" sz="2400" dirty="0" err="1">
                 <a:latin typeface="Arial" panose="020B0604020202020204" pitchFamily="34" charset="0"/>
                 <a:cs typeface="Arial" panose="020B0604020202020204" pitchFamily="34" charset="0"/>
               </a:rPr>
               <a:t>có</a:t>
             </a:r>
             <a:r>
-              <a:rPr lang="en-US" sz="2200" dirty="0">
-                <a:latin typeface="Arial" panose="020B0604020202020204" pitchFamily="34" charset="0"/>
-                <a:cs typeface="Arial" panose="020B0604020202020204" pitchFamily="34" charset="0"/>
-              </a:rPr>
-              <a:t> </a:t>
-            </a:r>
-            <a:r>
-              <a:rPr lang="en-US" sz="2200" dirty="0" err="1">
+              <a:rPr lang="en-US" sz="2400" dirty="0">
+                <a:latin typeface="Arial" panose="020B0604020202020204" pitchFamily="34" charset="0"/>
+                <a:cs typeface="Arial" panose="020B0604020202020204" pitchFamily="34" charset="0"/>
+              </a:rPr>
+              <a:t> </a:t>
+            </a:r>
+            <a:r>
+              <a:rPr lang="en-US" sz="2400" dirty="0" err="1">
                 <a:latin typeface="Arial" panose="020B0604020202020204" pitchFamily="34" charset="0"/>
                 <a:cs typeface="Arial" panose="020B0604020202020204" pitchFamily="34" charset="0"/>
               </a:rPr>
               <a:t>liên</a:t>
             </a:r>
             <a:r>
-              <a:rPr lang="en-US" sz="2200" dirty="0">
-                <a:latin typeface="Arial" panose="020B0604020202020204" pitchFamily="34" charset="0"/>
-                <a:cs typeface="Arial" panose="020B0604020202020204" pitchFamily="34" charset="0"/>
-              </a:rPr>
-              <a:t> </a:t>
-            </a:r>
-            <a:r>
-              <a:rPr lang="en-US" sz="2200" dirty="0" err="1">
+              <a:rPr lang="en-US" sz="2400" dirty="0">
+                <a:latin typeface="Arial" panose="020B0604020202020204" pitchFamily="34" charset="0"/>
+                <a:cs typeface="Arial" panose="020B0604020202020204" pitchFamily="34" charset="0"/>
+              </a:rPr>
+              <a:t> </a:t>
+            </a:r>
+            <a:r>
+              <a:rPr lang="en-US" sz="2400" dirty="0" err="1">
                 <a:latin typeface="Arial" panose="020B0604020202020204" pitchFamily="34" charset="0"/>
                 <a:cs typeface="Arial" panose="020B0604020202020204" pitchFamily="34" charset="0"/>
               </a:rPr>
               <a:t>quan</a:t>
             </a:r>
-            <a:endParaRPr lang="en-US" sz="2200" dirty="0">
+            <a:endParaRPr lang="en-US" sz="2400" dirty="0">
               <a:latin typeface="Arial" panose="020B0604020202020204" pitchFamily="34" charset="0"/>
               <a:cs typeface="Arial" panose="020B0604020202020204" pitchFamily="34" charset="0"/>
             </a:endParaRPr>
           </a:p>
           <a:p>
             <a:pPr lvl="1"/>
-            <a:endParaRPr lang="en-US" dirty="0"/>
+            <a:endParaRPr lang="en-US" sz="1800" dirty="0"/>
           </a:p>
           <a:p>
             <a:pPr lvl="1"/>
-            <a:endParaRPr lang="en-US" dirty="0">
+            <a:endParaRPr lang="en-US" sz="1800" dirty="0">
               <a:latin typeface="Arial" panose="020B0604020202020204" pitchFamily="34" charset="0"/>
               <a:cs typeface="Arial" panose="020B0604020202020204" pitchFamily="34" charset="0"/>
             </a:endParaRPr>
@@ -16346,6 +16558,13 @@
   <p:transition spd="slow">
     <p:wipe/>
   </p:transition>
+  <p:timing>
+    <p:tnLst>
+      <p:par>
+        <p:cTn id="1" dur="indefinite" restart="never" nodeType="tmRoot"/>
+      </p:par>
+    </p:tnLst>
+  </p:timing>
 </p:sld>
 </file>
 
@@ -16508,8 +16727,8 @@
         </p:nvSpPr>
         <p:spPr>
           <a:xfrm>
-            <a:off x="4625176" y="2724073"/>
-            <a:ext cx="6518886" cy="2960914"/>
+            <a:off x="4515992" y="1891556"/>
+            <a:ext cx="6729761" cy="2960914"/>
           </a:xfrm>
           <a:prstGeom prst="rect">
             <a:avLst/>
@@ -16739,26 +16958,47 @@
           </a:lstStyle>
           <a:p>
             <a:r>
-              <a:rPr lang="en-US" sz="2400">
+              <a:rPr lang="en-US" sz="2800">
                 <a:latin typeface="Arial"/>
                 <a:cs typeface="Arial"/>
               </a:rPr>
-              <a:t>Theo Gang of Four patterns thì Single Pattern là một design pattern trong số 5 design pattern thuộc nhóm Creational Design Pattern</a:t>
-            </a:r>
-          </a:p>
-          <a:p>
-            <a:endParaRPr lang="en-US" sz="2400">
+              <a:t>Theo Gang of Four patterns thì </a:t>
+            </a:r>
+            <a:r>
+              <a:rPr lang="en-US" sz="2800" smtClean="0">
+                <a:latin typeface="Arial"/>
+                <a:cs typeface="Arial"/>
+              </a:rPr>
+              <a:t>Singleton </a:t>
+            </a:r>
+            <a:r>
+              <a:rPr lang="en-US" sz="2800">
+                <a:latin typeface="Arial"/>
+                <a:cs typeface="Arial"/>
+              </a:rPr>
+              <a:t>Pattern là một design pattern trong số 5 design pattern thuộc nhóm Creational Design Pattern</a:t>
+            </a:r>
+          </a:p>
+          <a:p>
+            <a:endParaRPr lang="en-US" sz="2800">
               <a:latin typeface="Arial"/>
               <a:cs typeface="Arial"/>
             </a:endParaRPr>
           </a:p>
           <a:p>
             <a:r>
-              <a:rPr lang="en-US" sz="2400">
+              <a:rPr lang="en-US" sz="2800" smtClean="0">
                 <a:latin typeface="Arial"/>
                 <a:cs typeface="Arial"/>
               </a:rPr>
-              <a:t>Single Pattern là một design pattern mà: Đảm bảo rằng một class chỉ có duy nhất một instance, và cung cấp một cách để truy cấp tới instance đó.</a:t>
+              <a:t>Singleton </a:t>
+            </a:r>
+            <a:r>
+              <a:rPr lang="en-US" sz="2800">
+                <a:latin typeface="Arial"/>
+                <a:cs typeface="Arial"/>
+              </a:rPr>
+              <a:t>Pattern là một design pattern mà: Đảm bảo rằng một class chỉ có duy nhất một instance, và cung cấp một cách để truy cấp tới instance đó.</a:t>
             </a:r>
           </a:p>
         </p:txBody>
@@ -16783,7 +17023,7 @@
         </p:blipFill>
         <p:spPr>
           <a:xfrm>
-            <a:off x="436806" y="2089827"/>
+            <a:off x="327622" y="2089827"/>
             <a:ext cx="4297680" cy="2679927"/>
           </a:xfrm>
           <a:prstGeom prst="rect">
@@ -16892,18 +17132,25 @@
   <p:clrMapOvr>
     <a:masterClrMapping/>
   </p:clrMapOvr>
-  <mc:AlternateContent xmlns:mc="http://schemas.openxmlformats.org/markup-compatibility/2006">
-    <mc:Choice xmlns:p14="http://schemas.microsoft.com/office/powerpoint/2010/main" Requires="p14">
+  <mc:AlternateContent xmlns:mc="http://schemas.openxmlformats.org/markup-compatibility/2006" xmlns:p14="http://schemas.microsoft.com/office/powerpoint/2010/main">
+    <mc:Choice Requires="p14">
       <p:transition spd="slow" p14:dur="800">
         <p:circle/>
       </p:transition>
     </mc:Choice>
-    <mc:Fallback>
+    <mc:Fallback xmlns="">
       <p:transition spd="slow">
         <p:circle/>
       </p:transition>
     </mc:Fallback>
   </mc:AlternateContent>
+  <p:timing>
+    <p:tnLst>
+      <p:par>
+        <p:cTn id="1" dur="indefinite" restart="never" nodeType="tmRoot"/>
+      </p:par>
+    </p:tnLst>
+  </p:timing>
 </p:sld>
 </file>
 
@@ -17440,13 +17687,13 @@
           </a:lstStyle>
           <a:p>
             <a:r>
-              <a:rPr lang="vi-VN">
+              <a:rPr lang="vi-VN" sz="2000">
                 <a:latin typeface="Arial" panose="020B0604020202020204" pitchFamily="34" charset="0"/>
                 <a:cs typeface="Arial" panose="020B0604020202020204" pitchFamily="34" charset="0"/>
               </a:rPr>
               <a:t>Lớp Singleton khai báo phương thức tĩnh getInstance trả về cùng thể hiện lớp của chính nó. </a:t>
             </a:r>
-            <a:endParaRPr lang="en-US">
+            <a:endParaRPr lang="en-US" sz="2000">
               <a:latin typeface="Arial" panose="020B0604020202020204" pitchFamily="34" charset="0"/>
               <a:cs typeface="Arial" panose="020B0604020202020204" pitchFamily="34" charset="0"/>
             </a:endParaRPr>
@@ -17582,18 +17829,25 @@
   <p:clrMapOvr>
     <a:masterClrMapping/>
   </p:clrMapOvr>
-  <mc:AlternateContent xmlns:mc="http://schemas.openxmlformats.org/markup-compatibility/2006">
-    <mc:Choice xmlns:p14="http://schemas.microsoft.com/office/powerpoint/2010/main" Requires="p14">
+  <mc:AlternateContent xmlns:mc="http://schemas.openxmlformats.org/markup-compatibility/2006" xmlns:p14="http://schemas.microsoft.com/office/powerpoint/2010/main">
+    <mc:Choice Requires="p14">
       <p:transition spd="slow" p14:dur="1500">
         <p:split orient="vert"/>
       </p:transition>
     </mc:Choice>
-    <mc:Fallback>
+    <mc:Fallback xmlns="">
       <p:transition spd="slow">
         <p:split orient="vert"/>
       </p:transition>
     </mc:Fallback>
   </mc:AlternateContent>
+  <p:timing>
+    <p:tnLst>
+      <p:par>
+        <p:cTn id="1" dur="indefinite" restart="never" nodeType="tmRoot"/>
+      </p:par>
+    </p:tnLst>
+  </p:timing>
 </p:sld>
 </file>
 
@@ -17858,18 +18112,25 @@
   <p:clrMapOvr>
     <a:masterClrMapping/>
   </p:clrMapOvr>
-  <mc:AlternateContent xmlns:mc="http://schemas.openxmlformats.org/markup-compatibility/2006">
-    <mc:Choice xmlns:p15="http://schemas.microsoft.com/office/powerpoint/2012/main" Requires="p15">
+  <mc:AlternateContent xmlns:mc="http://schemas.openxmlformats.org/markup-compatibility/2006" xmlns:p15="http://schemas.microsoft.com/office/powerpoint/2012/main">
+    <mc:Choice Requires="p15">
       <p:transition xmlns:p14="http://schemas.microsoft.com/office/powerpoint/2010/main" spd="slow" p14:dur="2000">
         <p15:prstTrans prst="drape"/>
       </p:transition>
     </mc:Choice>
-    <mc:Fallback>
+    <mc:Fallback xmlns="">
       <p:transition spd="slow">
         <p:fade/>
       </p:transition>
     </mc:Fallback>
   </mc:AlternateContent>
+  <p:timing>
+    <p:tnLst>
+      <p:par>
+        <p:cTn id="1" dur="indefinite" restart="never" nodeType="tmRoot"/>
+      </p:par>
+    </p:tnLst>
+  </p:timing>
 </p:sld>
 </file>
 
@@ -18135,7 +18396,7 @@
     <a:masterClrMapping/>
   </p:clrMapOvr>
   <mc:AlternateContent xmlns:mc="http://schemas.openxmlformats.org/markup-compatibility/2006">
-    <mc:Choice xmlns:p159="http://schemas.microsoft.com/office/powerpoint/2015/09/main" Requires="p159">
+    <mc:Choice xmlns:p159="http://schemas.microsoft.com/office/powerpoint/2015/09/main" xmlns="" Requires="p159">
       <p:transition xmlns:p14="http://schemas.microsoft.com/office/powerpoint/2010/main" spd="slow" p14:dur="2000">
         <p159:morph option="byObject"/>
       </p:transition>
@@ -18146,6 +18407,13 @@
       </p:transition>
     </mc:Fallback>
   </mc:AlternateContent>
+  <p:timing>
+    <p:tnLst>
+      <p:par>
+        <p:cTn id="1" dur="indefinite" restart="never" nodeType="tmRoot"/>
+      </p:par>
+    </p:tnLst>
+  </p:timing>
 </p:sld>
 </file>
 
@@ -18421,6 +18689,13 @@
   <p:transition spd="slow">
     <p:push dir="u"/>
   </p:transition>
+  <p:timing>
+    <p:tnLst>
+      <p:par>
+        <p:cTn id="1" dur="indefinite" restart="never" nodeType="tmRoot"/>
+      </p:par>
+    </p:tnLst>
+  </p:timing>
 </p:sld>
 </file>
 
@@ -18945,7 +19220,7 @@
     <a:masterClrMapping/>
   </p:clrMapOvr>
   <mc:AlternateContent xmlns:mc="http://schemas.openxmlformats.org/markup-compatibility/2006">
-    <mc:Choice xmlns:p159="http://schemas.microsoft.com/office/powerpoint/2015/09/main" Requires="p159">
+    <mc:Choice xmlns:p159="http://schemas.microsoft.com/office/powerpoint/2015/09/main" xmlns="" Requires="p159">
       <p:transition xmlns:p14="http://schemas.microsoft.com/office/powerpoint/2010/main" spd="slow" p14:dur="2000">
         <p159:morph option="byObject"/>
       </p:transition>
@@ -18956,6 +19231,13 @@
       </p:transition>
     </mc:Fallback>
   </mc:AlternateContent>
+  <p:timing>
+    <p:tnLst>
+      <p:par>
+        <p:cTn id="1" dur="indefinite" restart="never" nodeType="tmRoot"/>
+      </p:par>
+    </p:tnLst>
+  </p:timing>
 </p:sld>
 </file>
 
